--- a/Android10/5_1_3_AOSP_App_Investigations_Calendar.pptx
+++ b/Android10/5_1_3_AOSP_App_Investigations_Calendar.pptx
@@ -5,26 +5,27 @@
     <p:sldMasterId id="2147483648" r:id="rId1"/>
   </p:sldMasterIdLst>
   <p:notesMasterIdLst>
-    <p:notesMasterId r:id="rId19"/>
+    <p:notesMasterId r:id="rId20"/>
   </p:notesMasterIdLst>
   <p:sldIdLst>
     <p:sldId id="256" r:id="rId2"/>
-    <p:sldId id="408" r:id="rId3"/>
-    <p:sldId id="451" r:id="rId4"/>
-    <p:sldId id="457" r:id="rId5"/>
-    <p:sldId id="448" r:id="rId6"/>
-    <p:sldId id="497" r:id="rId7"/>
-    <p:sldId id="410" r:id="rId8"/>
-    <p:sldId id="411" r:id="rId9"/>
-    <p:sldId id="412" r:id="rId10"/>
-    <p:sldId id="498" r:id="rId11"/>
-    <p:sldId id="499" r:id="rId12"/>
-    <p:sldId id="500" r:id="rId13"/>
-    <p:sldId id="501" r:id="rId14"/>
-    <p:sldId id="502" r:id="rId15"/>
-    <p:sldId id="503" r:id="rId16"/>
-    <p:sldId id="449" r:id="rId17"/>
-    <p:sldId id="413" r:id="rId18"/>
+    <p:sldId id="504" r:id="rId3"/>
+    <p:sldId id="408" r:id="rId4"/>
+    <p:sldId id="451" r:id="rId5"/>
+    <p:sldId id="457" r:id="rId6"/>
+    <p:sldId id="448" r:id="rId7"/>
+    <p:sldId id="505" r:id="rId8"/>
+    <p:sldId id="497" r:id="rId9"/>
+    <p:sldId id="410" r:id="rId10"/>
+    <p:sldId id="411" r:id="rId11"/>
+    <p:sldId id="412" r:id="rId12"/>
+    <p:sldId id="498" r:id="rId13"/>
+    <p:sldId id="499" r:id="rId14"/>
+    <p:sldId id="500" r:id="rId15"/>
+    <p:sldId id="501" r:id="rId16"/>
+    <p:sldId id="502" r:id="rId17"/>
+    <p:sldId id="503" r:id="rId18"/>
+    <p:sldId id="449" r:id="rId19"/>
   </p:sldIdLst>
   <p:sldSz cx="12192000" cy="6858000"/>
   <p:notesSz cx="6858000" cy="9144000"/>
@@ -146,7 +147,7 @@
 <file path=ppt/revisionInfo.xml><?xml version="1.0" encoding="utf-8"?>
 <p1510:revInfo xmlns:a="http://schemas.openxmlformats.org/drawingml/2006/main" xmlns:r="http://schemas.openxmlformats.org/officeDocument/2006/relationships" xmlns:p1510="http://schemas.microsoft.com/office/powerpoint/2015/10/main">
   <p1510:revLst>
-    <p1510:client id="{519CFF70-A104-4BE5-B7AF-E221F0BC4D16}" v="3" dt="2025-04-03T12:07:28.701"/>
+    <p1510:client id="{519CFF70-A104-4BE5-B7AF-E221F0BC4D16}" v="4" dt="2025-04-07T17:17:21.523"/>
   </p1510:revLst>
 </p1510:revInfo>
 </file>
@@ -4481,7 +4482,7 @@
   <pc:docChgLst>
     <pc:chgData name="Weifeng Xu" userId="e7aed605-a3dd-4d5a-a692-a87037af107b" providerId="ADAL" clId="{519CFF70-A104-4BE5-B7AF-E221F0BC4D16}"/>
     <pc:docChg chg="undo custSel addSld delSld modSld">
-      <pc:chgData name="Weifeng Xu" userId="e7aed605-a3dd-4d5a-a692-a87037af107b" providerId="ADAL" clId="{519CFF70-A104-4BE5-B7AF-E221F0BC4D16}" dt="2025-04-03T12:21:46.824" v="243" actId="1076"/>
+      <pc:chgData name="Weifeng Xu" userId="e7aed605-a3dd-4d5a-a692-a87037af107b" providerId="ADAL" clId="{519CFF70-A104-4BE5-B7AF-E221F0BC4D16}" dt="2025-04-07T17:22:03.229" v="443" actId="47"/>
       <pc:docMkLst>
         <pc:docMk/>
       </pc:docMkLst>
@@ -4614,11 +4615,19 @@
         </pc:sldMkLst>
       </pc:sldChg>
       <pc:sldChg chg="modSp mod">
-        <pc:chgData name="Weifeng Xu" userId="e7aed605-a3dd-4d5a-a692-a87037af107b" providerId="ADAL" clId="{519CFF70-A104-4BE5-B7AF-E221F0BC4D16}" dt="2021-08-09T01:41:56.789" v="153" actId="6549"/>
+        <pc:chgData name="Weifeng Xu" userId="e7aed605-a3dd-4d5a-a692-a87037af107b" providerId="ADAL" clId="{519CFF70-A104-4BE5-B7AF-E221F0BC4D16}" dt="2025-04-07T17:14:42.311" v="250" actId="207"/>
         <pc:sldMkLst>
           <pc:docMk/>
           <pc:sldMk cId="2622453785" sldId="408"/>
         </pc:sldMkLst>
+        <pc:spChg chg="mod">
+          <ac:chgData name="Weifeng Xu" userId="e7aed605-a3dd-4d5a-a692-a87037af107b" providerId="ADAL" clId="{519CFF70-A104-4BE5-B7AF-E221F0BC4D16}" dt="2025-04-07T17:14:42.311" v="250" actId="207"/>
+          <ac:spMkLst>
+            <pc:docMk/>
+            <pc:sldMk cId="2622453785" sldId="408"/>
+            <ac:spMk id="3" creationId="{9E0091E6-6379-4EE0-84A0-9638938021AE}"/>
+          </ac:spMkLst>
+        </pc:spChg>
       </pc:sldChg>
       <pc:sldChg chg="add del">
         <pc:chgData name="Weifeng Xu" userId="e7aed605-a3dd-4d5a-a692-a87037af107b" providerId="ADAL" clId="{519CFF70-A104-4BE5-B7AF-E221F0BC4D16}" dt="2021-08-09T01:43:42.601" v="159" actId="47"/>
@@ -4628,25 +4637,65 @@
         </pc:sldMkLst>
       </pc:sldChg>
       <pc:sldChg chg="delSp modSp mod">
-        <pc:chgData name="Weifeng Xu" userId="e7aed605-a3dd-4d5a-a692-a87037af107b" providerId="ADAL" clId="{519CFF70-A104-4BE5-B7AF-E221F0BC4D16}" dt="2021-08-09T01:45:15.136" v="166" actId="478"/>
+        <pc:chgData name="Weifeng Xu" userId="e7aed605-a3dd-4d5a-a692-a87037af107b" providerId="ADAL" clId="{519CFF70-A104-4BE5-B7AF-E221F0BC4D16}" dt="2025-04-07T17:19:23.173" v="396" actId="20577"/>
         <pc:sldMkLst>
           <pc:docMk/>
           <pc:sldMk cId="1839150834" sldId="410"/>
         </pc:sldMkLst>
+        <pc:spChg chg="mod">
+          <ac:chgData name="Weifeng Xu" userId="e7aed605-a3dd-4d5a-a692-a87037af107b" providerId="ADAL" clId="{519CFF70-A104-4BE5-B7AF-E221F0BC4D16}" dt="2025-04-07T17:19:23.173" v="396" actId="20577"/>
+          <ac:spMkLst>
+            <pc:docMk/>
+            <pc:sldMk cId="1839150834" sldId="410"/>
+            <ac:spMk id="2" creationId="{D3B4A165-01E0-49B9-A70C-492D7951A6C6}"/>
+          </ac:spMkLst>
+        </pc:spChg>
       </pc:sldChg>
       <pc:sldChg chg="addSp delSp modSp mod">
-        <pc:chgData name="Weifeng Xu" userId="e7aed605-a3dd-4d5a-a692-a87037af107b" providerId="ADAL" clId="{519CFF70-A104-4BE5-B7AF-E221F0BC4D16}" dt="2021-08-09T01:45:33.807" v="173" actId="478"/>
+        <pc:chgData name="Weifeng Xu" userId="e7aed605-a3dd-4d5a-a692-a87037af107b" providerId="ADAL" clId="{519CFF70-A104-4BE5-B7AF-E221F0BC4D16}" dt="2025-04-07T17:20:15.783" v="432" actId="207"/>
         <pc:sldMkLst>
           <pc:docMk/>
           <pc:sldMk cId="46822973" sldId="411"/>
         </pc:sldMkLst>
+        <pc:spChg chg="mod">
+          <ac:chgData name="Weifeng Xu" userId="e7aed605-a3dd-4d5a-a692-a87037af107b" providerId="ADAL" clId="{519CFF70-A104-4BE5-B7AF-E221F0BC4D16}" dt="2025-04-07T17:20:15.783" v="432" actId="207"/>
+          <ac:spMkLst>
+            <pc:docMk/>
+            <pc:sldMk cId="46822973" sldId="411"/>
+            <ac:spMk id="2" creationId="{88A96AAE-54C7-4A67-B297-1D11C1D82726}"/>
+          </ac:spMkLst>
+        </pc:spChg>
+        <pc:spChg chg="mod">
+          <ac:chgData name="Weifeng Xu" userId="e7aed605-a3dd-4d5a-a692-a87037af107b" providerId="ADAL" clId="{519CFF70-A104-4BE5-B7AF-E221F0BC4D16}" dt="2025-04-07T17:05:25.604" v="245" actId="14100"/>
+          <ac:spMkLst>
+            <pc:docMk/>
+            <pc:sldMk cId="46822973" sldId="411"/>
+            <ac:spMk id="6" creationId="{383E0541-0D55-451D-AAD3-ADD4C9225F75}"/>
+          </ac:spMkLst>
+        </pc:spChg>
+        <pc:picChg chg="mod">
+          <ac:chgData name="Weifeng Xu" userId="e7aed605-a3dd-4d5a-a692-a87037af107b" providerId="ADAL" clId="{519CFF70-A104-4BE5-B7AF-E221F0BC4D16}" dt="2025-04-07T17:05:21.920" v="244" actId="14100"/>
+          <ac:picMkLst>
+            <pc:docMk/>
+            <pc:sldMk cId="46822973" sldId="411"/>
+            <ac:picMk id="5" creationId="{8AEDF05A-60F2-4524-8451-C5C728E103BB}"/>
+          </ac:picMkLst>
+        </pc:picChg>
       </pc:sldChg>
       <pc:sldChg chg="delSp modSp mod">
-        <pc:chgData name="Weifeng Xu" userId="e7aed605-a3dd-4d5a-a692-a87037af107b" providerId="ADAL" clId="{519CFF70-A104-4BE5-B7AF-E221F0BC4D16}" dt="2025-04-03T12:00:41.720" v="185" actId="6549"/>
+        <pc:chgData name="Weifeng Xu" userId="e7aed605-a3dd-4d5a-a692-a87037af107b" providerId="ADAL" clId="{519CFF70-A104-4BE5-B7AF-E221F0BC4D16}" dt="2025-04-07T17:20:28.916" v="433"/>
         <pc:sldMkLst>
           <pc:docMk/>
           <pc:sldMk cId="3735861723" sldId="412"/>
         </pc:sldMkLst>
+        <pc:spChg chg="mod">
+          <ac:chgData name="Weifeng Xu" userId="e7aed605-a3dd-4d5a-a692-a87037af107b" providerId="ADAL" clId="{519CFF70-A104-4BE5-B7AF-E221F0BC4D16}" dt="2025-04-07T17:20:28.916" v="433"/>
+          <ac:spMkLst>
+            <pc:docMk/>
+            <pc:sldMk cId="3735861723" sldId="412"/>
+            <ac:spMk id="2" creationId="{B23D5793-2D2E-4A05-BBDB-A78A693AE53B}"/>
+          </ac:spMkLst>
+        </pc:spChg>
         <pc:spChg chg="mod">
           <ac:chgData name="Weifeng Xu" userId="e7aed605-a3dd-4d5a-a692-a87037af107b" providerId="ADAL" clId="{519CFF70-A104-4BE5-B7AF-E221F0BC4D16}" dt="2025-04-03T12:00:41.720" v="185" actId="6549"/>
           <ac:spMkLst>
@@ -4657,6 +4706,13 @@
         </pc:spChg>
       </pc:sldChg>
       <pc:sldChg chg="del">
+        <pc:chgData name="Weifeng Xu" userId="e7aed605-a3dd-4d5a-a692-a87037af107b" providerId="ADAL" clId="{519CFF70-A104-4BE5-B7AF-E221F0BC4D16}" dt="2025-04-07T17:22:03.229" v="443" actId="47"/>
+        <pc:sldMkLst>
+          <pc:docMk/>
+          <pc:sldMk cId="3552793750" sldId="413"/>
+        </pc:sldMkLst>
+      </pc:sldChg>
+      <pc:sldChg chg="del">
         <pc:chgData name="Weifeng Xu" userId="e7aed605-a3dd-4d5a-a692-a87037af107b" providerId="ADAL" clId="{519CFF70-A104-4BE5-B7AF-E221F0BC4D16}" dt="2021-08-09T01:38:24.327" v="35" actId="47"/>
         <pc:sldMkLst>
           <pc:docMk/>
@@ -4781,6 +4837,44 @@
           <pc:docMk/>
           <pc:sldMk cId="2270913000" sldId="447"/>
         </pc:sldMkLst>
+      </pc:sldChg>
+      <pc:sldChg chg="modSp mod">
+        <pc:chgData name="Weifeng Xu" userId="e7aed605-a3dd-4d5a-a692-a87037af107b" providerId="ADAL" clId="{519CFF70-A104-4BE5-B7AF-E221F0BC4D16}" dt="2025-04-07T17:17:07.826" v="313" actId="14"/>
+        <pc:sldMkLst>
+          <pc:docMk/>
+          <pc:sldMk cId="2349952390" sldId="448"/>
+        </pc:sldMkLst>
+        <pc:spChg chg="mod">
+          <ac:chgData name="Weifeng Xu" userId="e7aed605-a3dd-4d5a-a692-a87037af107b" providerId="ADAL" clId="{519CFF70-A104-4BE5-B7AF-E221F0BC4D16}" dt="2025-04-07T17:17:03.225" v="312" actId="20577"/>
+          <ac:spMkLst>
+            <pc:docMk/>
+            <pc:sldMk cId="2349952390" sldId="448"/>
+            <ac:spMk id="2" creationId="{CF34116F-509B-4B9B-9679-ECC66D038AA9}"/>
+          </ac:spMkLst>
+        </pc:spChg>
+        <pc:spChg chg="mod">
+          <ac:chgData name="Weifeng Xu" userId="e7aed605-a3dd-4d5a-a692-a87037af107b" providerId="ADAL" clId="{519CFF70-A104-4BE5-B7AF-E221F0BC4D16}" dt="2025-04-07T17:17:07.826" v="313" actId="14"/>
+          <ac:spMkLst>
+            <pc:docMk/>
+            <pc:sldMk cId="2349952390" sldId="448"/>
+            <ac:spMk id="3" creationId="{C05CC460-5102-4C30-BFDF-57CA52235995}"/>
+          </ac:spMkLst>
+        </pc:spChg>
+      </pc:sldChg>
+      <pc:sldChg chg="modSp mod">
+        <pc:chgData name="Weifeng Xu" userId="e7aed605-a3dd-4d5a-a692-a87037af107b" providerId="ADAL" clId="{519CFF70-A104-4BE5-B7AF-E221F0BC4D16}" dt="2025-04-07T17:21:58.855" v="442" actId="20577"/>
+        <pc:sldMkLst>
+          <pc:docMk/>
+          <pc:sldMk cId="2217854660" sldId="449"/>
+        </pc:sldMkLst>
+        <pc:spChg chg="mod">
+          <ac:chgData name="Weifeng Xu" userId="e7aed605-a3dd-4d5a-a692-a87037af107b" providerId="ADAL" clId="{519CFF70-A104-4BE5-B7AF-E221F0BC4D16}" dt="2025-04-07T17:21:58.855" v="442" actId="20577"/>
+          <ac:spMkLst>
+            <pc:docMk/>
+            <pc:sldMk cId="2217854660" sldId="449"/>
+            <ac:spMk id="2" creationId="{096E0F7A-5AAA-4C3C-A435-A7F65049BF77}"/>
+          </ac:spMkLst>
+        </pc:spChg>
       </pc:sldChg>
       <pc:sldChg chg="modSp mod">
         <pc:chgData name="Weifeng Xu" userId="e7aed605-a3dd-4d5a-a692-a87037af107b" providerId="ADAL" clId="{519CFF70-A104-4BE5-B7AF-E221F0BC4D16}" dt="2021-08-09T01:42:12.191" v="154" actId="313"/>
@@ -5048,12 +5142,28 @@
           <pc:sldMk cId="3788700773" sldId="496"/>
         </pc:sldMkLst>
       </pc:sldChg>
-      <pc:sldChg chg="add del">
-        <pc:chgData name="Weifeng Xu" userId="e7aed605-a3dd-4d5a-a692-a87037af107b" providerId="ADAL" clId="{519CFF70-A104-4BE5-B7AF-E221F0BC4D16}" dt="2021-08-09T01:43:37.062" v="158" actId="47"/>
+      <pc:sldChg chg="modSp add del mod">
+        <pc:chgData name="Weifeng Xu" userId="e7aed605-a3dd-4d5a-a692-a87037af107b" providerId="ADAL" clId="{519CFF70-A104-4BE5-B7AF-E221F0BC4D16}" dt="2025-04-07T17:18:30.631" v="348" actId="12"/>
         <pc:sldMkLst>
           <pc:docMk/>
           <pc:sldMk cId="1156047588" sldId="497"/>
         </pc:sldMkLst>
+        <pc:spChg chg="mod">
+          <ac:chgData name="Weifeng Xu" userId="e7aed605-a3dd-4d5a-a692-a87037af107b" providerId="ADAL" clId="{519CFF70-A104-4BE5-B7AF-E221F0BC4D16}" dt="2025-04-07T17:18:07.706" v="346" actId="20577"/>
+          <ac:spMkLst>
+            <pc:docMk/>
+            <pc:sldMk cId="1156047588" sldId="497"/>
+            <ac:spMk id="6" creationId="{E2F856D4-F051-4999-93C1-1D83F8208F03}"/>
+          </ac:spMkLst>
+        </pc:spChg>
+        <pc:spChg chg="mod">
+          <ac:chgData name="Weifeng Xu" userId="e7aed605-a3dd-4d5a-a692-a87037af107b" providerId="ADAL" clId="{519CFF70-A104-4BE5-B7AF-E221F0BC4D16}" dt="2025-04-07T17:18:30.631" v="348" actId="12"/>
+          <ac:spMkLst>
+            <pc:docMk/>
+            <pc:sldMk cId="1156047588" sldId="497"/>
+            <ac:spMk id="7" creationId="{9FB82F0C-1384-4573-A52E-14FA3E8989B6}"/>
+          </ac:spMkLst>
+        </pc:spChg>
       </pc:sldChg>
       <pc:sldChg chg="del">
         <pc:chgData name="Weifeng Xu" userId="e7aed605-a3dd-4d5a-a692-a87037af107b" providerId="ADAL" clId="{519CFF70-A104-4BE5-B7AF-E221F0BC4D16}" dt="2021-08-09T01:38:42.312" v="74" actId="47"/>
@@ -5084,14 +5194,6 @@
             <ac:spMk id="3" creationId="{F3797446-CE3A-6998-089F-215632787412}"/>
           </ac:spMkLst>
         </pc:spChg>
-        <pc:spChg chg="add mod">
-          <ac:chgData name="Weifeng Xu" userId="e7aed605-a3dd-4d5a-a692-a87037af107b" providerId="ADAL" clId="{519CFF70-A104-4BE5-B7AF-E221F0BC4D16}" dt="2025-04-03T12:07:25.777" v="193"/>
-          <ac:spMkLst>
-            <pc:docMk/>
-            <pc:sldMk cId="2656319871" sldId="498"/>
-            <ac:spMk id="4" creationId="{64417D11-914D-627C-0EA8-D9578F671298}"/>
-          </ac:spMkLst>
-        </pc:spChg>
       </pc:sldChg>
       <pc:sldChg chg="del">
         <pc:chgData name="Weifeng Xu" userId="e7aed605-a3dd-4d5a-a692-a87037af107b" providerId="ADAL" clId="{519CFF70-A104-4BE5-B7AF-E221F0BC4D16}" dt="2021-08-09T01:38:41.819" v="73" actId="47"/>
@@ -5106,22 +5208,6 @@
           <pc:docMk/>
           <pc:sldMk cId="3154280878" sldId="499"/>
         </pc:sldMkLst>
-        <pc:spChg chg="del">
-          <ac:chgData name="Weifeng Xu" userId="e7aed605-a3dd-4d5a-a692-a87037af107b" providerId="ADAL" clId="{519CFF70-A104-4BE5-B7AF-E221F0BC4D16}" dt="2025-04-03T12:10:33.749" v="213" actId="700"/>
-          <ac:spMkLst>
-            <pc:docMk/>
-            <pc:sldMk cId="3154280878" sldId="499"/>
-            <ac:spMk id="2" creationId="{90F5D2FA-B376-34A6-16D6-45752B7C6131}"/>
-          </ac:spMkLst>
-        </pc:spChg>
-        <pc:spChg chg="del">
-          <ac:chgData name="Weifeng Xu" userId="e7aed605-a3dd-4d5a-a692-a87037af107b" providerId="ADAL" clId="{519CFF70-A104-4BE5-B7AF-E221F0BC4D16}" dt="2025-04-03T12:10:33.749" v="213" actId="700"/>
-          <ac:spMkLst>
-            <pc:docMk/>
-            <pc:sldMk cId="3154280878" sldId="499"/>
-            <ac:spMk id="3" creationId="{15BAA5E1-13F0-A0F3-B838-FAE5E4643576}"/>
-          </ac:spMkLst>
-        </pc:spChg>
         <pc:spChg chg="add mod">
           <ac:chgData name="Weifeng Xu" userId="e7aed605-a3dd-4d5a-a692-a87037af107b" providerId="ADAL" clId="{519CFF70-A104-4BE5-B7AF-E221F0BC4D16}" dt="2025-04-03T12:13:30.868" v="215"/>
           <ac:spMkLst>
@@ -5145,30 +5231,6 @@
           <pc:docMk/>
           <pc:sldMk cId="83335793" sldId="500"/>
         </pc:sldMkLst>
-        <pc:spChg chg="del">
-          <ac:chgData name="Weifeng Xu" userId="e7aed605-a3dd-4d5a-a692-a87037af107b" providerId="ADAL" clId="{519CFF70-A104-4BE5-B7AF-E221F0BC4D16}" dt="2025-04-03T12:14:36.417" v="220" actId="700"/>
-          <ac:spMkLst>
-            <pc:docMk/>
-            <pc:sldMk cId="83335793" sldId="500"/>
-            <ac:spMk id="2" creationId="{AF8E2A9E-4402-F91B-B9AD-B9F1FC25D941}"/>
-          </ac:spMkLst>
-        </pc:spChg>
-        <pc:spChg chg="del">
-          <ac:chgData name="Weifeng Xu" userId="e7aed605-a3dd-4d5a-a692-a87037af107b" providerId="ADAL" clId="{519CFF70-A104-4BE5-B7AF-E221F0BC4D16}" dt="2025-04-03T12:14:36.417" v="220" actId="700"/>
-          <ac:spMkLst>
-            <pc:docMk/>
-            <pc:sldMk cId="83335793" sldId="500"/>
-            <ac:spMk id="3" creationId="{0BCC4E1E-ABC4-1607-FFD0-55215C47F7BF}"/>
-          </ac:spMkLst>
-        </pc:spChg>
-        <pc:picChg chg="add del mod">
-          <ac:chgData name="Weifeng Xu" userId="e7aed605-a3dd-4d5a-a692-a87037af107b" providerId="ADAL" clId="{519CFF70-A104-4BE5-B7AF-E221F0BC4D16}" dt="2025-04-03T12:15:08.136" v="226" actId="22"/>
-          <ac:picMkLst>
-            <pc:docMk/>
-            <pc:sldMk cId="83335793" sldId="500"/>
-            <ac:picMk id="5" creationId="{7021775F-5325-4ED0-4BB9-A4938E5B545F}"/>
-          </ac:picMkLst>
-        </pc:picChg>
         <pc:picChg chg="add mod">
           <ac:chgData name="Weifeng Xu" userId="e7aed605-a3dd-4d5a-a692-a87037af107b" providerId="ADAL" clId="{519CFF70-A104-4BE5-B7AF-E221F0BC4D16}" dt="2025-04-03T12:16:06.446" v="229" actId="14100"/>
           <ac:picMkLst>
@@ -5222,6 +5284,60 @@
             <ac:picMk id="3" creationId="{C7335FA0-4F9A-A248-F19B-075CC2A5FE78}"/>
           </ac:picMkLst>
         </pc:picChg>
+      </pc:sldChg>
+      <pc:sldChg chg="addSp delSp modSp new mod modClrScheme chgLayout">
+        <pc:chgData name="Weifeng Xu" userId="e7aed605-a3dd-4d5a-a692-a87037af107b" providerId="ADAL" clId="{519CFF70-A104-4BE5-B7AF-E221F0BC4D16}" dt="2025-04-07T17:15:56.595" v="257" actId="20577"/>
+        <pc:sldMkLst>
+          <pc:docMk/>
+          <pc:sldMk cId="1036379805" sldId="504"/>
+        </pc:sldMkLst>
+        <pc:spChg chg="del mod ord">
+          <ac:chgData name="Weifeng Xu" userId="e7aed605-a3dd-4d5a-a692-a87037af107b" providerId="ADAL" clId="{519CFF70-A104-4BE5-B7AF-E221F0BC4D16}" dt="2025-04-07T17:15:45.051" v="252" actId="700"/>
+          <ac:spMkLst>
+            <pc:docMk/>
+            <pc:sldMk cId="1036379805" sldId="504"/>
+            <ac:spMk id="2" creationId="{74D42336-F3D6-2857-F7AD-9456D4C79B7B}"/>
+          </ac:spMkLst>
+        </pc:spChg>
+        <pc:spChg chg="del mod ord">
+          <ac:chgData name="Weifeng Xu" userId="e7aed605-a3dd-4d5a-a692-a87037af107b" providerId="ADAL" clId="{519CFF70-A104-4BE5-B7AF-E221F0BC4D16}" dt="2025-04-07T17:15:45.051" v="252" actId="700"/>
+          <ac:spMkLst>
+            <pc:docMk/>
+            <pc:sldMk cId="1036379805" sldId="504"/>
+            <ac:spMk id="3" creationId="{6615F10D-8F50-DF9F-3313-194A40EF085A}"/>
+          </ac:spMkLst>
+        </pc:spChg>
+        <pc:spChg chg="add mod ord">
+          <ac:chgData name="Weifeng Xu" userId="e7aed605-a3dd-4d5a-a692-a87037af107b" providerId="ADAL" clId="{519CFF70-A104-4BE5-B7AF-E221F0BC4D16}" dt="2025-04-07T17:15:56.595" v="257" actId="20577"/>
+          <ac:spMkLst>
+            <pc:docMk/>
+            <pc:sldMk cId="1036379805" sldId="504"/>
+            <ac:spMk id="4" creationId="{2F864675-3DFF-3BF5-459C-DD1FD5BE3BEE}"/>
+          </ac:spMkLst>
+        </pc:spChg>
+        <pc:spChg chg="add mod ord">
+          <ac:chgData name="Weifeng Xu" userId="e7aed605-a3dd-4d5a-a692-a87037af107b" providerId="ADAL" clId="{519CFF70-A104-4BE5-B7AF-E221F0BC4D16}" dt="2025-04-07T17:15:45.051" v="252" actId="700"/>
+          <ac:spMkLst>
+            <pc:docMk/>
+            <pc:sldMk cId="1036379805" sldId="504"/>
+            <ac:spMk id="5" creationId="{4563694A-6FA5-8AD1-B2D8-D256F48DC455}"/>
+          </ac:spMkLst>
+        </pc:spChg>
+      </pc:sldChg>
+      <pc:sldChg chg="modSp add mod">
+        <pc:chgData name="Weifeng Xu" userId="e7aed605-a3dd-4d5a-a692-a87037af107b" providerId="ADAL" clId="{519CFF70-A104-4BE5-B7AF-E221F0BC4D16}" dt="2025-04-07T17:17:26.728" v="328" actId="20577"/>
+        <pc:sldMkLst>
+          <pc:docMk/>
+          <pc:sldMk cId="3110483315" sldId="505"/>
+        </pc:sldMkLst>
+        <pc:spChg chg="mod">
+          <ac:chgData name="Weifeng Xu" userId="e7aed605-a3dd-4d5a-a692-a87037af107b" providerId="ADAL" clId="{519CFF70-A104-4BE5-B7AF-E221F0BC4D16}" dt="2025-04-07T17:17:26.728" v="328" actId="20577"/>
+          <ac:spMkLst>
+            <pc:docMk/>
+            <pc:sldMk cId="3110483315" sldId="505"/>
+            <ac:spMk id="4" creationId="{95CE8EB6-B960-E4BF-E0D7-8ACA72A042AE}"/>
+          </ac:spMkLst>
+        </pc:spChg>
       </pc:sldChg>
     </pc:docChg>
   </pc:docChgLst>
@@ -6633,7 +6749,7 @@
           <a:p>
             <a:fld id="{EE41F6E3-57F9-402E-BDBA-5B2DE11C8530}" type="datetimeFigureOut">
               <a:rPr lang="en-US" smtClean="0"/>
-              <a:t>4/3/2025</a:t>
+              <a:t>4/7/2025</a:t>
             </a:fld>
             <a:endParaRPr lang="en-US"/>
           </a:p>
@@ -7057,7 +7173,7 @@
           <a:p>
             <a:fld id="{DDBF98C7-164A-4723-84F0-B1E4B080DDEC}" type="slidenum">
               <a:rPr lang="en-US" smtClean="0"/>
-              <a:t>7</a:t>
+              <a:t>9</a:t>
             </a:fld>
             <a:endParaRPr lang="en-US"/>
           </a:p>
@@ -7121,10 +7237,28 @@
           <a:lstStyle/>
           <a:p>
             <a:r>
-              <a:rPr lang="en-US">
+              <a:rPr lang="en-US" dirty="0" err="1">
                 <a:cs typeface="Calibri"/>
               </a:rPr>
-              <a:t>Cmd: tree 'Pixel 3/data/data/com.android.providers.calendar/databases'</a:t>
+              <a:t>Cmd</a:t>
+            </a:r>
+            <a:r>
+              <a:rPr lang="en-US" dirty="0">
+                <a:cs typeface="Calibri"/>
+              </a:rPr>
+              <a:t>: tree 'Pixel 3/data/data/</a:t>
+            </a:r>
+            <a:r>
+              <a:rPr lang="en-US" dirty="0" err="1">
+                <a:cs typeface="Calibri"/>
+              </a:rPr>
+              <a:t>com.android.providers.calendar</a:t>
+            </a:r>
+            <a:r>
+              <a:rPr lang="en-US" dirty="0">
+                <a:cs typeface="Calibri"/>
+              </a:rPr>
+              <a:t>/databases'</a:t>
             </a:r>
           </a:p>
         </p:txBody>
@@ -7146,7 +7280,7 @@
           <a:p>
             <a:fld id="{DDBF98C7-164A-4723-84F0-B1E4B080DDEC}" type="slidenum">
               <a:rPr lang="en-US" smtClean="0"/>
-              <a:t>8</a:t>
+              <a:t>10</a:t>
             </a:fld>
             <a:endParaRPr lang="en-US"/>
           </a:p>
@@ -7235,7 +7369,7 @@
           <a:p>
             <a:fld id="{DDBF98C7-164A-4723-84F0-B1E4B080DDEC}" type="slidenum">
               <a:rPr lang="en-US" smtClean="0"/>
-              <a:t>9</a:t>
+              <a:t>11</a:t>
             </a:fld>
             <a:endParaRPr lang="en-US"/>
           </a:p>
@@ -7383,7 +7517,7 @@
           <a:p>
             <a:fld id="{4263717A-E3C1-4BED-ABE0-B7069385E023}" type="datetimeFigureOut">
               <a:rPr lang="en-US" smtClean="0"/>
-              <a:t>4/3/2025</a:t>
+              <a:t>4/7/2025</a:t>
             </a:fld>
             <a:endParaRPr lang="en-US"/>
           </a:p>
@@ -7556,7 +7690,7 @@
           <a:p>
             <a:fld id="{4263717A-E3C1-4BED-ABE0-B7069385E023}" type="datetimeFigureOut">
               <a:rPr lang="en-US" smtClean="0"/>
-              <a:t>4/3/2025</a:t>
+              <a:t>4/7/2025</a:t>
             </a:fld>
             <a:endParaRPr lang="en-US"/>
           </a:p>
@@ -7734,7 +7868,7 @@
           <a:p>
             <a:fld id="{4263717A-E3C1-4BED-ABE0-B7069385E023}" type="datetimeFigureOut">
               <a:rPr lang="en-US" smtClean="0"/>
-              <a:t>4/3/2025</a:t>
+              <a:t>4/7/2025</a:t>
             </a:fld>
             <a:endParaRPr lang="en-US"/>
           </a:p>
@@ -7902,7 +8036,7 @@
           <a:p>
             <a:fld id="{4263717A-E3C1-4BED-ABE0-B7069385E023}" type="datetimeFigureOut">
               <a:rPr lang="en-US" smtClean="0"/>
-              <a:t>4/3/2025</a:t>
+              <a:t>4/7/2025</a:t>
             </a:fld>
             <a:endParaRPr lang="en-US"/>
           </a:p>
@@ -8147,7 +8281,7 @@
           <a:p>
             <a:fld id="{4263717A-E3C1-4BED-ABE0-B7069385E023}" type="datetimeFigureOut">
               <a:rPr lang="en-US" smtClean="0"/>
-              <a:t>4/3/2025</a:t>
+              <a:t>4/7/2025</a:t>
             </a:fld>
             <a:endParaRPr lang="en-US"/>
           </a:p>
@@ -8376,7 +8510,7 @@
           <a:p>
             <a:fld id="{4263717A-E3C1-4BED-ABE0-B7069385E023}" type="datetimeFigureOut">
               <a:rPr lang="en-US" smtClean="0"/>
-              <a:t>4/3/2025</a:t>
+              <a:t>4/7/2025</a:t>
             </a:fld>
             <a:endParaRPr lang="en-US"/>
           </a:p>
@@ -8740,7 +8874,7 @@
           <a:p>
             <a:fld id="{4263717A-E3C1-4BED-ABE0-B7069385E023}" type="datetimeFigureOut">
               <a:rPr lang="en-US" smtClean="0"/>
-              <a:t>4/3/2025</a:t>
+              <a:t>4/7/2025</a:t>
             </a:fld>
             <a:endParaRPr lang="en-US"/>
           </a:p>
@@ -8857,7 +8991,7 @@
           <a:p>
             <a:fld id="{4263717A-E3C1-4BED-ABE0-B7069385E023}" type="datetimeFigureOut">
               <a:rPr lang="en-US" smtClean="0"/>
-              <a:t>4/3/2025</a:t>
+              <a:t>4/7/2025</a:t>
             </a:fld>
             <a:endParaRPr lang="en-US"/>
           </a:p>
@@ -8952,7 +9086,7 @@
           <a:p>
             <a:fld id="{4263717A-E3C1-4BED-ABE0-B7069385E023}" type="datetimeFigureOut">
               <a:rPr lang="en-US" smtClean="0"/>
-              <a:t>4/3/2025</a:t>
+              <a:t>4/7/2025</a:t>
             </a:fld>
             <a:endParaRPr lang="en-US"/>
           </a:p>
@@ -9227,7 +9361,7 @@
           <a:p>
             <a:fld id="{4263717A-E3C1-4BED-ABE0-B7069385E023}" type="datetimeFigureOut">
               <a:rPr lang="en-US" smtClean="0"/>
-              <a:t>4/3/2025</a:t>
+              <a:t>4/7/2025</a:t>
             </a:fld>
             <a:endParaRPr lang="en-US"/>
           </a:p>
@@ -9479,7 +9613,7 @@
           <a:p>
             <a:fld id="{4263717A-E3C1-4BED-ABE0-B7069385E023}" type="datetimeFigureOut">
               <a:rPr lang="en-US" smtClean="0"/>
-              <a:t>4/3/2025</a:t>
+              <a:t>4/7/2025</a:t>
             </a:fld>
             <a:endParaRPr lang="en-US"/>
           </a:p>
@@ -9690,7 +9824,7 @@
           <a:p>
             <a:fld id="{4263717A-E3C1-4BED-ABE0-B7069385E023}" type="datetimeFigureOut">
               <a:rPr lang="en-US" smtClean="0"/>
-              <a:t>4/3/2025</a:t>
+              <a:t>4/7/2025</a:t>
             </a:fld>
             <a:endParaRPr lang="en-US"/>
           </a:p>
@@ -10355,6 +10489,569 @@
           <p:cNvPr id="2" name="Title 1">
             <a:extLst>
               <a:ext uri="{FF2B5EF4-FFF2-40B4-BE49-F238E27FC236}">
+                <a16:creationId xmlns:a16="http://schemas.microsoft.com/office/drawing/2014/main" id="{88A96AAE-54C7-4A67-B297-1D11C1D82726}"/>
+              </a:ext>
+            </a:extLst>
+          </p:cNvPr>
+          <p:cNvSpPr>
+            <a:spLocks noGrp="1"/>
+          </p:cNvSpPr>
+          <p:nvPr>
+            <p:ph type="title"/>
+          </p:nvPr>
+        </p:nvSpPr>
+        <p:spPr/>
+        <p:txBody>
+          <a:bodyPr/>
+          <a:lstStyle/>
+          <a:p>
+            <a:r>
+              <a:rPr lang="en-US" dirty="0" err="1">
+                <a:solidFill>
+                  <a:schemeClr val="accent2"/>
+                </a:solidFill>
+                <a:cs typeface="Calibri Light"/>
+              </a:rPr>
+              <a:t>calendar.db</a:t>
+            </a:r>
+            <a:r>
+              <a:rPr lang="en-US" dirty="0">
+                <a:solidFill>
+                  <a:schemeClr val="accent2"/>
+                </a:solidFill>
+                <a:cs typeface="Calibri Light"/>
+              </a:rPr>
+              <a:t> </a:t>
+            </a:r>
+            <a:r>
+              <a:rPr lang="en-US" dirty="0">
+                <a:cs typeface="Calibri Light"/>
+              </a:rPr>
+              <a:t>location</a:t>
+            </a:r>
+            <a:r>
+              <a:rPr lang="en-US" dirty="0">
+                <a:solidFill>
+                  <a:schemeClr val="accent2"/>
+                </a:solidFill>
+                <a:cs typeface="Calibri Light"/>
+              </a:rPr>
+              <a:t> </a:t>
+            </a:r>
+            <a:endParaRPr lang="en-US" dirty="0">
+              <a:solidFill>
+                <a:schemeClr val="accent2"/>
+              </a:solidFill>
+            </a:endParaRPr>
+          </a:p>
+        </p:txBody>
+      </p:sp>
+      <p:pic>
+        <p:nvPicPr>
+          <p:cNvPr id="5" name="Picture 5" descr="A picture containing logo&#10;&#10;Description automatically generated">
+            <a:extLst>
+              <a:ext uri="{FF2B5EF4-FFF2-40B4-BE49-F238E27FC236}">
+                <a16:creationId xmlns:a16="http://schemas.microsoft.com/office/drawing/2014/main" id="{8AEDF05A-60F2-4524-8451-C5C728E103BB}"/>
+              </a:ext>
+            </a:extLst>
+          </p:cNvPr>
+          <p:cNvPicPr>
+            <a:picLocks noChangeAspect="1"/>
+          </p:cNvPicPr>
+          <p:nvPr/>
+        </p:nvPicPr>
+        <p:blipFill>
+          <a:blip r:embed="rId3"/>
+          <a:stretch>
+            <a:fillRect/>
+          </a:stretch>
+        </p:blipFill>
+        <p:spPr>
+          <a:xfrm>
+            <a:off x="838200" y="2467080"/>
+            <a:ext cx="10233837" cy="2145751"/>
+          </a:xfrm>
+          <a:prstGeom prst="rect">
+            <a:avLst/>
+          </a:prstGeom>
+        </p:spPr>
+      </p:pic>
+      <p:sp>
+        <p:nvSpPr>
+          <p:cNvPr id="6" name="Rectangle 5">
+            <a:extLst>
+              <a:ext uri="{FF2B5EF4-FFF2-40B4-BE49-F238E27FC236}">
+                <a16:creationId xmlns:a16="http://schemas.microsoft.com/office/drawing/2014/main" id="{383E0541-0D55-451D-AAD3-ADD4C9225F75}"/>
+              </a:ext>
+            </a:extLst>
+          </p:cNvPr>
+          <p:cNvSpPr/>
+          <p:nvPr/>
+        </p:nvSpPr>
+        <p:spPr>
+          <a:xfrm>
+            <a:off x="1498442" y="3025069"/>
+            <a:ext cx="9502711" cy="313554"/>
+          </a:xfrm>
+          <a:prstGeom prst="rect">
+            <a:avLst/>
+          </a:prstGeom>
+          <a:noFill/>
+          <a:ln w="28575">
+            <a:solidFill>
+              <a:srgbClr val="FF0000"/>
+            </a:solidFill>
+          </a:ln>
+        </p:spPr>
+        <p:style>
+          <a:lnRef idx="2">
+            <a:schemeClr val="accent1">
+              <a:shade val="50000"/>
+            </a:schemeClr>
+          </a:lnRef>
+          <a:fillRef idx="1">
+            <a:schemeClr val="accent1"/>
+          </a:fillRef>
+          <a:effectRef idx="0">
+            <a:schemeClr val="accent1"/>
+          </a:effectRef>
+          <a:fontRef idx="minor">
+            <a:schemeClr val="lt1"/>
+          </a:fontRef>
+        </p:style>
+        <p:txBody>
+          <a:bodyPr rtlCol="0" anchor="ctr"/>
+          <a:lstStyle/>
+          <a:p>
+            <a:pPr algn="ctr"/>
+            <a:endParaRPr lang="en-US"/>
+          </a:p>
+        </p:txBody>
+      </p:sp>
+    </p:spTree>
+    <p:extLst>
+      <p:ext uri="{BB962C8B-B14F-4D97-AF65-F5344CB8AC3E}">
+        <p14:creationId xmlns:p14="http://schemas.microsoft.com/office/powerpoint/2010/main" val="46822973"/>
+      </p:ext>
+    </p:extLst>
+  </p:cSld>
+  <p:clrMapOvr>
+    <a:masterClrMapping/>
+  </p:clrMapOvr>
+</p:sld>
+</file>
+
+<file path=ppt/slides/slide11.xml><?xml version="1.0" encoding="utf-8"?>
+<p:sld xmlns:a="http://schemas.openxmlformats.org/drawingml/2006/main" xmlns:r="http://schemas.openxmlformats.org/officeDocument/2006/relationships" xmlns:p="http://schemas.openxmlformats.org/presentationml/2006/main">
+  <p:cSld>
+    <p:spTree>
+      <p:nvGrpSpPr>
+        <p:cNvPr id="1" name=""/>
+        <p:cNvGrpSpPr/>
+        <p:nvPr/>
+      </p:nvGrpSpPr>
+      <p:grpSpPr>
+        <a:xfrm>
+          <a:off x="0" y="0"/>
+          <a:ext cx="0" cy="0"/>
+          <a:chOff x="0" y="0"/>
+          <a:chExt cx="0" cy="0"/>
+        </a:xfrm>
+      </p:grpSpPr>
+      <p:sp>
+        <p:nvSpPr>
+          <p:cNvPr id="2" name="Title 1">
+            <a:extLst>
+              <a:ext uri="{FF2B5EF4-FFF2-40B4-BE49-F238E27FC236}">
+                <a16:creationId xmlns:a16="http://schemas.microsoft.com/office/drawing/2014/main" id="{B23D5793-2D2E-4A05-BBDB-A78A693AE53B}"/>
+              </a:ext>
+            </a:extLst>
+          </p:cNvPr>
+          <p:cNvSpPr>
+            <a:spLocks noGrp="1"/>
+          </p:cNvSpPr>
+          <p:nvPr>
+            <p:ph type="title"/>
+          </p:nvPr>
+        </p:nvSpPr>
+        <p:spPr/>
+        <p:txBody>
+          <a:bodyPr/>
+          <a:lstStyle/>
+          <a:p>
+            <a:r>
+              <a:rPr lang="en-US" dirty="0">
+                <a:cs typeface="Calibri Light"/>
+              </a:rPr>
+              <a:t>Examine </a:t>
+            </a:r>
+            <a:r>
+              <a:rPr lang="en-US" dirty="0" err="1">
+                <a:solidFill>
+                  <a:schemeClr val="accent2"/>
+                </a:solidFill>
+                <a:cs typeface="Calibri Light"/>
+              </a:rPr>
+              <a:t>calendar.db</a:t>
+            </a:r>
+            <a:r>
+              <a:rPr lang="en-US" dirty="0">
+                <a:solidFill>
+                  <a:schemeClr val="accent2"/>
+                </a:solidFill>
+                <a:cs typeface="Calibri Light"/>
+              </a:rPr>
+              <a:t> </a:t>
+            </a:r>
+            <a:endParaRPr lang="en-US" dirty="0"/>
+          </a:p>
+        </p:txBody>
+      </p:sp>
+      <p:pic>
+        <p:nvPicPr>
+          <p:cNvPr id="5" name="Picture 4" descr="Text&#10;&#10;Description automatically generated">
+            <a:extLst>
+              <a:ext uri="{FF2B5EF4-FFF2-40B4-BE49-F238E27FC236}">
+                <a16:creationId xmlns:a16="http://schemas.microsoft.com/office/drawing/2014/main" id="{49EA2546-C8EF-4AC8-8747-47AF64C5169C}"/>
+              </a:ext>
+            </a:extLst>
+          </p:cNvPr>
+          <p:cNvPicPr>
+            <a:picLocks noChangeAspect="1"/>
+          </p:cNvPicPr>
+          <p:nvPr/>
+        </p:nvPicPr>
+        <p:blipFill>
+          <a:blip r:embed="rId3"/>
+          <a:stretch>
+            <a:fillRect/>
+          </a:stretch>
+        </p:blipFill>
+        <p:spPr>
+          <a:xfrm>
+            <a:off x="839036" y="1881114"/>
+            <a:ext cx="10677568" cy="856114"/>
+          </a:xfrm>
+          <a:prstGeom prst="rect">
+            <a:avLst/>
+          </a:prstGeom>
+        </p:spPr>
+      </p:pic>
+      <p:pic>
+        <p:nvPicPr>
+          <p:cNvPr id="7" name="Picture 6" descr="Graphical user interface, text, application&#10;&#10;Description automatically generated">
+            <a:extLst>
+              <a:ext uri="{FF2B5EF4-FFF2-40B4-BE49-F238E27FC236}">
+                <a16:creationId xmlns:a16="http://schemas.microsoft.com/office/drawing/2014/main" id="{69CDA6A5-0B40-476D-8B25-8B1F60C519F9}"/>
+              </a:ext>
+            </a:extLst>
+          </p:cNvPr>
+          <p:cNvPicPr>
+            <a:picLocks noChangeAspect="1"/>
+          </p:cNvPicPr>
+          <p:nvPr/>
+        </p:nvPicPr>
+        <p:blipFill>
+          <a:blip r:embed="rId4"/>
+          <a:stretch>
+            <a:fillRect/>
+          </a:stretch>
+        </p:blipFill>
+        <p:spPr>
+          <a:xfrm>
+            <a:off x="5901488" y="3105085"/>
+            <a:ext cx="5650622" cy="3265503"/>
+          </a:xfrm>
+          <a:prstGeom prst="rect">
+            <a:avLst/>
+          </a:prstGeom>
+        </p:spPr>
+      </p:pic>
+      <p:sp>
+        <p:nvSpPr>
+          <p:cNvPr id="8" name="TextBox 7">
+            <a:extLst>
+              <a:ext uri="{FF2B5EF4-FFF2-40B4-BE49-F238E27FC236}">
+                <a16:creationId xmlns:a16="http://schemas.microsoft.com/office/drawing/2014/main" id="{44428CDD-ABDD-43D0-AC19-D3F74162BD84}"/>
+              </a:ext>
+            </a:extLst>
+          </p:cNvPr>
+          <p:cNvSpPr txBox="1"/>
+          <p:nvPr/>
+        </p:nvSpPr>
+        <p:spPr>
+          <a:xfrm>
+            <a:off x="838200" y="3107849"/>
+            <a:ext cx="4788568" cy="1938992"/>
+          </a:xfrm>
+          <a:prstGeom prst="rect">
+            <a:avLst/>
+          </a:prstGeom>
+          <a:noFill/>
+        </p:spPr>
+        <p:txBody>
+          <a:bodyPr rot="0" spcFirstLastPara="0" vertOverflow="overflow" horzOverflow="overflow" vert="horz" wrap="square" lIns="91440" tIns="45720" rIns="91440" bIns="45720" numCol="1" spcCol="0" rtlCol="0" fromWordArt="0" anchor="t" anchorCtr="0" forceAA="0" compatLnSpc="1">
+            <a:prstTxWarp prst="textNoShape">
+              <a:avLst/>
+            </a:prstTxWarp>
+            <a:spAutoFit/>
+          </a:bodyPr>
+          <a:lstStyle/>
+          <a:p>
+            <a:pPr marL="285750" indent="-285750">
+              <a:buFont typeface="Arial"/>
+              <a:buChar char="•"/>
+            </a:pPr>
+            <a:r>
+              <a:rPr lang="en-US" sz="2400" dirty="0">
+                <a:cs typeface="Calibri"/>
+              </a:rPr>
+              <a:t>Tables to focus on: attendees, events, reminders</a:t>
+            </a:r>
+          </a:p>
+          <a:p>
+            <a:pPr marL="285750" indent="-285750">
+              <a:buFont typeface="Arial"/>
+              <a:buChar char="•"/>
+            </a:pPr>
+            <a:endParaRPr lang="en-US" sz="2400" dirty="0">
+              <a:cs typeface="Calibri"/>
+            </a:endParaRPr>
+          </a:p>
+          <a:p>
+            <a:pPr marL="285750" indent="-285750">
+              <a:buFont typeface="Arial"/>
+              <a:buChar char="•"/>
+            </a:pPr>
+            <a:r>
+              <a:rPr lang="en-US" sz="2400" dirty="0">
+                <a:cs typeface="Calibri"/>
+              </a:rPr>
+              <a:t>In this case there isn't any data to look at in any of the tables</a:t>
+            </a:r>
+          </a:p>
+        </p:txBody>
+      </p:sp>
+      <p:sp>
+        <p:nvSpPr>
+          <p:cNvPr id="9" name="Rectangle 8">
+            <a:extLst>
+              <a:ext uri="{FF2B5EF4-FFF2-40B4-BE49-F238E27FC236}">
+                <a16:creationId xmlns:a16="http://schemas.microsoft.com/office/drawing/2014/main" id="{439BBE62-E442-49FE-A5A1-59F6D538371E}"/>
+              </a:ext>
+            </a:extLst>
+          </p:cNvPr>
+          <p:cNvSpPr/>
+          <p:nvPr/>
+        </p:nvSpPr>
+        <p:spPr>
+          <a:xfrm>
+            <a:off x="1298073" y="2331145"/>
+            <a:ext cx="10226841" cy="387683"/>
+          </a:xfrm>
+          <a:prstGeom prst="rect">
+            <a:avLst/>
+          </a:prstGeom>
+          <a:noFill/>
+          <a:ln w="28575">
+            <a:solidFill>
+              <a:srgbClr val="FF0000"/>
+            </a:solidFill>
+          </a:ln>
+        </p:spPr>
+        <p:style>
+          <a:lnRef idx="2">
+            <a:schemeClr val="accent1">
+              <a:shade val="50000"/>
+            </a:schemeClr>
+          </a:lnRef>
+          <a:fillRef idx="1">
+            <a:schemeClr val="accent1"/>
+          </a:fillRef>
+          <a:effectRef idx="0">
+            <a:schemeClr val="accent1"/>
+          </a:effectRef>
+          <a:fontRef idx="minor">
+            <a:schemeClr val="lt1"/>
+          </a:fontRef>
+        </p:style>
+        <p:txBody>
+          <a:bodyPr rtlCol="0" anchor="ctr"/>
+          <a:lstStyle/>
+          <a:p>
+            <a:pPr algn="ctr"/>
+            <a:endParaRPr lang="en-US"/>
+          </a:p>
+        </p:txBody>
+      </p:sp>
+      <p:sp>
+        <p:nvSpPr>
+          <p:cNvPr id="11" name="TextBox 1">
+            <a:extLst>
+              <a:ext uri="{FF2B5EF4-FFF2-40B4-BE49-F238E27FC236}">
+                <a16:creationId xmlns:a16="http://schemas.microsoft.com/office/drawing/2014/main" id="{D7049351-4E8A-4FBD-9C7D-8779B20AC091}"/>
+              </a:ext>
+            </a:extLst>
+          </p:cNvPr>
+          <p:cNvSpPr txBox="1"/>
+          <p:nvPr/>
+        </p:nvSpPr>
+        <p:spPr>
+          <a:xfrm>
+            <a:off x="5908896" y="2742083"/>
+            <a:ext cx="1902572" cy="369332"/>
+          </a:xfrm>
+          <a:prstGeom prst="rect">
+            <a:avLst/>
+          </a:prstGeom>
+          <a:solidFill>
+            <a:schemeClr val="accent4"/>
+          </a:solidFill>
+        </p:spPr>
+        <p:txBody>
+          <a:bodyPr wrap="none" lIns="91440" tIns="45720" rIns="91440" bIns="45720" rtlCol="0" anchor="t">
+            <a:spAutoFit/>
+          </a:bodyPr>
+          <a:lstStyle>
+            <a:defPPr>
+              <a:defRPr lang="en-US"/>
+            </a:defPPr>
+            <a:lvl1pPr marL="0" algn="l" defTabSz="914400" rtl="0" eaLnBrk="1" latinLnBrk="0" hangingPunct="1">
+              <a:defRPr sz="1800" kern="1200">
+                <a:solidFill>
+                  <a:schemeClr val="tx1"/>
+                </a:solidFill>
+                <a:latin typeface="+mn-lt"/>
+                <a:ea typeface="+mn-ea"/>
+                <a:cs typeface="+mn-cs"/>
+              </a:defRPr>
+            </a:lvl1pPr>
+            <a:lvl2pPr marL="457200" algn="l" defTabSz="914400" rtl="0" eaLnBrk="1" latinLnBrk="0" hangingPunct="1">
+              <a:defRPr sz="1800" kern="1200">
+                <a:solidFill>
+                  <a:schemeClr val="tx1"/>
+                </a:solidFill>
+                <a:latin typeface="+mn-lt"/>
+                <a:ea typeface="+mn-ea"/>
+                <a:cs typeface="+mn-cs"/>
+              </a:defRPr>
+            </a:lvl2pPr>
+            <a:lvl3pPr marL="914400" algn="l" defTabSz="914400" rtl="0" eaLnBrk="1" latinLnBrk="0" hangingPunct="1">
+              <a:defRPr sz="1800" kern="1200">
+                <a:solidFill>
+                  <a:schemeClr val="tx1"/>
+                </a:solidFill>
+                <a:latin typeface="+mn-lt"/>
+                <a:ea typeface="+mn-ea"/>
+                <a:cs typeface="+mn-cs"/>
+              </a:defRPr>
+            </a:lvl3pPr>
+            <a:lvl4pPr marL="1371600" algn="l" defTabSz="914400" rtl="0" eaLnBrk="1" latinLnBrk="0" hangingPunct="1">
+              <a:defRPr sz="1800" kern="1200">
+                <a:solidFill>
+                  <a:schemeClr val="tx1"/>
+                </a:solidFill>
+                <a:latin typeface="+mn-lt"/>
+                <a:ea typeface="+mn-ea"/>
+                <a:cs typeface="+mn-cs"/>
+              </a:defRPr>
+            </a:lvl4pPr>
+            <a:lvl5pPr marL="1828800" algn="l" defTabSz="914400" rtl="0" eaLnBrk="1" latinLnBrk="0" hangingPunct="1">
+              <a:defRPr sz="1800" kern="1200">
+                <a:solidFill>
+                  <a:schemeClr val="tx1"/>
+                </a:solidFill>
+                <a:latin typeface="+mn-lt"/>
+                <a:ea typeface="+mn-ea"/>
+                <a:cs typeface="+mn-cs"/>
+              </a:defRPr>
+            </a:lvl5pPr>
+            <a:lvl6pPr marL="2286000" algn="l" defTabSz="914400" rtl="0" eaLnBrk="1" latinLnBrk="0" hangingPunct="1">
+              <a:defRPr sz="1800" kern="1200">
+                <a:solidFill>
+                  <a:schemeClr val="tx1"/>
+                </a:solidFill>
+                <a:latin typeface="+mn-lt"/>
+                <a:ea typeface="+mn-ea"/>
+                <a:cs typeface="+mn-cs"/>
+              </a:defRPr>
+            </a:lvl6pPr>
+            <a:lvl7pPr marL="2743200" algn="l" defTabSz="914400" rtl="0" eaLnBrk="1" latinLnBrk="0" hangingPunct="1">
+              <a:defRPr sz="1800" kern="1200">
+                <a:solidFill>
+                  <a:schemeClr val="tx1"/>
+                </a:solidFill>
+                <a:latin typeface="+mn-lt"/>
+                <a:ea typeface="+mn-ea"/>
+                <a:cs typeface="+mn-cs"/>
+              </a:defRPr>
+            </a:lvl7pPr>
+            <a:lvl8pPr marL="3200400" algn="l" defTabSz="914400" rtl="0" eaLnBrk="1" latinLnBrk="0" hangingPunct="1">
+              <a:defRPr sz="1800" kern="1200">
+                <a:solidFill>
+                  <a:schemeClr val="tx1"/>
+                </a:solidFill>
+                <a:latin typeface="+mn-lt"/>
+                <a:ea typeface="+mn-ea"/>
+                <a:cs typeface="+mn-cs"/>
+              </a:defRPr>
+            </a:lvl8pPr>
+            <a:lvl9pPr marL="3657600" algn="l" defTabSz="914400" rtl="0" eaLnBrk="1" latinLnBrk="0" hangingPunct="1">
+              <a:defRPr sz="1800" kern="1200">
+                <a:solidFill>
+                  <a:schemeClr val="tx1"/>
+                </a:solidFill>
+                <a:latin typeface="+mn-lt"/>
+                <a:ea typeface="+mn-ea"/>
+                <a:cs typeface="+mn-cs"/>
+              </a:defRPr>
+            </a:lvl9pPr>
+          </a:lstStyle>
+          <a:p>
+            <a:r>
+              <a:rPr lang="en-US">
+                <a:cs typeface="Calibri"/>
+              </a:rPr>
+              <a:t>Tables in database</a:t>
+            </a:r>
+          </a:p>
+        </p:txBody>
+      </p:sp>
+    </p:spTree>
+    <p:extLst>
+      <p:ext uri="{BB962C8B-B14F-4D97-AF65-F5344CB8AC3E}">
+        <p14:creationId xmlns:p14="http://schemas.microsoft.com/office/powerpoint/2010/main" val="3735861723"/>
+      </p:ext>
+    </p:extLst>
+  </p:cSld>
+  <p:clrMapOvr>
+    <a:masterClrMapping/>
+  </p:clrMapOvr>
+</p:sld>
+</file>
+
+<file path=ppt/slides/slide12.xml><?xml version="1.0" encoding="utf-8"?>
+<p:sld xmlns:a="http://schemas.openxmlformats.org/drawingml/2006/main" xmlns:r="http://schemas.openxmlformats.org/officeDocument/2006/relationships" xmlns:p="http://schemas.openxmlformats.org/presentationml/2006/main">
+  <p:cSld>
+    <p:spTree>
+      <p:nvGrpSpPr>
+        <p:cNvPr id="1" name=""/>
+        <p:cNvGrpSpPr/>
+        <p:nvPr/>
+      </p:nvGrpSpPr>
+      <p:grpSpPr>
+        <a:xfrm>
+          <a:off x="0" y="0"/>
+          <a:ext cx="0" cy="0"/>
+          <a:chOff x="0" y="0"/>
+          <a:chExt cx="0" cy="0"/>
+        </a:xfrm>
+      </p:grpSpPr>
+      <p:sp>
+        <p:nvSpPr>
+          <p:cNvPr id="2" name="Title 1">
+            <a:extLst>
+              <a:ext uri="{FF2B5EF4-FFF2-40B4-BE49-F238E27FC236}">
                 <a16:creationId xmlns:a16="http://schemas.microsoft.com/office/drawing/2014/main" id="{E7843248-F2B4-039B-04B8-F2AA64A4280C}"/>
               </a:ext>
             </a:extLst>
@@ -10577,7 +11274,7 @@
 </p:sld>
 </file>
 
-<file path=ppt/slides/slide11.xml><?xml version="1.0" encoding="utf-8"?>
+<file path=ppt/slides/slide13.xml><?xml version="1.0" encoding="utf-8"?>
 <p:sld xmlns:a="http://schemas.openxmlformats.org/drawingml/2006/main" xmlns:r="http://schemas.openxmlformats.org/officeDocument/2006/relationships" xmlns:p="http://schemas.openxmlformats.org/presentationml/2006/main">
   <p:cSld>
     <p:spTree>
@@ -10706,7 +11403,7 @@
 </p:sld>
 </file>
 
-<file path=ppt/slides/slide12.xml><?xml version="1.0" encoding="utf-8"?>
+<file path=ppt/slides/slide14.xml><?xml version="1.0" encoding="utf-8"?>
 <p:sld xmlns:a="http://schemas.openxmlformats.org/drawingml/2006/main" xmlns:r="http://schemas.openxmlformats.org/officeDocument/2006/relationships" xmlns:p="http://schemas.openxmlformats.org/presentationml/2006/main">
   <p:cSld>
     <p:spTree>
@@ -10766,7 +11463,7 @@
 </p:sld>
 </file>
 
-<file path=ppt/slides/slide13.xml><?xml version="1.0" encoding="utf-8"?>
+<file path=ppt/slides/slide15.xml><?xml version="1.0" encoding="utf-8"?>
 <p:sld xmlns:a="http://schemas.openxmlformats.org/drawingml/2006/main" xmlns:r="http://schemas.openxmlformats.org/officeDocument/2006/relationships" xmlns:p="http://schemas.openxmlformats.org/presentationml/2006/main">
   <p:cSld>
     <p:spTree>
@@ -10826,7 +11523,7 @@
 </p:sld>
 </file>
 
-<file path=ppt/slides/slide14.xml><?xml version="1.0" encoding="utf-8"?>
+<file path=ppt/slides/slide16.xml><?xml version="1.0" encoding="utf-8"?>
 <p:sld xmlns:a="http://schemas.openxmlformats.org/drawingml/2006/main" xmlns:r="http://schemas.openxmlformats.org/officeDocument/2006/relationships" xmlns:p="http://schemas.openxmlformats.org/presentationml/2006/main">
   <p:cSld>
     <p:spTree>
@@ -10886,7 +11583,7 @@
 </p:sld>
 </file>
 
-<file path=ppt/slides/slide15.xml><?xml version="1.0" encoding="utf-8"?>
+<file path=ppt/slides/slide17.xml><?xml version="1.0" encoding="utf-8"?>
 <p:sld xmlns:a="http://schemas.openxmlformats.org/drawingml/2006/main" xmlns:r="http://schemas.openxmlformats.org/officeDocument/2006/relationships" xmlns:p="http://schemas.openxmlformats.org/presentationml/2006/main">
   <p:cSld>
     <p:spTree>
@@ -10946,7 +11643,7 @@
 </p:sld>
 </file>
 
-<file path=ppt/slides/slide16.xml><?xml version="1.0" encoding="utf-8"?>
+<file path=ppt/slides/slide18.xml><?xml version="1.0" encoding="utf-8"?>
 <p:sld xmlns:a="http://schemas.openxmlformats.org/drawingml/2006/main" xmlns:r="http://schemas.openxmlformats.org/officeDocument/2006/relationships" xmlns:p="http://schemas.openxmlformats.org/presentationml/2006/main">
   <p:cSld>
     <p:spTree>
@@ -10985,12 +11682,12 @@
           <a:lstStyle/>
           <a:p>
             <a:r>
-              <a:rPr lang="en-US">
+              <a:rPr lang="en-US" dirty="0">
                 <a:cs typeface="Calibri Light"/>
               </a:rPr>
-              <a:t>Solutions</a:t>
-            </a:r>
-            <a:endParaRPr lang="en-US"/>
+              <a:t>Summary</a:t>
+            </a:r>
+            <a:endParaRPr lang="en-US" dirty="0"/>
           </a:p>
         </p:txBody>
       </p:sp>
@@ -11021,20 +11718,20 @@
               <a:buNone/>
             </a:pPr>
             <a:r>
-              <a:rPr lang="en-US">
+              <a:rPr lang="en-US" dirty="0">
                 <a:ea typeface="+mn-lt"/>
                 <a:cs typeface="+mn-lt"/>
               </a:rPr>
               <a:t>What is the date of the scheduled event?</a:t>
             </a:r>
-            <a:endParaRPr lang="en-US">
+            <a:endParaRPr lang="en-US" dirty="0">
               <a:cs typeface="Calibri"/>
             </a:endParaRPr>
           </a:p>
           <a:p>
             <a:pPr lvl="1"/>
             <a:r>
-              <a:rPr lang="en-US">
+              <a:rPr lang="en-US" dirty="0">
                 <a:ea typeface="+mn-lt"/>
                 <a:cs typeface="+mn-lt"/>
               </a:rPr>
@@ -11046,7 +11743,7 @@
               <a:buNone/>
             </a:pPr>
             <a:r>
-              <a:rPr lang="en-US">
+              <a:rPr lang="en-US" dirty="0">
                 <a:ea typeface="+mn-lt"/>
                 <a:cs typeface="+mn-lt"/>
               </a:rPr>
@@ -11056,7 +11753,7 @@
           <a:p>
             <a:pPr lvl="1"/>
             <a:r>
-              <a:rPr lang="en-US">
+              <a:rPr lang="en-US" dirty="0">
                 <a:ea typeface="+mn-lt"/>
                 <a:cs typeface="+mn-lt"/>
               </a:rPr>
@@ -11068,7 +11765,7 @@
               <a:buNone/>
             </a:pPr>
             <a:r>
-              <a:rPr lang="en-US">
+              <a:rPr lang="en-US" dirty="0">
                 <a:ea typeface="+mn-lt"/>
                 <a:cs typeface="+mn-lt"/>
               </a:rPr>
@@ -11078,7 +11775,7 @@
           <a:p>
             <a:pPr lvl="1"/>
             <a:r>
-              <a:rPr lang="en-US">
+              <a:rPr lang="en-US" dirty="0">
                 <a:ea typeface="+mn-lt"/>
                 <a:cs typeface="+mn-lt"/>
               </a:rPr>
@@ -11090,7 +11787,7 @@
               <a:buNone/>
             </a:pPr>
             <a:r>
-              <a:rPr lang="en-US">
+              <a:rPr lang="en-US" dirty="0">
                 <a:ea typeface="+mn-lt"/>
                 <a:cs typeface="+mn-lt"/>
               </a:rPr>
@@ -11102,14 +11799,14 @@
               <a:buFont typeface="Arial"/>
             </a:pPr>
             <a:r>
-              <a:rPr lang="en-US">
+              <a:rPr lang="en-US" dirty="0">
                 <a:cs typeface="Calibri"/>
               </a:rPr>
               <a:t>Events table</a:t>
             </a:r>
           </a:p>
           <a:p>
-            <a:endParaRPr lang="en-US">
+            <a:endParaRPr lang="en-US" dirty="0">
               <a:cs typeface="Calibri"/>
             </a:endParaRPr>
           </a:p>
@@ -11128,7 +11825,7 @@
 </p:sld>
 </file>
 
-<file path=ppt/slides/slide17.xml><?xml version="1.0" encoding="utf-8"?>
+<file path=ppt/slides/slide2.xml><?xml version="1.0" encoding="utf-8"?>
 <p:sld xmlns:a="http://schemas.openxmlformats.org/drawingml/2006/main" xmlns:r="http://schemas.openxmlformats.org/officeDocument/2006/relationships" xmlns:p="http://schemas.openxmlformats.org/presentationml/2006/main">
   <p:cSld>
     <p:spTree>
@@ -11147,10 +11844,10 @@
       </p:grpSpPr>
       <p:sp>
         <p:nvSpPr>
-          <p:cNvPr id="2" name="Title 1">
+          <p:cNvPr id="4" name="Title 3">
             <a:extLst>
               <a:ext uri="{FF2B5EF4-FFF2-40B4-BE49-F238E27FC236}">
-                <a16:creationId xmlns:a16="http://schemas.microsoft.com/office/drawing/2014/main" id="{2BC2D130-9011-4F06-B0D9-B7A227B27E8C}"/>
+                <a16:creationId xmlns:a16="http://schemas.microsoft.com/office/drawing/2014/main" id="{2F864675-3DFF-3BF5-459C-DD1FD5BE3BEE}"/>
               </a:ext>
             </a:extLst>
           </p:cNvPr>
@@ -11167,21 +11864,18 @@
           <a:lstStyle/>
           <a:p>
             <a:r>
-              <a:rPr lang="en-US">
-                <a:cs typeface="Calibri Light"/>
-              </a:rPr>
-              <a:t>To summarize</a:t>
-            </a:r>
-            <a:endParaRPr lang="en-US"/>
+              <a:rPr lang="en-US" dirty="0"/>
+              <a:t>Calendar services</a:t>
+            </a:r>
           </a:p>
         </p:txBody>
       </p:sp>
       <p:sp>
         <p:nvSpPr>
-          <p:cNvPr id="3" name="Content Placeholder 2">
+          <p:cNvPr id="5" name="Text Placeholder 4">
             <a:extLst>
               <a:ext uri="{FF2B5EF4-FFF2-40B4-BE49-F238E27FC236}">
-                <a16:creationId xmlns:a16="http://schemas.microsoft.com/office/drawing/2014/main" id="{604533E3-51A2-4828-9C67-5DC0A216C68A}"/>
+                <a16:creationId xmlns:a16="http://schemas.microsoft.com/office/drawing/2014/main" id="{4563694A-6FA5-8AD1-B2D8-D256F48DC455}"/>
               </a:ext>
             </a:extLst>
           </p:cNvPr>
@@ -11189,107 +11883,22 @@
             <a:spLocks noGrp="1"/>
           </p:cNvSpPr>
           <p:nvPr>
-            <p:ph idx="1"/>
+            <p:ph type="body" idx="1"/>
           </p:nvPr>
         </p:nvSpPr>
         <p:spPr/>
         <p:txBody>
-          <a:bodyPr vert="horz" lIns="91440" tIns="45720" rIns="91440" bIns="45720" rtlCol="0" anchor="t">
-            <a:normAutofit/>
-          </a:bodyPr>
+          <a:bodyPr/>
           <a:lstStyle/>
           <a:p>
-            <a:r>
-              <a:rPr lang="en-US">
-                <a:cs typeface="Calibri"/>
-              </a:rPr>
-              <a:t>Understand the application</a:t>
-            </a:r>
-            <a:endParaRPr lang="en-US">
-              <a:ea typeface="+mn-lt"/>
-              <a:cs typeface="+mn-lt"/>
-            </a:endParaRPr>
-          </a:p>
-          <a:p>
-            <a:r>
-              <a:rPr lang="en-US">
-                <a:cs typeface="Calibri"/>
-              </a:rPr>
-              <a:t>Locate the calendar package</a:t>
-            </a:r>
-            <a:endParaRPr lang="en-US">
-              <a:ea typeface="+mn-lt"/>
-              <a:cs typeface="+mn-lt"/>
-            </a:endParaRPr>
-          </a:p>
-          <a:p>
-            <a:r>
-              <a:rPr lang="en-US">
-                <a:cs typeface="Calibri"/>
-              </a:rPr>
-              <a:t>Look at the application directories</a:t>
-            </a:r>
-            <a:endParaRPr lang="en-US">
-              <a:ea typeface="+mn-lt"/>
-              <a:cs typeface="+mn-lt"/>
-            </a:endParaRPr>
-          </a:p>
-          <a:p>
-            <a:r>
-              <a:rPr lang="en-US">
-                <a:ea typeface="+mn-lt"/>
-                <a:cs typeface="+mn-lt"/>
-              </a:rPr>
-              <a:t>Go to the "databases" directory</a:t>
-            </a:r>
-          </a:p>
-          <a:p>
-            <a:pPr marL="800100" lvl="1" indent="-342900">
-              <a:buFont typeface="Arial"/>
-              <a:buChar char="•"/>
-            </a:pPr>
-            <a:r>
-              <a:rPr lang="en-US">
-                <a:ea typeface="+mn-lt"/>
-                <a:cs typeface="+mn-lt"/>
-              </a:rPr>
-              <a:t>Open </a:t>
-            </a:r>
-            <a:r>
-              <a:rPr lang="en-US" err="1">
-                <a:ea typeface="+mn-lt"/>
-                <a:cs typeface="+mn-lt"/>
-              </a:rPr>
-              <a:t>calendar.db</a:t>
-            </a:r>
-          </a:p>
-          <a:p>
-            <a:pPr marL="800100" lvl="1" indent="-342900">
-              <a:buFont typeface="Arial"/>
-              <a:buChar char="•"/>
-            </a:pPr>
-            <a:r>
-              <a:rPr lang="en-US">
-                <a:ea typeface="+mn-lt"/>
-                <a:cs typeface="+mn-lt"/>
-              </a:rPr>
-              <a:t>Explore these tables: events, reminders</a:t>
-            </a:r>
-          </a:p>
-          <a:p>
-            <a:pPr marL="0" indent="0">
-              <a:buNone/>
-            </a:pPr>
-            <a:endParaRPr lang="en-US">
-              <a:cs typeface="Calibri"/>
-            </a:endParaRPr>
+            <a:endParaRPr lang="en-US"/>
           </a:p>
         </p:txBody>
       </p:sp>
     </p:spTree>
     <p:extLst>
       <p:ext uri="{BB962C8B-B14F-4D97-AF65-F5344CB8AC3E}">
-        <p14:creationId xmlns:p14="http://schemas.microsoft.com/office/powerpoint/2010/main" val="3552793750"/>
+        <p14:creationId xmlns:p14="http://schemas.microsoft.com/office/powerpoint/2010/main" val="1036379805"/>
       </p:ext>
     </p:extLst>
   </p:cSld>
@@ -11299,7 +11908,7 @@
 </p:sld>
 </file>
 
-<file path=ppt/slides/slide2.xml><?xml version="1.0" encoding="utf-8"?>
+<file path=ppt/slides/slide3.xml><?xml version="1.0" encoding="utf-8"?>
 <p:sld xmlns:a="http://schemas.openxmlformats.org/drawingml/2006/main" xmlns:r="http://schemas.openxmlformats.org/officeDocument/2006/relationships" xmlns:p="http://schemas.openxmlformats.org/presentationml/2006/main">
   <p:cSld>
     <p:spTree>
@@ -11371,7 +11980,7 @@
         </p:spPr>
         <p:txBody>
           <a:bodyPr vert="horz" lIns="91440" tIns="45720" rIns="91440" bIns="45720" rtlCol="0" anchor="t">
-            <a:normAutofit/>
+            <a:normAutofit lnSpcReduction="10000"/>
           </a:bodyPr>
           <a:lstStyle/>
           <a:p>
@@ -11381,6 +11990,24 @@
               </a:rPr>
               <a:t>Service for calendar apps</a:t>
             </a:r>
+          </a:p>
+          <a:p>
+            <a:pPr lvl="1"/>
+            <a:r>
+              <a:rPr lang="en-US" dirty="0" err="1">
+                <a:solidFill>
+                  <a:schemeClr val="accent2"/>
+                </a:solidFill>
+                <a:cs typeface="Calibri"/>
+              </a:rPr>
+              <a:t>com.android.providers.calendar</a:t>
+            </a:r>
+            <a:endParaRPr lang="en-US" dirty="0">
+              <a:solidFill>
+                <a:schemeClr val="accent2"/>
+              </a:solidFill>
+              <a:cs typeface="Calibri"/>
+            </a:endParaRPr>
           </a:p>
           <a:p>
             <a:r>
@@ -11563,7 +12190,7 @@
 </p:sld>
 </file>
 
-<file path=ppt/slides/slide3.xml><?xml version="1.0" encoding="utf-8"?>
+<file path=ppt/slides/slide4.xml><?xml version="1.0" encoding="utf-8"?>
 <p:sld xmlns:a="http://schemas.openxmlformats.org/drawingml/2006/main" xmlns:r="http://schemas.openxmlformats.org/officeDocument/2006/relationships" xmlns:p="http://schemas.openxmlformats.org/presentationml/2006/main">
   <p:cSld>
     <p:spTree>
@@ -11700,7 +12327,7 @@
 </p:sld>
 </file>
 
-<file path=ppt/slides/slide4.xml><?xml version="1.0" encoding="utf-8"?>
+<file path=ppt/slides/slide5.xml><?xml version="1.0" encoding="utf-8"?>
 <p:sld xmlns:a="http://schemas.openxmlformats.org/drawingml/2006/main" xmlns:r="http://schemas.openxmlformats.org/officeDocument/2006/relationships" xmlns:p="http://schemas.openxmlformats.org/presentationml/2006/main">
   <p:cSld>
     <p:spTree>
@@ -11801,7 +12428,7 @@
 </p:sld>
 </file>
 
-<file path=ppt/slides/slide5.xml><?xml version="1.0" encoding="utf-8"?>
+<file path=ppt/slides/slide6.xml><?xml version="1.0" encoding="utf-8"?>
 <p:sld xmlns:a="http://schemas.openxmlformats.org/drawingml/2006/main" xmlns:r="http://schemas.openxmlformats.org/officeDocument/2006/relationships" xmlns:p="http://schemas.openxmlformats.org/presentationml/2006/main">
   <p:cSld>
     <p:spTree>
@@ -11840,12 +12467,12 @@
           <a:lstStyle/>
           <a:p>
             <a:r>
-              <a:rPr lang="en-US">
+              <a:rPr lang="en-US" dirty="0">
                 <a:cs typeface="Calibri Light"/>
               </a:rPr>
-              <a:t>Calendar scenario</a:t>
-            </a:r>
-            <a:endParaRPr lang="en-US"/>
+              <a:t>Sample questions related to calendar service</a:t>
+            </a:r>
+            <a:endParaRPr lang="en-US" dirty="0"/>
           </a:p>
         </p:txBody>
       </p:sp>
@@ -11873,52 +12500,32 @@
           <a:lstStyle/>
           <a:p>
             <a:r>
-              <a:rPr lang="en-US">
-                <a:cs typeface="Calibri"/>
-              </a:rPr>
-              <a:t>Assume that suspect added an event along with the attendees for any date and added a reminder about that event</a:t>
-            </a:r>
-          </a:p>
-          <a:p>
-            <a:r>
-              <a:rPr lang="en-US">
-                <a:cs typeface="Calibri"/>
-              </a:rPr>
-              <a:t>Questions</a:t>
-            </a:r>
-          </a:p>
-          <a:p>
-            <a:pPr lvl="1"/>
-            <a:r>
-              <a:rPr lang="en-US">
+              <a:rPr lang="en-US" dirty="0">
                 <a:cs typeface="Calibri"/>
               </a:rPr>
               <a:t>What is the date of the scheduled event?</a:t>
             </a:r>
           </a:p>
           <a:p>
-            <a:pPr lvl="1"/>
-            <a:r>
-              <a:rPr lang="en-US">
+            <a:r>
+              <a:rPr lang="en-US" dirty="0">
                 <a:cs typeface="Calibri"/>
               </a:rPr>
               <a:t>Who are the attendees?</a:t>
             </a:r>
           </a:p>
           <a:p>
-            <a:pPr lvl="1"/>
-            <a:r>
-              <a:rPr lang="en-US">
+            <a:r>
+              <a:rPr lang="en-US" dirty="0">
                 <a:cs typeface="Calibri"/>
               </a:rPr>
               <a:t>For which date is the reminder set?</a:t>
             </a:r>
-            <a:endParaRPr lang="en-US"/>
-          </a:p>
-          <a:p>
-            <a:pPr lvl="1"/>
-            <a:r>
-              <a:rPr lang="en-US">
+            <a:endParaRPr lang="en-US" dirty="0"/>
+          </a:p>
+          <a:p>
+            <a:r>
+              <a:rPr lang="en-US" dirty="0">
                 <a:cs typeface="Calibri"/>
               </a:rPr>
               <a:t>Are there any other events saved by the suspect?</a:t>
@@ -11939,7 +12546,96 @@
 </p:sld>
 </file>
 
-<file path=ppt/slides/slide6.xml><?xml version="1.0" encoding="utf-8"?>
+<file path=ppt/slides/slide7.xml><?xml version="1.0" encoding="utf-8"?>
+<p:sld xmlns:a="http://schemas.openxmlformats.org/drawingml/2006/main" xmlns:r="http://schemas.openxmlformats.org/officeDocument/2006/relationships" xmlns:p="http://schemas.openxmlformats.org/presentationml/2006/main">
+  <p:cSld>
+    <p:spTree>
+      <p:nvGrpSpPr>
+        <p:cNvPr id="1" name="">
+          <a:extLst>
+            <a:ext uri="{FF2B5EF4-FFF2-40B4-BE49-F238E27FC236}">
+              <a16:creationId xmlns:a16="http://schemas.microsoft.com/office/drawing/2014/main" id="{AD6052B9-F946-9628-59DD-24CFB5F763C8}"/>
+            </a:ext>
+          </a:extLst>
+        </p:cNvPr>
+        <p:cNvGrpSpPr/>
+        <p:nvPr/>
+      </p:nvGrpSpPr>
+      <p:grpSpPr>
+        <a:xfrm>
+          <a:off x="0" y="0"/>
+          <a:ext cx="0" cy="0"/>
+          <a:chOff x="0" y="0"/>
+          <a:chExt cx="0" cy="0"/>
+        </a:xfrm>
+      </p:grpSpPr>
+      <p:sp>
+        <p:nvSpPr>
+          <p:cNvPr id="4" name="Title 3">
+            <a:extLst>
+              <a:ext uri="{FF2B5EF4-FFF2-40B4-BE49-F238E27FC236}">
+                <a16:creationId xmlns:a16="http://schemas.microsoft.com/office/drawing/2014/main" id="{95CE8EB6-B960-E4BF-E0D7-8ACA72A042AE}"/>
+              </a:ext>
+            </a:extLst>
+          </p:cNvPr>
+          <p:cNvSpPr>
+            <a:spLocks noGrp="1"/>
+          </p:cNvSpPr>
+          <p:nvPr>
+            <p:ph type="title"/>
+          </p:nvPr>
+        </p:nvSpPr>
+        <p:spPr/>
+        <p:txBody>
+          <a:bodyPr/>
+          <a:lstStyle/>
+          <a:p>
+            <a:r>
+              <a:rPr lang="en-US" dirty="0"/>
+              <a:t>Investigate calendar services</a:t>
+            </a:r>
+          </a:p>
+        </p:txBody>
+      </p:sp>
+      <p:sp>
+        <p:nvSpPr>
+          <p:cNvPr id="5" name="Text Placeholder 4">
+            <a:extLst>
+              <a:ext uri="{FF2B5EF4-FFF2-40B4-BE49-F238E27FC236}">
+                <a16:creationId xmlns:a16="http://schemas.microsoft.com/office/drawing/2014/main" id="{AE4400C6-4677-E259-34E6-749AC27239A4}"/>
+              </a:ext>
+            </a:extLst>
+          </p:cNvPr>
+          <p:cNvSpPr>
+            <a:spLocks noGrp="1"/>
+          </p:cNvSpPr>
+          <p:nvPr>
+            <p:ph type="body" idx="1"/>
+          </p:nvPr>
+        </p:nvSpPr>
+        <p:spPr/>
+        <p:txBody>
+          <a:bodyPr/>
+          <a:lstStyle/>
+          <a:p>
+            <a:endParaRPr lang="en-US"/>
+          </a:p>
+        </p:txBody>
+      </p:sp>
+    </p:spTree>
+    <p:extLst>
+      <p:ext uri="{BB962C8B-B14F-4D97-AF65-F5344CB8AC3E}">
+        <p14:creationId xmlns:p14="http://schemas.microsoft.com/office/powerpoint/2010/main" val="3110483315"/>
+      </p:ext>
+    </p:extLst>
+  </p:cSld>
+  <p:clrMapOvr>
+    <a:masterClrMapping/>
+  </p:clrMapOvr>
+</p:sld>
+</file>
+
+<file path=ppt/slides/slide8.xml><?xml version="1.0" encoding="utf-8"?>
 <p:sld xmlns:a="http://schemas.openxmlformats.org/drawingml/2006/main" xmlns:r="http://schemas.openxmlformats.org/officeDocument/2006/relationships" xmlns:p="http://schemas.openxmlformats.org/presentationml/2006/main">
   <p:cSld>
     <p:spTree>
@@ -12004,12 +12700,12 @@
           </a:lstStyle>
           <a:p>
             <a:r>
-              <a:rPr lang="en-US">
+              <a:rPr lang="en-US" dirty="0">
                 <a:cs typeface="Calibri Light"/>
               </a:rPr>
-              <a:t>Strategies to find the message evidence</a:t>
-            </a:r>
-            <a:endParaRPr lang="en-US"/>
+              <a:t>Investigation strategies</a:t>
+            </a:r>
+            <a:endParaRPr lang="en-US" dirty="0"/>
           </a:p>
         </p:txBody>
       </p:sp>
@@ -12206,18 +12902,18 @@
           </a:lstStyle>
           <a:p>
             <a:r>
-              <a:rPr lang="en-US"/>
+              <a:rPr lang="en-US" dirty="0"/>
               <a:t>Understand how events/reminders are stored in disks</a:t>
             </a:r>
           </a:p>
           <a:p>
             <a:pPr lvl="1"/>
             <a:r>
-              <a:rPr lang="en-US"/>
+              <a:rPr lang="en-US" dirty="0"/>
               <a:t>often organized and </a:t>
             </a:r>
             <a:r>
-              <a:rPr lang="en-US">
+              <a:rPr lang="en-US" dirty="0">
                 <a:ea typeface="+mn-lt"/>
                 <a:cs typeface="+mn-lt"/>
               </a:rPr>
@@ -12226,10 +12922,40 @@
           </a:p>
           <a:p>
             <a:r>
-              <a:rPr lang="en-US"/>
+              <a:rPr lang="en-US" dirty="0"/>
               <a:t>Steps</a:t>
             </a:r>
-            <a:endParaRPr lang="en-US">
+            <a:endParaRPr lang="en-US" dirty="0">
+              <a:cs typeface="Calibri"/>
+            </a:endParaRPr>
+          </a:p>
+          <a:p>
+            <a:pPr lvl="1"/>
+            <a:r>
+              <a:rPr lang="en-US" dirty="0"/>
+              <a:t>find potential locations of evidence, e.g., folder</a:t>
+            </a:r>
+            <a:endParaRPr lang="en-US" dirty="0">
+              <a:cs typeface="Calibri"/>
+            </a:endParaRPr>
+          </a:p>
+          <a:p>
+            <a:pPr lvl="1"/>
+            <a:r>
+              <a:rPr lang="en-US" dirty="0"/>
+              <a:t>find database/files</a:t>
+            </a:r>
+            <a:endParaRPr lang="en-US" dirty="0">
+              <a:cs typeface="Calibri"/>
+            </a:endParaRPr>
+          </a:p>
+          <a:p>
+            <a:pPr lvl="1"/>
+            <a:r>
+              <a:rPr lang="en-US" dirty="0"/>
+              <a:t>examine database/file</a:t>
+            </a:r>
+            <a:endParaRPr lang="en-US" dirty="0">
               <a:cs typeface="Calibri"/>
             </a:endParaRPr>
           </a:p>
@@ -12237,61 +12963,7 @@
             <a:pPr marL="457200" lvl="1" indent="0">
               <a:buNone/>
             </a:pPr>
-            <a:r>
-              <a:rPr lang="en-US"/>
-              <a:t>Remember the list of questions to be answered</a:t>
-            </a:r>
-          </a:p>
-          <a:p>
-            <a:pPr marL="457200" lvl="1" indent="0">
-              <a:buNone/>
-            </a:pPr>
-            <a:r>
-              <a:rPr lang="en-US"/>
-              <a:t>for each question, repeat</a:t>
-            </a:r>
-          </a:p>
-          <a:p>
-            <a:pPr marL="914400" lvl="1" indent="-457200">
-              <a:buAutoNum type="arabicPeriod"/>
-            </a:pPr>
-            <a:r>
-              <a:rPr lang="en-US"/>
-              <a:t>find potential locations of evidence, e.g., folder</a:t>
-            </a:r>
-            <a:endParaRPr lang="en-US">
-              <a:cs typeface="Calibri"/>
-            </a:endParaRPr>
-          </a:p>
-          <a:p>
-            <a:pPr marL="914400" lvl="1" indent="-457200">
-              <a:buAutoNum type="arabicPeriod"/>
-            </a:pPr>
-            <a:r>
-              <a:rPr lang="en-US"/>
-              <a:t>find database/files</a:t>
-            </a:r>
-            <a:endParaRPr lang="en-US">
-              <a:cs typeface="Calibri"/>
-            </a:endParaRPr>
-          </a:p>
-          <a:p>
-            <a:pPr marL="914400" lvl="1" indent="-457200">
-              <a:buAutoNum type="arabicPeriod"/>
-            </a:pPr>
-            <a:r>
-              <a:rPr lang="en-US"/>
-              <a:t>examine database/file</a:t>
-            </a:r>
-            <a:endParaRPr lang="en-US">
-              <a:cs typeface="Calibri"/>
-            </a:endParaRPr>
-          </a:p>
-          <a:p>
-            <a:pPr marL="457200" lvl="1" indent="0">
-              <a:buNone/>
-            </a:pPr>
-            <a:endParaRPr lang="en-US">
+            <a:endParaRPr lang="en-US" dirty="0">
               <a:cs typeface="Calibri"/>
             </a:endParaRPr>
           </a:p>
@@ -12299,13 +12971,13 @@
             <a:pPr marL="0" indent="0">
               <a:buNone/>
             </a:pPr>
-            <a:endParaRPr lang="en-US">
+            <a:endParaRPr lang="en-US" dirty="0">
               <a:cs typeface="Calibri"/>
             </a:endParaRPr>
           </a:p>
           <a:p>
             <a:pPr lvl="1"/>
-            <a:endParaRPr lang="en-US">
+            <a:endParaRPr lang="en-US" dirty="0">
               <a:cs typeface="Calibri"/>
             </a:endParaRPr>
           </a:p>
@@ -12324,7 +12996,7 @@
 </p:sld>
 </file>
 
-<file path=ppt/slides/slide7.xml><?xml version="1.0" encoding="utf-8"?>
+<file path=ppt/slides/slide9.xml><?xml version="1.0" encoding="utf-8"?>
 <p:sld xmlns:a="http://schemas.openxmlformats.org/drawingml/2006/main" xmlns:r="http://schemas.openxmlformats.org/officeDocument/2006/relationships" xmlns:p="http://schemas.openxmlformats.org/presentationml/2006/main">
   <p:cSld>
     <p:spTree>
@@ -12366,7 +13038,7 @@
               <a:rPr lang="en-US" dirty="0">
                 <a:cs typeface="Calibri Light"/>
               </a:rPr>
-              <a:t>Step 1: find the location of the evidence</a:t>
+              <a:t>Calendar services folder structure</a:t>
             </a:r>
             <a:endParaRPr lang="en-US" dirty="0"/>
           </a:p>
@@ -12458,523 +13130,6 @@
     <p:extLst>
       <p:ext uri="{BB962C8B-B14F-4D97-AF65-F5344CB8AC3E}">
         <p14:creationId xmlns:p14="http://schemas.microsoft.com/office/powerpoint/2010/main" val="1839150834"/>
-      </p:ext>
-    </p:extLst>
-  </p:cSld>
-  <p:clrMapOvr>
-    <a:masterClrMapping/>
-  </p:clrMapOvr>
-</p:sld>
-</file>
-
-<file path=ppt/slides/slide8.xml><?xml version="1.0" encoding="utf-8"?>
-<p:sld xmlns:a="http://schemas.openxmlformats.org/drawingml/2006/main" xmlns:r="http://schemas.openxmlformats.org/officeDocument/2006/relationships" xmlns:p="http://schemas.openxmlformats.org/presentationml/2006/main">
-  <p:cSld>
-    <p:spTree>
-      <p:nvGrpSpPr>
-        <p:cNvPr id="1" name=""/>
-        <p:cNvGrpSpPr/>
-        <p:nvPr/>
-      </p:nvGrpSpPr>
-      <p:grpSpPr>
-        <a:xfrm>
-          <a:off x="0" y="0"/>
-          <a:ext cx="0" cy="0"/>
-          <a:chOff x="0" y="0"/>
-          <a:chExt cx="0" cy="0"/>
-        </a:xfrm>
-      </p:grpSpPr>
-      <p:sp>
-        <p:nvSpPr>
-          <p:cNvPr id="2" name="Title 1">
-            <a:extLst>
-              <a:ext uri="{FF2B5EF4-FFF2-40B4-BE49-F238E27FC236}">
-                <a16:creationId xmlns:a16="http://schemas.microsoft.com/office/drawing/2014/main" id="{88A96AAE-54C7-4A67-B297-1D11C1D82726}"/>
-              </a:ext>
-            </a:extLst>
-          </p:cNvPr>
-          <p:cNvSpPr>
-            <a:spLocks noGrp="1"/>
-          </p:cNvSpPr>
-          <p:nvPr>
-            <p:ph type="title"/>
-          </p:nvPr>
-        </p:nvSpPr>
-        <p:spPr/>
-        <p:txBody>
-          <a:bodyPr/>
-          <a:lstStyle/>
-          <a:p>
-            <a:r>
-              <a:rPr lang="en-US" dirty="0">
-                <a:cs typeface="Calibri Light"/>
-              </a:rPr>
-              <a:t>Step 2: </a:t>
-            </a:r>
-            <a:r>
-              <a:rPr lang="en-US" dirty="0"/>
-              <a:t>Find the database</a:t>
-            </a:r>
-          </a:p>
-        </p:txBody>
-      </p:sp>
-      <p:pic>
-        <p:nvPicPr>
-          <p:cNvPr id="5" name="Picture 5" descr="A picture containing logo&#10;&#10;Description automatically generated">
-            <a:extLst>
-              <a:ext uri="{FF2B5EF4-FFF2-40B4-BE49-F238E27FC236}">
-                <a16:creationId xmlns:a16="http://schemas.microsoft.com/office/drawing/2014/main" id="{8AEDF05A-60F2-4524-8451-C5C728E103BB}"/>
-              </a:ext>
-            </a:extLst>
-          </p:cNvPr>
-          <p:cNvPicPr>
-            <a:picLocks noChangeAspect="1"/>
-          </p:cNvPicPr>
-          <p:nvPr/>
-        </p:nvPicPr>
-        <p:blipFill>
-          <a:blip r:embed="rId3"/>
-          <a:stretch>
-            <a:fillRect/>
-          </a:stretch>
-        </p:blipFill>
-        <p:spPr>
-          <a:xfrm>
-            <a:off x="838200" y="2467080"/>
-            <a:ext cx="10842365" cy="2273342"/>
-          </a:xfrm>
-          <a:prstGeom prst="rect">
-            <a:avLst/>
-          </a:prstGeom>
-        </p:spPr>
-      </p:pic>
-      <p:sp>
-        <p:nvSpPr>
-          <p:cNvPr id="6" name="Rectangle 5">
-            <a:extLst>
-              <a:ext uri="{FF2B5EF4-FFF2-40B4-BE49-F238E27FC236}">
-                <a16:creationId xmlns:a16="http://schemas.microsoft.com/office/drawing/2014/main" id="{383E0541-0D55-451D-AAD3-ADD4C9225F75}"/>
-              </a:ext>
-            </a:extLst>
-          </p:cNvPr>
-          <p:cNvSpPr/>
-          <p:nvPr/>
-        </p:nvSpPr>
-        <p:spPr>
-          <a:xfrm>
-            <a:off x="1498442" y="3025069"/>
-            <a:ext cx="10173367" cy="387684"/>
-          </a:xfrm>
-          <a:prstGeom prst="rect">
-            <a:avLst/>
-          </a:prstGeom>
-          <a:noFill/>
-          <a:ln w="28575">
-            <a:solidFill>
-              <a:srgbClr val="FF0000"/>
-            </a:solidFill>
-          </a:ln>
-        </p:spPr>
-        <p:style>
-          <a:lnRef idx="2">
-            <a:schemeClr val="accent1">
-              <a:shade val="50000"/>
-            </a:schemeClr>
-          </a:lnRef>
-          <a:fillRef idx="1">
-            <a:schemeClr val="accent1"/>
-          </a:fillRef>
-          <a:effectRef idx="0">
-            <a:schemeClr val="accent1"/>
-          </a:effectRef>
-          <a:fontRef idx="minor">
-            <a:schemeClr val="lt1"/>
-          </a:fontRef>
-        </p:style>
-        <p:txBody>
-          <a:bodyPr rtlCol="0" anchor="ctr"/>
-          <a:lstStyle/>
-          <a:p>
-            <a:pPr algn="ctr"/>
-            <a:endParaRPr lang="en-US"/>
-          </a:p>
-        </p:txBody>
-      </p:sp>
-    </p:spTree>
-    <p:extLst>
-      <p:ext uri="{BB962C8B-B14F-4D97-AF65-F5344CB8AC3E}">
-        <p14:creationId xmlns:p14="http://schemas.microsoft.com/office/powerpoint/2010/main" val="46822973"/>
-      </p:ext>
-    </p:extLst>
-  </p:cSld>
-  <p:clrMapOvr>
-    <a:masterClrMapping/>
-  </p:clrMapOvr>
-</p:sld>
-</file>
-
-<file path=ppt/slides/slide9.xml><?xml version="1.0" encoding="utf-8"?>
-<p:sld xmlns:a="http://schemas.openxmlformats.org/drawingml/2006/main" xmlns:r="http://schemas.openxmlformats.org/officeDocument/2006/relationships" xmlns:p="http://schemas.openxmlformats.org/presentationml/2006/main">
-  <p:cSld>
-    <p:spTree>
-      <p:nvGrpSpPr>
-        <p:cNvPr id="1" name=""/>
-        <p:cNvGrpSpPr/>
-        <p:nvPr/>
-      </p:nvGrpSpPr>
-      <p:grpSpPr>
-        <a:xfrm>
-          <a:off x="0" y="0"/>
-          <a:ext cx="0" cy="0"/>
-          <a:chOff x="0" y="0"/>
-          <a:chExt cx="0" cy="0"/>
-        </a:xfrm>
-      </p:grpSpPr>
-      <p:sp>
-        <p:nvSpPr>
-          <p:cNvPr id="2" name="Title 1">
-            <a:extLst>
-              <a:ext uri="{FF2B5EF4-FFF2-40B4-BE49-F238E27FC236}">
-                <a16:creationId xmlns:a16="http://schemas.microsoft.com/office/drawing/2014/main" id="{B23D5793-2D2E-4A05-BBDB-A78A693AE53B}"/>
-              </a:ext>
-            </a:extLst>
-          </p:cNvPr>
-          <p:cNvSpPr>
-            <a:spLocks noGrp="1"/>
-          </p:cNvSpPr>
-          <p:nvPr>
-            <p:ph type="title"/>
-          </p:nvPr>
-        </p:nvSpPr>
-        <p:spPr/>
-        <p:txBody>
-          <a:bodyPr/>
-          <a:lstStyle/>
-          <a:p>
-            <a:r>
-              <a:rPr lang="en-US">
-                <a:cs typeface="Calibri Light"/>
-              </a:rPr>
-              <a:t>Step 3: examine the database</a:t>
-            </a:r>
-            <a:endParaRPr lang="en-US"/>
-          </a:p>
-        </p:txBody>
-      </p:sp>
-      <p:pic>
-        <p:nvPicPr>
-          <p:cNvPr id="5" name="Picture 4" descr="Text&#10;&#10;Description automatically generated">
-            <a:extLst>
-              <a:ext uri="{FF2B5EF4-FFF2-40B4-BE49-F238E27FC236}">
-                <a16:creationId xmlns:a16="http://schemas.microsoft.com/office/drawing/2014/main" id="{49EA2546-C8EF-4AC8-8747-47AF64C5169C}"/>
-              </a:ext>
-            </a:extLst>
-          </p:cNvPr>
-          <p:cNvPicPr>
-            <a:picLocks noChangeAspect="1"/>
-          </p:cNvPicPr>
-          <p:nvPr/>
-        </p:nvPicPr>
-        <p:blipFill>
-          <a:blip r:embed="rId3"/>
-          <a:stretch>
-            <a:fillRect/>
-          </a:stretch>
-        </p:blipFill>
-        <p:spPr>
-          <a:xfrm>
-            <a:off x="839036" y="1881114"/>
-            <a:ext cx="10677568" cy="856114"/>
-          </a:xfrm>
-          <a:prstGeom prst="rect">
-            <a:avLst/>
-          </a:prstGeom>
-        </p:spPr>
-      </p:pic>
-      <p:pic>
-        <p:nvPicPr>
-          <p:cNvPr id="7" name="Picture 6" descr="Graphical user interface, text, application&#10;&#10;Description automatically generated">
-            <a:extLst>
-              <a:ext uri="{FF2B5EF4-FFF2-40B4-BE49-F238E27FC236}">
-                <a16:creationId xmlns:a16="http://schemas.microsoft.com/office/drawing/2014/main" id="{69CDA6A5-0B40-476D-8B25-8B1F60C519F9}"/>
-              </a:ext>
-            </a:extLst>
-          </p:cNvPr>
-          <p:cNvPicPr>
-            <a:picLocks noChangeAspect="1"/>
-          </p:cNvPicPr>
-          <p:nvPr/>
-        </p:nvPicPr>
-        <p:blipFill>
-          <a:blip r:embed="rId4"/>
-          <a:stretch>
-            <a:fillRect/>
-          </a:stretch>
-        </p:blipFill>
-        <p:spPr>
-          <a:xfrm>
-            <a:off x="5901488" y="3105085"/>
-            <a:ext cx="5650622" cy="3265503"/>
-          </a:xfrm>
-          <a:prstGeom prst="rect">
-            <a:avLst/>
-          </a:prstGeom>
-        </p:spPr>
-      </p:pic>
-      <p:sp>
-        <p:nvSpPr>
-          <p:cNvPr id="8" name="TextBox 7">
-            <a:extLst>
-              <a:ext uri="{FF2B5EF4-FFF2-40B4-BE49-F238E27FC236}">
-                <a16:creationId xmlns:a16="http://schemas.microsoft.com/office/drawing/2014/main" id="{44428CDD-ABDD-43D0-AC19-D3F74162BD84}"/>
-              </a:ext>
-            </a:extLst>
-          </p:cNvPr>
-          <p:cNvSpPr txBox="1"/>
-          <p:nvPr/>
-        </p:nvSpPr>
-        <p:spPr>
-          <a:xfrm>
-            <a:off x="838200" y="3107849"/>
-            <a:ext cx="4788568" cy="1938992"/>
-          </a:xfrm>
-          <a:prstGeom prst="rect">
-            <a:avLst/>
-          </a:prstGeom>
-          <a:noFill/>
-        </p:spPr>
-        <p:txBody>
-          <a:bodyPr rot="0" spcFirstLastPara="0" vertOverflow="overflow" horzOverflow="overflow" vert="horz" wrap="square" lIns="91440" tIns="45720" rIns="91440" bIns="45720" numCol="1" spcCol="0" rtlCol="0" fromWordArt="0" anchor="t" anchorCtr="0" forceAA="0" compatLnSpc="1">
-            <a:prstTxWarp prst="textNoShape">
-              <a:avLst/>
-            </a:prstTxWarp>
-            <a:spAutoFit/>
-          </a:bodyPr>
-          <a:lstStyle/>
-          <a:p>
-            <a:pPr marL="285750" indent="-285750">
-              <a:buFont typeface="Arial"/>
-              <a:buChar char="•"/>
-            </a:pPr>
-            <a:r>
-              <a:rPr lang="en-US" sz="2400" dirty="0">
-                <a:cs typeface="Calibri"/>
-              </a:rPr>
-              <a:t>Tables to focus on: attendees, events, reminders</a:t>
-            </a:r>
-          </a:p>
-          <a:p>
-            <a:pPr marL="285750" indent="-285750">
-              <a:buFont typeface="Arial"/>
-              <a:buChar char="•"/>
-            </a:pPr>
-            <a:endParaRPr lang="en-US" sz="2400" dirty="0">
-              <a:cs typeface="Calibri"/>
-            </a:endParaRPr>
-          </a:p>
-          <a:p>
-            <a:pPr marL="285750" indent="-285750">
-              <a:buFont typeface="Arial"/>
-              <a:buChar char="•"/>
-            </a:pPr>
-            <a:r>
-              <a:rPr lang="en-US" sz="2400" dirty="0">
-                <a:cs typeface="Calibri"/>
-              </a:rPr>
-              <a:t>In this case there isn't any data to look at in any of the tables</a:t>
-            </a:r>
-          </a:p>
-        </p:txBody>
-      </p:sp>
-      <p:sp>
-        <p:nvSpPr>
-          <p:cNvPr id="9" name="Rectangle 8">
-            <a:extLst>
-              <a:ext uri="{FF2B5EF4-FFF2-40B4-BE49-F238E27FC236}">
-                <a16:creationId xmlns:a16="http://schemas.microsoft.com/office/drawing/2014/main" id="{439BBE62-E442-49FE-A5A1-59F6D538371E}"/>
-              </a:ext>
-            </a:extLst>
-          </p:cNvPr>
-          <p:cNvSpPr/>
-          <p:nvPr/>
-        </p:nvSpPr>
-        <p:spPr>
-          <a:xfrm>
-            <a:off x="1298073" y="2331145"/>
-            <a:ext cx="10226841" cy="387683"/>
-          </a:xfrm>
-          <a:prstGeom prst="rect">
-            <a:avLst/>
-          </a:prstGeom>
-          <a:noFill/>
-          <a:ln w="28575">
-            <a:solidFill>
-              <a:srgbClr val="FF0000"/>
-            </a:solidFill>
-          </a:ln>
-        </p:spPr>
-        <p:style>
-          <a:lnRef idx="2">
-            <a:schemeClr val="accent1">
-              <a:shade val="50000"/>
-            </a:schemeClr>
-          </a:lnRef>
-          <a:fillRef idx="1">
-            <a:schemeClr val="accent1"/>
-          </a:fillRef>
-          <a:effectRef idx="0">
-            <a:schemeClr val="accent1"/>
-          </a:effectRef>
-          <a:fontRef idx="minor">
-            <a:schemeClr val="lt1"/>
-          </a:fontRef>
-        </p:style>
-        <p:txBody>
-          <a:bodyPr rtlCol="0" anchor="ctr"/>
-          <a:lstStyle/>
-          <a:p>
-            <a:pPr algn="ctr"/>
-            <a:endParaRPr lang="en-US"/>
-          </a:p>
-        </p:txBody>
-      </p:sp>
-      <p:sp>
-        <p:nvSpPr>
-          <p:cNvPr id="11" name="TextBox 1">
-            <a:extLst>
-              <a:ext uri="{FF2B5EF4-FFF2-40B4-BE49-F238E27FC236}">
-                <a16:creationId xmlns:a16="http://schemas.microsoft.com/office/drawing/2014/main" id="{D7049351-4E8A-4FBD-9C7D-8779B20AC091}"/>
-              </a:ext>
-            </a:extLst>
-          </p:cNvPr>
-          <p:cNvSpPr txBox="1"/>
-          <p:nvPr/>
-        </p:nvSpPr>
-        <p:spPr>
-          <a:xfrm>
-            <a:off x="5908896" y="2742083"/>
-            <a:ext cx="1902572" cy="369332"/>
-          </a:xfrm>
-          <a:prstGeom prst="rect">
-            <a:avLst/>
-          </a:prstGeom>
-          <a:solidFill>
-            <a:schemeClr val="accent4"/>
-          </a:solidFill>
-        </p:spPr>
-        <p:txBody>
-          <a:bodyPr wrap="none" lIns="91440" tIns="45720" rIns="91440" bIns="45720" rtlCol="0" anchor="t">
-            <a:spAutoFit/>
-          </a:bodyPr>
-          <a:lstStyle>
-            <a:defPPr>
-              <a:defRPr lang="en-US"/>
-            </a:defPPr>
-            <a:lvl1pPr marL="0" algn="l" defTabSz="914400" rtl="0" eaLnBrk="1" latinLnBrk="0" hangingPunct="1">
-              <a:defRPr sz="1800" kern="1200">
-                <a:solidFill>
-                  <a:schemeClr val="tx1"/>
-                </a:solidFill>
-                <a:latin typeface="+mn-lt"/>
-                <a:ea typeface="+mn-ea"/>
-                <a:cs typeface="+mn-cs"/>
-              </a:defRPr>
-            </a:lvl1pPr>
-            <a:lvl2pPr marL="457200" algn="l" defTabSz="914400" rtl="0" eaLnBrk="1" latinLnBrk="0" hangingPunct="1">
-              <a:defRPr sz="1800" kern="1200">
-                <a:solidFill>
-                  <a:schemeClr val="tx1"/>
-                </a:solidFill>
-                <a:latin typeface="+mn-lt"/>
-                <a:ea typeface="+mn-ea"/>
-                <a:cs typeface="+mn-cs"/>
-              </a:defRPr>
-            </a:lvl2pPr>
-            <a:lvl3pPr marL="914400" algn="l" defTabSz="914400" rtl="0" eaLnBrk="1" latinLnBrk="0" hangingPunct="1">
-              <a:defRPr sz="1800" kern="1200">
-                <a:solidFill>
-                  <a:schemeClr val="tx1"/>
-                </a:solidFill>
-                <a:latin typeface="+mn-lt"/>
-                <a:ea typeface="+mn-ea"/>
-                <a:cs typeface="+mn-cs"/>
-              </a:defRPr>
-            </a:lvl3pPr>
-            <a:lvl4pPr marL="1371600" algn="l" defTabSz="914400" rtl="0" eaLnBrk="1" latinLnBrk="0" hangingPunct="1">
-              <a:defRPr sz="1800" kern="1200">
-                <a:solidFill>
-                  <a:schemeClr val="tx1"/>
-                </a:solidFill>
-                <a:latin typeface="+mn-lt"/>
-                <a:ea typeface="+mn-ea"/>
-                <a:cs typeface="+mn-cs"/>
-              </a:defRPr>
-            </a:lvl4pPr>
-            <a:lvl5pPr marL="1828800" algn="l" defTabSz="914400" rtl="0" eaLnBrk="1" latinLnBrk="0" hangingPunct="1">
-              <a:defRPr sz="1800" kern="1200">
-                <a:solidFill>
-                  <a:schemeClr val="tx1"/>
-                </a:solidFill>
-                <a:latin typeface="+mn-lt"/>
-                <a:ea typeface="+mn-ea"/>
-                <a:cs typeface="+mn-cs"/>
-              </a:defRPr>
-            </a:lvl5pPr>
-            <a:lvl6pPr marL="2286000" algn="l" defTabSz="914400" rtl="0" eaLnBrk="1" latinLnBrk="0" hangingPunct="1">
-              <a:defRPr sz="1800" kern="1200">
-                <a:solidFill>
-                  <a:schemeClr val="tx1"/>
-                </a:solidFill>
-                <a:latin typeface="+mn-lt"/>
-                <a:ea typeface="+mn-ea"/>
-                <a:cs typeface="+mn-cs"/>
-              </a:defRPr>
-            </a:lvl6pPr>
-            <a:lvl7pPr marL="2743200" algn="l" defTabSz="914400" rtl="0" eaLnBrk="1" latinLnBrk="0" hangingPunct="1">
-              <a:defRPr sz="1800" kern="1200">
-                <a:solidFill>
-                  <a:schemeClr val="tx1"/>
-                </a:solidFill>
-                <a:latin typeface="+mn-lt"/>
-                <a:ea typeface="+mn-ea"/>
-                <a:cs typeface="+mn-cs"/>
-              </a:defRPr>
-            </a:lvl7pPr>
-            <a:lvl8pPr marL="3200400" algn="l" defTabSz="914400" rtl="0" eaLnBrk="1" latinLnBrk="0" hangingPunct="1">
-              <a:defRPr sz="1800" kern="1200">
-                <a:solidFill>
-                  <a:schemeClr val="tx1"/>
-                </a:solidFill>
-                <a:latin typeface="+mn-lt"/>
-                <a:ea typeface="+mn-ea"/>
-                <a:cs typeface="+mn-cs"/>
-              </a:defRPr>
-            </a:lvl8pPr>
-            <a:lvl9pPr marL="3657600" algn="l" defTabSz="914400" rtl="0" eaLnBrk="1" latinLnBrk="0" hangingPunct="1">
-              <a:defRPr sz="1800" kern="1200">
-                <a:solidFill>
-                  <a:schemeClr val="tx1"/>
-                </a:solidFill>
-                <a:latin typeface="+mn-lt"/>
-                <a:ea typeface="+mn-ea"/>
-                <a:cs typeface="+mn-cs"/>
-              </a:defRPr>
-            </a:lvl9pPr>
-          </a:lstStyle>
-          <a:p>
-            <a:r>
-              <a:rPr lang="en-US">
-                <a:cs typeface="Calibri"/>
-              </a:rPr>
-              <a:t>Tables in database</a:t>
-            </a:r>
-          </a:p>
-        </p:txBody>
-      </p:sp>
-    </p:spTree>
-    <p:extLst>
-      <p:ext uri="{BB962C8B-B14F-4D97-AF65-F5344CB8AC3E}">
-        <p14:creationId xmlns:p14="http://schemas.microsoft.com/office/powerpoint/2010/main" val="3735861723"/>
       </p:ext>
     </p:extLst>
   </p:cSld>

--- a/Android10/5_1_3_AOSP_App_Investigations_Calendar.pptx
+++ b/Android10/5_1_3_AOSP_App_Investigations_Calendar.pptx
@@ -5,27 +5,26 @@
     <p:sldMasterId id="2147483648" r:id="rId1"/>
   </p:sldMasterIdLst>
   <p:notesMasterIdLst>
-    <p:notesMasterId r:id="rId20"/>
+    <p:notesMasterId r:id="rId19"/>
   </p:notesMasterIdLst>
   <p:sldIdLst>
     <p:sldId id="256" r:id="rId2"/>
     <p:sldId id="504" r:id="rId3"/>
     <p:sldId id="408" r:id="rId4"/>
     <p:sldId id="451" r:id="rId5"/>
-    <p:sldId id="457" r:id="rId6"/>
-    <p:sldId id="448" r:id="rId7"/>
-    <p:sldId id="505" r:id="rId8"/>
-    <p:sldId id="497" r:id="rId9"/>
-    <p:sldId id="410" r:id="rId10"/>
-    <p:sldId id="411" r:id="rId11"/>
-    <p:sldId id="412" r:id="rId12"/>
-    <p:sldId id="498" r:id="rId13"/>
-    <p:sldId id="499" r:id="rId14"/>
-    <p:sldId id="500" r:id="rId15"/>
-    <p:sldId id="501" r:id="rId16"/>
-    <p:sldId id="502" r:id="rId17"/>
-    <p:sldId id="503" r:id="rId18"/>
-    <p:sldId id="449" r:id="rId19"/>
+    <p:sldId id="448" r:id="rId6"/>
+    <p:sldId id="505" r:id="rId7"/>
+    <p:sldId id="497" r:id="rId8"/>
+    <p:sldId id="410" r:id="rId9"/>
+    <p:sldId id="411" r:id="rId10"/>
+    <p:sldId id="412" r:id="rId11"/>
+    <p:sldId id="498" r:id="rId12"/>
+    <p:sldId id="499" r:id="rId13"/>
+    <p:sldId id="500" r:id="rId14"/>
+    <p:sldId id="501" r:id="rId15"/>
+    <p:sldId id="502" r:id="rId16"/>
+    <p:sldId id="503" r:id="rId17"/>
+    <p:sldId id="449" r:id="rId18"/>
   </p:sldIdLst>
   <p:sldSz cx="12192000" cy="6858000"/>
   <p:notesSz cx="6858000" cy="9144000"/>
@@ -147,7 +146,7 @@
 <file path=ppt/revisionInfo.xml><?xml version="1.0" encoding="utf-8"?>
 <p1510:revInfo xmlns:a="http://schemas.openxmlformats.org/drawingml/2006/main" xmlns:r="http://schemas.openxmlformats.org/officeDocument/2006/relationships" xmlns:p1510="http://schemas.microsoft.com/office/powerpoint/2015/10/main">
   <p1510:revLst>
-    <p1510:client id="{519CFF70-A104-4BE5-B7AF-E221F0BC4D16}" v="4" dt="2025-04-07T17:17:21.523"/>
+    <p1510:client id="{519CFF70-A104-4BE5-B7AF-E221F0BC4D16}" v="6" dt="2025-04-15T13:14:41.059"/>
   </p1510:revLst>
 </p1510:revInfo>
 </file>
@@ -4482,7 +4481,7 @@
   <pc:docChgLst>
     <pc:chgData name="Weifeng Xu" userId="e7aed605-a3dd-4d5a-a692-a87037af107b" providerId="ADAL" clId="{519CFF70-A104-4BE5-B7AF-E221F0BC4D16}"/>
     <pc:docChg chg="undo custSel addSld delSld modSld">
-      <pc:chgData name="Weifeng Xu" userId="e7aed605-a3dd-4d5a-a692-a87037af107b" providerId="ADAL" clId="{519CFF70-A104-4BE5-B7AF-E221F0BC4D16}" dt="2025-04-07T17:22:03.229" v="443" actId="47"/>
+      <pc:chgData name="Weifeng Xu" userId="e7aed605-a3dd-4d5a-a692-a87037af107b" providerId="ADAL" clId="{519CFF70-A104-4BE5-B7AF-E221F0BC4D16}" dt="2025-04-15T13:22:23.986" v="711" actId="47"/>
       <pc:docMkLst>
         <pc:docMk/>
       </pc:docMkLst>
@@ -4614,20 +4613,44 @@
           <pc:sldMk cId="1982119232" sldId="405"/>
         </pc:sldMkLst>
       </pc:sldChg>
-      <pc:sldChg chg="modSp mod">
-        <pc:chgData name="Weifeng Xu" userId="e7aed605-a3dd-4d5a-a692-a87037af107b" providerId="ADAL" clId="{519CFF70-A104-4BE5-B7AF-E221F0BC4D16}" dt="2025-04-07T17:14:42.311" v="250" actId="207"/>
+      <pc:sldChg chg="addSp delSp modSp mod">
+        <pc:chgData name="Weifeng Xu" userId="e7aed605-a3dd-4d5a-a692-a87037af107b" providerId="ADAL" clId="{519CFF70-A104-4BE5-B7AF-E221F0BC4D16}" dt="2025-04-15T13:21:12.062" v="693" actId="20577"/>
         <pc:sldMkLst>
           <pc:docMk/>
           <pc:sldMk cId="2622453785" sldId="408"/>
         </pc:sldMkLst>
         <pc:spChg chg="mod">
-          <ac:chgData name="Weifeng Xu" userId="e7aed605-a3dd-4d5a-a692-a87037af107b" providerId="ADAL" clId="{519CFF70-A104-4BE5-B7AF-E221F0BC4D16}" dt="2025-04-07T17:14:42.311" v="250" actId="207"/>
+          <ac:chgData name="Weifeng Xu" userId="e7aed605-a3dd-4d5a-a692-a87037af107b" providerId="ADAL" clId="{519CFF70-A104-4BE5-B7AF-E221F0BC4D16}" dt="2025-04-15T13:21:12.062" v="693" actId="20577"/>
           <ac:spMkLst>
             <pc:docMk/>
             <pc:sldMk cId="2622453785" sldId="408"/>
             <ac:spMk id="3" creationId="{9E0091E6-6379-4EE0-84A0-9638938021AE}"/>
           </ac:spMkLst>
         </pc:spChg>
+        <pc:picChg chg="add del">
+          <ac:chgData name="Weifeng Xu" userId="e7aed605-a3dd-4d5a-a692-a87037af107b" providerId="ADAL" clId="{519CFF70-A104-4BE5-B7AF-E221F0BC4D16}" dt="2025-04-15T13:14:40.428" v="538" actId="478"/>
+          <ac:picMkLst>
+            <pc:docMk/>
+            <pc:sldMk cId="2622453785" sldId="408"/>
+            <ac:picMk id="5" creationId="{0C66F263-15E6-4668-A5DE-9BE7BC0A153D}"/>
+          </ac:picMkLst>
+        </pc:picChg>
+        <pc:picChg chg="add del">
+          <ac:chgData name="Weifeng Xu" userId="e7aed605-a3dd-4d5a-a692-a87037af107b" providerId="ADAL" clId="{519CFF70-A104-4BE5-B7AF-E221F0BC4D16}" dt="2025-04-15T13:14:39.962" v="537" actId="478"/>
+          <ac:picMkLst>
+            <pc:docMk/>
+            <pc:sldMk cId="2622453785" sldId="408"/>
+            <ac:picMk id="8" creationId="{403916EE-9787-4760-A9E8-7E8E3D894E40}"/>
+          </ac:picMkLst>
+        </pc:picChg>
+        <pc:picChg chg="add del">
+          <ac:chgData name="Weifeng Xu" userId="e7aed605-a3dd-4d5a-a692-a87037af107b" providerId="ADAL" clId="{519CFF70-A104-4BE5-B7AF-E221F0BC4D16}" dt="2025-04-15T13:14:39.794" v="536" actId="478"/>
+          <ac:picMkLst>
+            <pc:docMk/>
+            <pc:sldMk cId="2622453785" sldId="408"/>
+            <ac:picMk id="9" creationId="{5E72BA32-CB2F-490B-AFFC-95D2E5F2E4CF}"/>
+          </ac:picMkLst>
+        </pc:picChg>
       </pc:sldChg>
       <pc:sldChg chg="add del">
         <pc:chgData name="Weifeng Xu" userId="e7aed605-a3dd-4d5a-a692-a87037af107b" providerId="ADAL" clId="{519CFF70-A104-4BE5-B7AF-E221F0BC4D16}" dt="2021-08-09T01:43:42.601" v="159" actId="47"/>
@@ -4876,12 +4899,36 @@
           </ac:spMkLst>
         </pc:spChg>
       </pc:sldChg>
-      <pc:sldChg chg="modSp mod">
-        <pc:chgData name="Weifeng Xu" userId="e7aed605-a3dd-4d5a-a692-a87037af107b" providerId="ADAL" clId="{519CFF70-A104-4BE5-B7AF-E221F0BC4D16}" dt="2021-08-09T01:42:12.191" v="154" actId="313"/>
+      <pc:sldChg chg="addSp modSp mod">
+        <pc:chgData name="Weifeng Xu" userId="e7aed605-a3dd-4d5a-a692-a87037af107b" providerId="ADAL" clId="{519CFF70-A104-4BE5-B7AF-E221F0BC4D16}" dt="2025-04-15T13:22:19.475" v="710" actId="1076"/>
         <pc:sldMkLst>
           <pc:docMk/>
           <pc:sldMk cId="1438349411" sldId="451"/>
         </pc:sldMkLst>
+        <pc:spChg chg="mod">
+          <ac:chgData name="Weifeng Xu" userId="e7aed605-a3dd-4d5a-a692-a87037af107b" providerId="ADAL" clId="{519CFF70-A104-4BE5-B7AF-E221F0BC4D16}" dt="2025-04-15T13:07:57.874" v="529" actId="20577"/>
+          <ac:spMkLst>
+            <pc:docMk/>
+            <pc:sldMk cId="1438349411" sldId="451"/>
+            <ac:spMk id="2" creationId="{80231DEC-AE3F-4F7E-97CF-CE153A54A91D}"/>
+          </ac:spMkLst>
+        </pc:spChg>
+        <pc:spChg chg="mod">
+          <ac:chgData name="Weifeng Xu" userId="e7aed605-a3dd-4d5a-a692-a87037af107b" providerId="ADAL" clId="{519CFF70-A104-4BE5-B7AF-E221F0BC4D16}" dt="2025-04-15T13:22:08.321" v="705" actId="14100"/>
+          <ac:spMkLst>
+            <pc:docMk/>
+            <pc:sldMk cId="1438349411" sldId="451"/>
+            <ac:spMk id="3" creationId="{2E61DE7B-70F3-4369-A340-1805DD534406}"/>
+          </ac:spMkLst>
+        </pc:spChg>
+        <pc:spChg chg="add mod">
+          <ac:chgData name="Weifeng Xu" userId="e7aed605-a3dd-4d5a-a692-a87037af107b" providerId="ADAL" clId="{519CFF70-A104-4BE5-B7AF-E221F0BC4D16}" dt="2025-04-15T13:22:19.475" v="710" actId="1076"/>
+          <ac:spMkLst>
+            <pc:docMk/>
+            <pc:sldMk cId="1438349411" sldId="451"/>
+            <ac:spMk id="5" creationId="{2A32B6A4-B984-E24B-0CDF-F362860B59D8}"/>
+          </ac:spMkLst>
+        </pc:spChg>
       </pc:sldChg>
       <pc:sldChg chg="del">
         <pc:chgData name="Weifeng Xu" userId="e7aed605-a3dd-4d5a-a692-a87037af107b" providerId="ADAL" clId="{519CFF70-A104-4BE5-B7AF-E221F0BC4D16}" dt="2021-08-09T01:38:45.491" v="79" actId="47"/>
@@ -4909,6 +4956,13 @@
         <pc:sldMkLst>
           <pc:docMk/>
           <pc:sldMk cId="819406772" sldId="456"/>
+        </pc:sldMkLst>
+      </pc:sldChg>
+      <pc:sldChg chg="del">
+        <pc:chgData name="Weifeng Xu" userId="e7aed605-a3dd-4d5a-a692-a87037af107b" providerId="ADAL" clId="{519CFF70-A104-4BE5-B7AF-E221F0BC4D16}" dt="2025-04-15T13:22:23.986" v="711" actId="47"/>
+        <pc:sldMkLst>
+          <pc:docMk/>
+          <pc:sldMk cId="1981201839" sldId="457"/>
         </pc:sldMkLst>
       </pc:sldChg>
       <pc:sldChg chg="del">
@@ -5291,22 +5345,6 @@
           <pc:docMk/>
           <pc:sldMk cId="1036379805" sldId="504"/>
         </pc:sldMkLst>
-        <pc:spChg chg="del mod ord">
-          <ac:chgData name="Weifeng Xu" userId="e7aed605-a3dd-4d5a-a692-a87037af107b" providerId="ADAL" clId="{519CFF70-A104-4BE5-B7AF-E221F0BC4D16}" dt="2025-04-07T17:15:45.051" v="252" actId="700"/>
-          <ac:spMkLst>
-            <pc:docMk/>
-            <pc:sldMk cId="1036379805" sldId="504"/>
-            <ac:spMk id="2" creationId="{74D42336-F3D6-2857-F7AD-9456D4C79B7B}"/>
-          </ac:spMkLst>
-        </pc:spChg>
-        <pc:spChg chg="del mod ord">
-          <ac:chgData name="Weifeng Xu" userId="e7aed605-a3dd-4d5a-a692-a87037af107b" providerId="ADAL" clId="{519CFF70-A104-4BE5-B7AF-E221F0BC4D16}" dt="2025-04-07T17:15:45.051" v="252" actId="700"/>
-          <ac:spMkLst>
-            <pc:docMk/>
-            <pc:sldMk cId="1036379805" sldId="504"/>
-            <ac:spMk id="3" creationId="{6615F10D-8F50-DF9F-3313-194A40EF085A}"/>
-          </ac:spMkLst>
-        </pc:spChg>
         <pc:spChg chg="add mod ord">
           <ac:chgData name="Weifeng Xu" userId="e7aed605-a3dd-4d5a-a692-a87037af107b" providerId="ADAL" clId="{519CFF70-A104-4BE5-B7AF-E221F0BC4D16}" dt="2025-04-07T17:15:56.595" v="257" actId="20577"/>
           <ac:spMkLst>
@@ -5338,6 +5376,13 @@
             <ac:spMk id="4" creationId="{95CE8EB6-B960-E4BF-E0D7-8ACA72A042AE}"/>
           </ac:spMkLst>
         </pc:spChg>
+      </pc:sldChg>
+      <pc:sldChg chg="add del">
+        <pc:chgData name="Weifeng Xu" userId="e7aed605-a3dd-4d5a-a692-a87037af107b" providerId="ADAL" clId="{519CFF70-A104-4BE5-B7AF-E221F0BC4D16}" dt="2025-04-15T13:14:41.058" v="539"/>
+        <pc:sldMkLst>
+          <pc:docMk/>
+          <pc:sldMk cId="3340538059" sldId="506"/>
+        </pc:sldMkLst>
       </pc:sldChg>
     </pc:docChg>
   </pc:docChgLst>
@@ -6749,7 +6794,7 @@
           <a:p>
             <a:fld id="{EE41F6E3-57F9-402E-BDBA-5B2DE11C8530}" type="datetimeFigureOut">
               <a:rPr lang="en-US" smtClean="0"/>
-              <a:t>4/7/2025</a:t>
+              <a:t>4/15/2025</a:t>
             </a:fld>
             <a:endParaRPr lang="en-US"/>
           </a:p>
@@ -7173,7 +7218,7 @@
           <a:p>
             <a:fld id="{DDBF98C7-164A-4723-84F0-B1E4B080DDEC}" type="slidenum">
               <a:rPr lang="en-US" smtClean="0"/>
-              <a:t>9</a:t>
+              <a:t>8</a:t>
             </a:fld>
             <a:endParaRPr lang="en-US"/>
           </a:p>
@@ -7280,7 +7325,7 @@
           <a:p>
             <a:fld id="{DDBF98C7-164A-4723-84F0-B1E4B080DDEC}" type="slidenum">
               <a:rPr lang="en-US" smtClean="0"/>
-              <a:t>10</a:t>
+              <a:t>9</a:t>
             </a:fld>
             <a:endParaRPr lang="en-US"/>
           </a:p>
@@ -7369,7 +7414,7 @@
           <a:p>
             <a:fld id="{DDBF98C7-164A-4723-84F0-B1E4B080DDEC}" type="slidenum">
               <a:rPr lang="en-US" smtClean="0"/>
-              <a:t>11</a:t>
+              <a:t>10</a:t>
             </a:fld>
             <a:endParaRPr lang="en-US"/>
           </a:p>
@@ -7517,7 +7562,7 @@
           <a:p>
             <a:fld id="{4263717A-E3C1-4BED-ABE0-B7069385E023}" type="datetimeFigureOut">
               <a:rPr lang="en-US" smtClean="0"/>
-              <a:t>4/7/2025</a:t>
+              <a:t>4/15/2025</a:t>
             </a:fld>
             <a:endParaRPr lang="en-US"/>
           </a:p>
@@ -7690,7 +7735,7 @@
           <a:p>
             <a:fld id="{4263717A-E3C1-4BED-ABE0-B7069385E023}" type="datetimeFigureOut">
               <a:rPr lang="en-US" smtClean="0"/>
-              <a:t>4/7/2025</a:t>
+              <a:t>4/15/2025</a:t>
             </a:fld>
             <a:endParaRPr lang="en-US"/>
           </a:p>
@@ -7868,7 +7913,7 @@
           <a:p>
             <a:fld id="{4263717A-E3C1-4BED-ABE0-B7069385E023}" type="datetimeFigureOut">
               <a:rPr lang="en-US" smtClean="0"/>
-              <a:t>4/7/2025</a:t>
+              <a:t>4/15/2025</a:t>
             </a:fld>
             <a:endParaRPr lang="en-US"/>
           </a:p>
@@ -8036,7 +8081,7 @@
           <a:p>
             <a:fld id="{4263717A-E3C1-4BED-ABE0-B7069385E023}" type="datetimeFigureOut">
               <a:rPr lang="en-US" smtClean="0"/>
-              <a:t>4/7/2025</a:t>
+              <a:t>4/15/2025</a:t>
             </a:fld>
             <a:endParaRPr lang="en-US"/>
           </a:p>
@@ -8281,7 +8326,7 @@
           <a:p>
             <a:fld id="{4263717A-E3C1-4BED-ABE0-B7069385E023}" type="datetimeFigureOut">
               <a:rPr lang="en-US" smtClean="0"/>
-              <a:t>4/7/2025</a:t>
+              <a:t>4/15/2025</a:t>
             </a:fld>
             <a:endParaRPr lang="en-US"/>
           </a:p>
@@ -8510,7 +8555,7 @@
           <a:p>
             <a:fld id="{4263717A-E3C1-4BED-ABE0-B7069385E023}" type="datetimeFigureOut">
               <a:rPr lang="en-US" smtClean="0"/>
-              <a:t>4/7/2025</a:t>
+              <a:t>4/15/2025</a:t>
             </a:fld>
             <a:endParaRPr lang="en-US"/>
           </a:p>
@@ -8874,7 +8919,7 @@
           <a:p>
             <a:fld id="{4263717A-E3C1-4BED-ABE0-B7069385E023}" type="datetimeFigureOut">
               <a:rPr lang="en-US" smtClean="0"/>
-              <a:t>4/7/2025</a:t>
+              <a:t>4/15/2025</a:t>
             </a:fld>
             <a:endParaRPr lang="en-US"/>
           </a:p>
@@ -8991,7 +9036,7 @@
           <a:p>
             <a:fld id="{4263717A-E3C1-4BED-ABE0-B7069385E023}" type="datetimeFigureOut">
               <a:rPr lang="en-US" smtClean="0"/>
-              <a:t>4/7/2025</a:t>
+              <a:t>4/15/2025</a:t>
             </a:fld>
             <a:endParaRPr lang="en-US"/>
           </a:p>
@@ -9086,7 +9131,7 @@
           <a:p>
             <a:fld id="{4263717A-E3C1-4BED-ABE0-B7069385E023}" type="datetimeFigureOut">
               <a:rPr lang="en-US" smtClean="0"/>
-              <a:t>4/7/2025</a:t>
+              <a:t>4/15/2025</a:t>
             </a:fld>
             <a:endParaRPr lang="en-US"/>
           </a:p>
@@ -9361,7 +9406,7 @@
           <a:p>
             <a:fld id="{4263717A-E3C1-4BED-ABE0-B7069385E023}" type="datetimeFigureOut">
               <a:rPr lang="en-US" smtClean="0"/>
-              <a:t>4/7/2025</a:t>
+              <a:t>4/15/2025</a:t>
             </a:fld>
             <a:endParaRPr lang="en-US"/>
           </a:p>
@@ -9613,7 +9658,7 @@
           <a:p>
             <a:fld id="{4263717A-E3C1-4BED-ABE0-B7069385E023}" type="datetimeFigureOut">
               <a:rPr lang="en-US" smtClean="0"/>
-              <a:t>4/7/2025</a:t>
+              <a:t>4/15/2025</a:t>
             </a:fld>
             <a:endParaRPr lang="en-US"/>
           </a:p>
@@ -9824,7 +9869,7 @@
           <a:p>
             <a:fld id="{4263717A-E3C1-4BED-ABE0-B7069385E023}" type="datetimeFigureOut">
               <a:rPr lang="en-US" smtClean="0"/>
-              <a:t>4/7/2025</a:t>
+              <a:t>4/15/2025</a:t>
             </a:fld>
             <a:endParaRPr lang="en-US"/>
           </a:p>
@@ -10489,180 +10534,6 @@
           <p:cNvPr id="2" name="Title 1">
             <a:extLst>
               <a:ext uri="{FF2B5EF4-FFF2-40B4-BE49-F238E27FC236}">
-                <a16:creationId xmlns:a16="http://schemas.microsoft.com/office/drawing/2014/main" id="{88A96AAE-54C7-4A67-B297-1D11C1D82726}"/>
-              </a:ext>
-            </a:extLst>
-          </p:cNvPr>
-          <p:cNvSpPr>
-            <a:spLocks noGrp="1"/>
-          </p:cNvSpPr>
-          <p:nvPr>
-            <p:ph type="title"/>
-          </p:nvPr>
-        </p:nvSpPr>
-        <p:spPr/>
-        <p:txBody>
-          <a:bodyPr/>
-          <a:lstStyle/>
-          <a:p>
-            <a:r>
-              <a:rPr lang="en-US" dirty="0" err="1">
-                <a:solidFill>
-                  <a:schemeClr val="accent2"/>
-                </a:solidFill>
-                <a:cs typeface="Calibri Light"/>
-              </a:rPr>
-              <a:t>calendar.db</a:t>
-            </a:r>
-            <a:r>
-              <a:rPr lang="en-US" dirty="0">
-                <a:solidFill>
-                  <a:schemeClr val="accent2"/>
-                </a:solidFill>
-                <a:cs typeface="Calibri Light"/>
-              </a:rPr>
-              <a:t> </a:t>
-            </a:r>
-            <a:r>
-              <a:rPr lang="en-US" dirty="0">
-                <a:cs typeface="Calibri Light"/>
-              </a:rPr>
-              <a:t>location</a:t>
-            </a:r>
-            <a:r>
-              <a:rPr lang="en-US" dirty="0">
-                <a:solidFill>
-                  <a:schemeClr val="accent2"/>
-                </a:solidFill>
-                <a:cs typeface="Calibri Light"/>
-              </a:rPr>
-              <a:t> </a:t>
-            </a:r>
-            <a:endParaRPr lang="en-US" dirty="0">
-              <a:solidFill>
-                <a:schemeClr val="accent2"/>
-              </a:solidFill>
-            </a:endParaRPr>
-          </a:p>
-        </p:txBody>
-      </p:sp>
-      <p:pic>
-        <p:nvPicPr>
-          <p:cNvPr id="5" name="Picture 5" descr="A picture containing logo&#10;&#10;Description automatically generated">
-            <a:extLst>
-              <a:ext uri="{FF2B5EF4-FFF2-40B4-BE49-F238E27FC236}">
-                <a16:creationId xmlns:a16="http://schemas.microsoft.com/office/drawing/2014/main" id="{8AEDF05A-60F2-4524-8451-C5C728E103BB}"/>
-              </a:ext>
-            </a:extLst>
-          </p:cNvPr>
-          <p:cNvPicPr>
-            <a:picLocks noChangeAspect="1"/>
-          </p:cNvPicPr>
-          <p:nvPr/>
-        </p:nvPicPr>
-        <p:blipFill>
-          <a:blip r:embed="rId3"/>
-          <a:stretch>
-            <a:fillRect/>
-          </a:stretch>
-        </p:blipFill>
-        <p:spPr>
-          <a:xfrm>
-            <a:off x="838200" y="2467080"/>
-            <a:ext cx="10233837" cy="2145751"/>
-          </a:xfrm>
-          <a:prstGeom prst="rect">
-            <a:avLst/>
-          </a:prstGeom>
-        </p:spPr>
-      </p:pic>
-      <p:sp>
-        <p:nvSpPr>
-          <p:cNvPr id="6" name="Rectangle 5">
-            <a:extLst>
-              <a:ext uri="{FF2B5EF4-FFF2-40B4-BE49-F238E27FC236}">
-                <a16:creationId xmlns:a16="http://schemas.microsoft.com/office/drawing/2014/main" id="{383E0541-0D55-451D-AAD3-ADD4C9225F75}"/>
-              </a:ext>
-            </a:extLst>
-          </p:cNvPr>
-          <p:cNvSpPr/>
-          <p:nvPr/>
-        </p:nvSpPr>
-        <p:spPr>
-          <a:xfrm>
-            <a:off x="1498442" y="3025069"/>
-            <a:ext cx="9502711" cy="313554"/>
-          </a:xfrm>
-          <a:prstGeom prst="rect">
-            <a:avLst/>
-          </a:prstGeom>
-          <a:noFill/>
-          <a:ln w="28575">
-            <a:solidFill>
-              <a:srgbClr val="FF0000"/>
-            </a:solidFill>
-          </a:ln>
-        </p:spPr>
-        <p:style>
-          <a:lnRef idx="2">
-            <a:schemeClr val="accent1">
-              <a:shade val="50000"/>
-            </a:schemeClr>
-          </a:lnRef>
-          <a:fillRef idx="1">
-            <a:schemeClr val="accent1"/>
-          </a:fillRef>
-          <a:effectRef idx="0">
-            <a:schemeClr val="accent1"/>
-          </a:effectRef>
-          <a:fontRef idx="minor">
-            <a:schemeClr val="lt1"/>
-          </a:fontRef>
-        </p:style>
-        <p:txBody>
-          <a:bodyPr rtlCol="0" anchor="ctr"/>
-          <a:lstStyle/>
-          <a:p>
-            <a:pPr algn="ctr"/>
-            <a:endParaRPr lang="en-US"/>
-          </a:p>
-        </p:txBody>
-      </p:sp>
-    </p:spTree>
-    <p:extLst>
-      <p:ext uri="{BB962C8B-B14F-4D97-AF65-F5344CB8AC3E}">
-        <p14:creationId xmlns:p14="http://schemas.microsoft.com/office/powerpoint/2010/main" val="46822973"/>
-      </p:ext>
-    </p:extLst>
-  </p:cSld>
-  <p:clrMapOvr>
-    <a:masterClrMapping/>
-  </p:clrMapOvr>
-</p:sld>
-</file>
-
-<file path=ppt/slides/slide11.xml><?xml version="1.0" encoding="utf-8"?>
-<p:sld xmlns:a="http://schemas.openxmlformats.org/drawingml/2006/main" xmlns:r="http://schemas.openxmlformats.org/officeDocument/2006/relationships" xmlns:p="http://schemas.openxmlformats.org/presentationml/2006/main">
-  <p:cSld>
-    <p:spTree>
-      <p:nvGrpSpPr>
-        <p:cNvPr id="1" name=""/>
-        <p:cNvGrpSpPr/>
-        <p:nvPr/>
-      </p:nvGrpSpPr>
-      <p:grpSpPr>
-        <a:xfrm>
-          <a:off x="0" y="0"/>
-          <a:ext cx="0" cy="0"/>
-          <a:chOff x="0" y="0"/>
-          <a:chExt cx="0" cy="0"/>
-        </a:xfrm>
-      </p:grpSpPr>
-      <p:sp>
-        <p:nvSpPr>
-          <p:cNvPr id="2" name="Title 1">
-            <a:extLst>
-              <a:ext uri="{FF2B5EF4-FFF2-40B4-BE49-F238E27FC236}">
                 <a16:creationId xmlns:a16="http://schemas.microsoft.com/office/drawing/2014/main" id="{B23D5793-2D2E-4A05-BBDB-A78A693AE53B}"/>
               </a:ext>
             </a:extLst>
@@ -11030,7 +10901,7 @@
 </p:sld>
 </file>
 
-<file path=ppt/slides/slide12.xml><?xml version="1.0" encoding="utf-8"?>
+<file path=ppt/slides/slide11.xml><?xml version="1.0" encoding="utf-8"?>
 <p:sld xmlns:a="http://schemas.openxmlformats.org/drawingml/2006/main" xmlns:r="http://schemas.openxmlformats.org/officeDocument/2006/relationships" xmlns:p="http://schemas.openxmlformats.org/presentationml/2006/main">
   <p:cSld>
     <p:spTree>
@@ -11274,7 +11145,7 @@
 </p:sld>
 </file>
 
-<file path=ppt/slides/slide13.xml><?xml version="1.0" encoding="utf-8"?>
+<file path=ppt/slides/slide12.xml><?xml version="1.0" encoding="utf-8"?>
 <p:sld xmlns:a="http://schemas.openxmlformats.org/drawingml/2006/main" xmlns:r="http://schemas.openxmlformats.org/officeDocument/2006/relationships" xmlns:p="http://schemas.openxmlformats.org/presentationml/2006/main">
   <p:cSld>
     <p:spTree>
@@ -11403,7 +11274,7 @@
 </p:sld>
 </file>
 
-<file path=ppt/slides/slide14.xml><?xml version="1.0" encoding="utf-8"?>
+<file path=ppt/slides/slide13.xml><?xml version="1.0" encoding="utf-8"?>
 <p:sld xmlns:a="http://schemas.openxmlformats.org/drawingml/2006/main" xmlns:r="http://schemas.openxmlformats.org/officeDocument/2006/relationships" xmlns:p="http://schemas.openxmlformats.org/presentationml/2006/main">
   <p:cSld>
     <p:spTree>
@@ -11463,7 +11334,7 @@
 </p:sld>
 </file>
 
-<file path=ppt/slides/slide15.xml><?xml version="1.0" encoding="utf-8"?>
+<file path=ppt/slides/slide14.xml><?xml version="1.0" encoding="utf-8"?>
 <p:sld xmlns:a="http://schemas.openxmlformats.org/drawingml/2006/main" xmlns:r="http://schemas.openxmlformats.org/officeDocument/2006/relationships" xmlns:p="http://schemas.openxmlformats.org/presentationml/2006/main">
   <p:cSld>
     <p:spTree>
@@ -11523,7 +11394,7 @@
 </p:sld>
 </file>
 
-<file path=ppt/slides/slide16.xml><?xml version="1.0" encoding="utf-8"?>
+<file path=ppt/slides/slide15.xml><?xml version="1.0" encoding="utf-8"?>
 <p:sld xmlns:a="http://schemas.openxmlformats.org/drawingml/2006/main" xmlns:r="http://schemas.openxmlformats.org/officeDocument/2006/relationships" xmlns:p="http://schemas.openxmlformats.org/presentationml/2006/main">
   <p:cSld>
     <p:spTree>
@@ -11583,7 +11454,7 @@
 </p:sld>
 </file>
 
-<file path=ppt/slides/slide17.xml><?xml version="1.0" encoding="utf-8"?>
+<file path=ppt/slides/slide16.xml><?xml version="1.0" encoding="utf-8"?>
 <p:sld xmlns:a="http://schemas.openxmlformats.org/drawingml/2006/main" xmlns:r="http://schemas.openxmlformats.org/officeDocument/2006/relationships" xmlns:p="http://schemas.openxmlformats.org/presentationml/2006/main">
   <p:cSld>
     <p:spTree>
@@ -11643,7 +11514,7 @@
 </p:sld>
 </file>
 
-<file path=ppt/slides/slide18.xml><?xml version="1.0" encoding="utf-8"?>
+<file path=ppt/slides/slide17.xml><?xml version="1.0" encoding="utf-8"?>
 <p:sld xmlns:a="http://schemas.openxmlformats.org/drawingml/2006/main" xmlns:r="http://schemas.openxmlformats.org/officeDocument/2006/relationships" xmlns:p="http://schemas.openxmlformats.org/presentationml/2006/main">
   <p:cSld>
     <p:spTree>
@@ -11975,24 +11846,38 @@
         <p:spPr>
           <a:xfrm>
             <a:off x="838200" y="1825625"/>
-            <a:ext cx="5809916" cy="3629444"/>
+            <a:ext cx="5809916" cy="4184406"/>
           </a:xfrm>
         </p:spPr>
         <p:txBody>
           <a:bodyPr vert="horz" lIns="91440" tIns="45720" rIns="91440" bIns="45720" rtlCol="0" anchor="t">
-            <a:normAutofit lnSpcReduction="10000"/>
+            <a:normAutofit fontScale="92500" lnSpcReduction="20000"/>
           </a:bodyPr>
           <a:lstStyle/>
           <a:p>
             <a:r>
-              <a:rPr lang="en-US" dirty="0">
+              <a:rPr lang="en-GB" dirty="0">
                 <a:cs typeface="Calibri"/>
               </a:rPr>
-              <a:t>Service for calendar apps</a:t>
+              <a:t>APIs provided by the AOSP</a:t>
+            </a:r>
+          </a:p>
+          <a:p>
+            <a:r>
+              <a:rPr lang="en-GB" dirty="0">
+                <a:cs typeface="Calibri"/>
+              </a:rPr>
+              <a:t>It manages and interacts with calendar data</a:t>
             </a:r>
           </a:p>
           <a:p>
             <a:pPr lvl="1"/>
+            <a:r>
+              <a:rPr lang="en-GB" dirty="0">
+                <a:cs typeface="Calibri"/>
+              </a:rPr>
+              <a:t>through Calendar Provider </a:t>
+            </a:r>
             <a:r>
               <a:rPr lang="en-US" dirty="0" err="1">
                 <a:solidFill>
@@ -12011,70 +11896,39 @@
           </a:p>
           <a:p>
             <a:r>
-              <a:rPr lang="en-US" dirty="0">
+              <a:rPr lang="en-GB" dirty="0">
                 <a:cs typeface="Calibri"/>
               </a:rPr>
-              <a:t>Calendar is a tool to keep track of:</a:t>
-            </a:r>
-          </a:p>
-          <a:p>
-            <a:pPr lvl="1" indent="0"/>
-            <a:r>
-              <a:rPr lang="en-US" dirty="0">
+              <a:t>Services features </a:t>
+            </a:r>
+          </a:p>
+          <a:p>
+            <a:pPr lvl="1"/>
+            <a:r>
+              <a:rPr lang="en-GB" dirty="0">
                 <a:cs typeface="Calibri"/>
               </a:rPr>
-              <a:t> Appointments</a:t>
-            </a:r>
-          </a:p>
-          <a:p>
-            <a:pPr lvl="1" indent="0"/>
-            <a:r>
-              <a:rPr lang="en-US" dirty="0">
+              <a:t>allow applications and sync adapters to access, modify, and synchronize calendar events, reminders, and other related data on a user's device</a:t>
+            </a:r>
+          </a:p>
+          <a:p>
+            <a:r>
+              <a:rPr lang="en-GB" dirty="0">
                 <a:cs typeface="Calibri"/>
               </a:rPr>
-              <a:t> Events</a:t>
-            </a:r>
-          </a:p>
-          <a:p>
-            <a:pPr lvl="1" indent="0"/>
-            <a:r>
-              <a:rPr lang="en-US" dirty="0">
+              <a:t>Pre-installed Calendar apps use these services</a:t>
+            </a:r>
+          </a:p>
+          <a:p>
+            <a:pPr lvl="1"/>
+            <a:r>
+              <a:rPr lang="en-GB" dirty="0">
                 <a:cs typeface="Calibri"/>
               </a:rPr>
-              <a:t> Birthdays</a:t>
-            </a:r>
-          </a:p>
-          <a:p>
-            <a:r>
-              <a:rPr lang="en-US" dirty="0">
-                <a:cs typeface="Calibri"/>
-              </a:rPr>
-              <a:t>Evidence types: </a:t>
-            </a:r>
-          </a:p>
-          <a:p>
-            <a:pPr lvl="1" indent="0"/>
-            <a:r>
-              <a:rPr lang="en-US" dirty="0">
-                <a:cs typeface="Calibri"/>
-              </a:rPr>
-              <a:t> Events</a:t>
-            </a:r>
-          </a:p>
-          <a:p>
-            <a:pPr lvl="1" indent="0"/>
-            <a:r>
-              <a:rPr lang="en-US" dirty="0">
-                <a:cs typeface="Calibri"/>
-              </a:rPr>
-              <a:t> Reminders</a:t>
-            </a:r>
-            <a:endParaRPr lang="en-US" dirty="0"/>
-          </a:p>
-          <a:p>
-            <a:pPr lvl="1" indent="0">
-              <a:buNone/>
-            </a:pPr>
+              <a:t>Google Calendar or Samsung Calendar</a:t>
+            </a:r>
+          </a:p>
+          <a:p>
             <a:endParaRPr lang="en-US" dirty="0">
               <a:cs typeface="Calibri"/>
             </a:endParaRPr>
@@ -12229,12 +12083,12 @@
           <a:lstStyle/>
           <a:p>
             <a:r>
-              <a:rPr lang="en-US">
+              <a:rPr lang="en-US" dirty="0">
                 <a:cs typeface="Calibri Light"/>
               </a:rPr>
-              <a:t>Why it's important to investigate calendar evidence?</a:t>
-            </a:r>
-            <a:endParaRPr lang="en-US"/>
+              <a:t>Evidence extracted from calendar services</a:t>
+            </a:r>
+            <a:endParaRPr lang="en-US" dirty="0"/>
           </a:p>
         </p:txBody>
       </p:sp>
@@ -12254,7 +12108,12 @@
             <p:ph idx="1"/>
           </p:nvPr>
         </p:nvSpPr>
-        <p:spPr/>
+        <p:spPr>
+          <a:xfrm>
+            <a:off x="838200" y="1825625"/>
+            <a:ext cx="10515600" cy="2347790"/>
+          </a:xfrm>
+        </p:spPr>
         <p:txBody>
           <a:bodyPr vert="horz" lIns="91440" tIns="45720" rIns="91440" bIns="45720" rtlCol="0" anchor="t">
             <a:normAutofit/>
@@ -12265,28 +12124,10 @@
               <a:rPr lang="en-US" dirty="0">
                 <a:cs typeface="Calibri"/>
               </a:rPr>
-              <a:t>Calendar saves the information about the appointments, events etc.</a:t>
-            </a:r>
-          </a:p>
-          <a:p>
-            <a:r>
-              <a:rPr lang="en-US" dirty="0">
-                <a:cs typeface="Calibri"/>
-              </a:rPr>
-              <a:t>It can give the information about:</a:t>
-            </a:r>
-          </a:p>
-          <a:p>
-            <a:pPr lvl="1"/>
-            <a:r>
-              <a:rPr lang="en-US" dirty="0">
-                <a:cs typeface="Calibri"/>
-              </a:rPr>
               <a:t>Date/time of appointments</a:t>
             </a:r>
           </a:p>
           <a:p>
-            <a:pPr lvl="1"/>
             <a:r>
               <a:rPr lang="en-US" dirty="0">
                 <a:cs typeface="Calibri"/>
@@ -12295,7 +12136,6 @@
             </a:r>
           </a:p>
           <a:p>
-            <a:pPr lvl="1"/>
             <a:r>
               <a:rPr lang="en-US" dirty="0">
                 <a:cs typeface="Calibri"/>
@@ -12304,12 +12144,46 @@
             </a:r>
           </a:p>
           <a:p>
-            <a:pPr lvl="1"/>
             <a:r>
               <a:rPr lang="en-US" dirty="0">
                 <a:cs typeface="Calibri"/>
               </a:rPr>
               <a:t>Attendees </a:t>
+            </a:r>
+          </a:p>
+        </p:txBody>
+      </p:sp>
+      <p:sp>
+        <p:nvSpPr>
+          <p:cNvPr id="5" name="TextBox 4">
+            <a:extLst>
+              <a:ext uri="{FF2B5EF4-FFF2-40B4-BE49-F238E27FC236}">
+                <a16:creationId xmlns:a16="http://schemas.microsoft.com/office/drawing/2014/main" id="{2A32B6A4-B984-E24B-0CDF-F362860B59D8}"/>
+              </a:ext>
+            </a:extLst>
+          </p:cNvPr>
+          <p:cNvSpPr txBox="1"/>
+          <p:nvPr/>
+        </p:nvSpPr>
+        <p:spPr>
+          <a:xfrm>
+            <a:off x="992552" y="4600974"/>
+            <a:ext cx="8346831" cy="369332"/>
+          </a:xfrm>
+          <a:prstGeom prst="rect">
+            <a:avLst/>
+          </a:prstGeom>
+          <a:noFill/>
+        </p:spPr>
+        <p:txBody>
+          <a:bodyPr wrap="square">
+            <a:spAutoFit/>
+          </a:bodyPr>
+          <a:lstStyle/>
+          <a:p>
+            <a:r>
+              <a:rPr lang="en-GB" dirty="0"/>
+              <a:t>Note: In this case, there isn't any data to look at in any of the tables</a:t>
             </a:r>
           </a:p>
         </p:txBody>
@@ -12349,107 +12223,6 @@
           <p:cNvPr id="2" name="Title 1">
             <a:extLst>
               <a:ext uri="{FF2B5EF4-FFF2-40B4-BE49-F238E27FC236}">
-                <a16:creationId xmlns:a16="http://schemas.microsoft.com/office/drawing/2014/main" id="{5E116471-72E1-42BF-B306-575322F79DEF}"/>
-              </a:ext>
-            </a:extLst>
-          </p:cNvPr>
-          <p:cNvSpPr>
-            <a:spLocks noGrp="1"/>
-          </p:cNvSpPr>
-          <p:nvPr>
-            <p:ph type="title"/>
-          </p:nvPr>
-        </p:nvSpPr>
-        <p:spPr/>
-        <p:txBody>
-          <a:bodyPr/>
-          <a:lstStyle/>
-          <a:p>
-            <a:r>
-              <a:rPr lang="en-US">
-                <a:cs typeface="Calibri Light"/>
-              </a:rPr>
-              <a:t>Note</a:t>
-            </a:r>
-            <a:endParaRPr lang="en-US"/>
-          </a:p>
-        </p:txBody>
-      </p:sp>
-      <p:sp>
-        <p:nvSpPr>
-          <p:cNvPr id="3" name="Content Placeholder 2">
-            <a:extLst>
-              <a:ext uri="{FF2B5EF4-FFF2-40B4-BE49-F238E27FC236}">
-                <a16:creationId xmlns:a16="http://schemas.microsoft.com/office/drawing/2014/main" id="{6C7491F3-95DE-4D0C-969D-0E96AB2685CD}"/>
-              </a:ext>
-            </a:extLst>
-          </p:cNvPr>
-          <p:cNvSpPr>
-            <a:spLocks noGrp="1"/>
-          </p:cNvSpPr>
-          <p:nvPr>
-            <p:ph idx="1"/>
-          </p:nvPr>
-        </p:nvSpPr>
-        <p:spPr/>
-        <p:txBody>
-          <a:bodyPr vert="horz" lIns="91440" tIns="45720" rIns="91440" bIns="45720" rtlCol="0" anchor="t">
-            <a:normAutofit/>
-          </a:bodyPr>
-          <a:lstStyle/>
-          <a:p>
-            <a:r>
-              <a:rPr lang="en-US">
-                <a:cs typeface="Calibri"/>
-              </a:rPr>
-              <a:t>Calendar app can be very useful in an investigation but in this case there isn't any data to look at in any of the tables</a:t>
-            </a:r>
-          </a:p>
-          <a:p>
-            <a:r>
-              <a:rPr lang="en-US">
-                <a:cs typeface="Calibri"/>
-              </a:rPr>
-              <a:t>In future, you may use this approach to look through the suspect's calendar data</a:t>
-            </a:r>
-          </a:p>
-        </p:txBody>
-      </p:sp>
-    </p:spTree>
-    <p:extLst>
-      <p:ext uri="{BB962C8B-B14F-4D97-AF65-F5344CB8AC3E}">
-        <p14:creationId xmlns:p14="http://schemas.microsoft.com/office/powerpoint/2010/main" val="1981201839"/>
-      </p:ext>
-    </p:extLst>
-  </p:cSld>
-  <p:clrMapOvr>
-    <a:masterClrMapping/>
-  </p:clrMapOvr>
-</p:sld>
-</file>
-
-<file path=ppt/slides/slide6.xml><?xml version="1.0" encoding="utf-8"?>
-<p:sld xmlns:a="http://schemas.openxmlformats.org/drawingml/2006/main" xmlns:r="http://schemas.openxmlformats.org/officeDocument/2006/relationships" xmlns:p="http://schemas.openxmlformats.org/presentationml/2006/main">
-  <p:cSld>
-    <p:spTree>
-      <p:nvGrpSpPr>
-        <p:cNvPr id="1" name=""/>
-        <p:cNvGrpSpPr/>
-        <p:nvPr/>
-      </p:nvGrpSpPr>
-      <p:grpSpPr>
-        <a:xfrm>
-          <a:off x="0" y="0"/>
-          <a:ext cx="0" cy="0"/>
-          <a:chOff x="0" y="0"/>
-          <a:chExt cx="0" cy="0"/>
-        </a:xfrm>
-      </p:grpSpPr>
-      <p:sp>
-        <p:nvSpPr>
-          <p:cNvPr id="2" name="Title 1">
-            <a:extLst>
-              <a:ext uri="{FF2B5EF4-FFF2-40B4-BE49-F238E27FC236}">
                 <a16:creationId xmlns:a16="http://schemas.microsoft.com/office/drawing/2014/main" id="{CF34116F-509B-4B9B-9679-ECC66D038AA9}"/>
               </a:ext>
             </a:extLst>
@@ -12546,7 +12319,7 @@
 </p:sld>
 </file>
 
-<file path=ppt/slides/slide7.xml><?xml version="1.0" encoding="utf-8"?>
+<file path=ppt/slides/slide6.xml><?xml version="1.0" encoding="utf-8"?>
 <p:sld xmlns:a="http://schemas.openxmlformats.org/drawingml/2006/main" xmlns:r="http://schemas.openxmlformats.org/officeDocument/2006/relationships" xmlns:p="http://schemas.openxmlformats.org/presentationml/2006/main">
   <p:cSld>
     <p:spTree>
@@ -12635,7 +12408,7 @@
 </p:sld>
 </file>
 
-<file path=ppt/slides/slide8.xml><?xml version="1.0" encoding="utf-8"?>
+<file path=ppt/slides/slide7.xml><?xml version="1.0" encoding="utf-8"?>
 <p:sld xmlns:a="http://schemas.openxmlformats.org/drawingml/2006/main" xmlns:r="http://schemas.openxmlformats.org/officeDocument/2006/relationships" xmlns:p="http://schemas.openxmlformats.org/presentationml/2006/main">
   <p:cSld>
     <p:spTree>
@@ -12996,7 +12769,7 @@
 </p:sld>
 </file>
 
-<file path=ppt/slides/slide9.xml><?xml version="1.0" encoding="utf-8"?>
+<file path=ppt/slides/slide8.xml><?xml version="1.0" encoding="utf-8"?>
 <p:sld xmlns:a="http://schemas.openxmlformats.org/drawingml/2006/main" xmlns:r="http://schemas.openxmlformats.org/officeDocument/2006/relationships" xmlns:p="http://schemas.openxmlformats.org/presentationml/2006/main">
   <p:cSld>
     <p:spTree>
@@ -13130,6 +12903,180 @@
     <p:extLst>
       <p:ext uri="{BB962C8B-B14F-4D97-AF65-F5344CB8AC3E}">
         <p14:creationId xmlns:p14="http://schemas.microsoft.com/office/powerpoint/2010/main" val="1839150834"/>
+      </p:ext>
+    </p:extLst>
+  </p:cSld>
+  <p:clrMapOvr>
+    <a:masterClrMapping/>
+  </p:clrMapOvr>
+</p:sld>
+</file>
+
+<file path=ppt/slides/slide9.xml><?xml version="1.0" encoding="utf-8"?>
+<p:sld xmlns:a="http://schemas.openxmlformats.org/drawingml/2006/main" xmlns:r="http://schemas.openxmlformats.org/officeDocument/2006/relationships" xmlns:p="http://schemas.openxmlformats.org/presentationml/2006/main">
+  <p:cSld>
+    <p:spTree>
+      <p:nvGrpSpPr>
+        <p:cNvPr id="1" name=""/>
+        <p:cNvGrpSpPr/>
+        <p:nvPr/>
+      </p:nvGrpSpPr>
+      <p:grpSpPr>
+        <a:xfrm>
+          <a:off x="0" y="0"/>
+          <a:ext cx="0" cy="0"/>
+          <a:chOff x="0" y="0"/>
+          <a:chExt cx="0" cy="0"/>
+        </a:xfrm>
+      </p:grpSpPr>
+      <p:sp>
+        <p:nvSpPr>
+          <p:cNvPr id="2" name="Title 1">
+            <a:extLst>
+              <a:ext uri="{FF2B5EF4-FFF2-40B4-BE49-F238E27FC236}">
+                <a16:creationId xmlns:a16="http://schemas.microsoft.com/office/drawing/2014/main" id="{88A96AAE-54C7-4A67-B297-1D11C1D82726}"/>
+              </a:ext>
+            </a:extLst>
+          </p:cNvPr>
+          <p:cNvSpPr>
+            <a:spLocks noGrp="1"/>
+          </p:cNvSpPr>
+          <p:nvPr>
+            <p:ph type="title"/>
+          </p:nvPr>
+        </p:nvSpPr>
+        <p:spPr/>
+        <p:txBody>
+          <a:bodyPr/>
+          <a:lstStyle/>
+          <a:p>
+            <a:r>
+              <a:rPr lang="en-US" dirty="0" err="1">
+                <a:solidFill>
+                  <a:schemeClr val="accent2"/>
+                </a:solidFill>
+                <a:cs typeface="Calibri Light"/>
+              </a:rPr>
+              <a:t>calendar.db</a:t>
+            </a:r>
+            <a:r>
+              <a:rPr lang="en-US" dirty="0">
+                <a:solidFill>
+                  <a:schemeClr val="accent2"/>
+                </a:solidFill>
+                <a:cs typeface="Calibri Light"/>
+              </a:rPr>
+              <a:t> </a:t>
+            </a:r>
+            <a:r>
+              <a:rPr lang="en-US" dirty="0">
+                <a:cs typeface="Calibri Light"/>
+              </a:rPr>
+              <a:t>location</a:t>
+            </a:r>
+            <a:r>
+              <a:rPr lang="en-US" dirty="0">
+                <a:solidFill>
+                  <a:schemeClr val="accent2"/>
+                </a:solidFill>
+                <a:cs typeface="Calibri Light"/>
+              </a:rPr>
+              <a:t> </a:t>
+            </a:r>
+            <a:endParaRPr lang="en-US" dirty="0">
+              <a:solidFill>
+                <a:schemeClr val="accent2"/>
+              </a:solidFill>
+            </a:endParaRPr>
+          </a:p>
+        </p:txBody>
+      </p:sp>
+      <p:pic>
+        <p:nvPicPr>
+          <p:cNvPr id="5" name="Picture 5" descr="A picture containing logo&#10;&#10;Description automatically generated">
+            <a:extLst>
+              <a:ext uri="{FF2B5EF4-FFF2-40B4-BE49-F238E27FC236}">
+                <a16:creationId xmlns:a16="http://schemas.microsoft.com/office/drawing/2014/main" id="{8AEDF05A-60F2-4524-8451-C5C728E103BB}"/>
+              </a:ext>
+            </a:extLst>
+          </p:cNvPr>
+          <p:cNvPicPr>
+            <a:picLocks noChangeAspect="1"/>
+          </p:cNvPicPr>
+          <p:nvPr/>
+        </p:nvPicPr>
+        <p:blipFill>
+          <a:blip r:embed="rId3"/>
+          <a:stretch>
+            <a:fillRect/>
+          </a:stretch>
+        </p:blipFill>
+        <p:spPr>
+          <a:xfrm>
+            <a:off x="838200" y="2467080"/>
+            <a:ext cx="10233837" cy="2145751"/>
+          </a:xfrm>
+          <a:prstGeom prst="rect">
+            <a:avLst/>
+          </a:prstGeom>
+        </p:spPr>
+      </p:pic>
+      <p:sp>
+        <p:nvSpPr>
+          <p:cNvPr id="6" name="Rectangle 5">
+            <a:extLst>
+              <a:ext uri="{FF2B5EF4-FFF2-40B4-BE49-F238E27FC236}">
+                <a16:creationId xmlns:a16="http://schemas.microsoft.com/office/drawing/2014/main" id="{383E0541-0D55-451D-AAD3-ADD4C9225F75}"/>
+              </a:ext>
+            </a:extLst>
+          </p:cNvPr>
+          <p:cNvSpPr/>
+          <p:nvPr/>
+        </p:nvSpPr>
+        <p:spPr>
+          <a:xfrm>
+            <a:off x="1498442" y="3025069"/>
+            <a:ext cx="9502711" cy="313554"/>
+          </a:xfrm>
+          <a:prstGeom prst="rect">
+            <a:avLst/>
+          </a:prstGeom>
+          <a:noFill/>
+          <a:ln w="28575">
+            <a:solidFill>
+              <a:srgbClr val="FF0000"/>
+            </a:solidFill>
+          </a:ln>
+        </p:spPr>
+        <p:style>
+          <a:lnRef idx="2">
+            <a:schemeClr val="accent1">
+              <a:shade val="50000"/>
+            </a:schemeClr>
+          </a:lnRef>
+          <a:fillRef idx="1">
+            <a:schemeClr val="accent1"/>
+          </a:fillRef>
+          <a:effectRef idx="0">
+            <a:schemeClr val="accent1"/>
+          </a:effectRef>
+          <a:fontRef idx="minor">
+            <a:schemeClr val="lt1"/>
+          </a:fontRef>
+        </p:style>
+        <p:txBody>
+          <a:bodyPr rtlCol="0" anchor="ctr"/>
+          <a:lstStyle/>
+          <a:p>
+            <a:pPr algn="ctr"/>
+            <a:endParaRPr lang="en-US"/>
+          </a:p>
+        </p:txBody>
+      </p:sp>
+    </p:spTree>
+    <p:extLst>
+      <p:ext uri="{BB962C8B-B14F-4D97-AF65-F5344CB8AC3E}">
+        <p14:creationId xmlns:p14="http://schemas.microsoft.com/office/powerpoint/2010/main" val="46822973"/>
       </p:ext>
     </p:extLst>
   </p:cSld>

--- a/Android10/5_1_3_AOSP_App_Investigations_Calendar.pptx
+++ b/Android10/5_1_3_AOSP_App_Investigations_Calendar.pptx
@@ -5,7 +5,7 @@
     <p:sldMasterId id="2147483648" r:id="rId1"/>
   </p:sldMasterIdLst>
   <p:notesMasterIdLst>
-    <p:notesMasterId r:id="rId19"/>
+    <p:notesMasterId r:id="rId20"/>
   </p:notesMasterIdLst>
   <p:sldIdLst>
     <p:sldId id="256" r:id="rId2"/>
@@ -14,17 +14,18 @@
     <p:sldId id="451" r:id="rId5"/>
     <p:sldId id="448" r:id="rId6"/>
     <p:sldId id="505" r:id="rId7"/>
-    <p:sldId id="497" r:id="rId8"/>
-    <p:sldId id="410" r:id="rId9"/>
-    <p:sldId id="411" r:id="rId10"/>
-    <p:sldId id="412" r:id="rId11"/>
-    <p:sldId id="498" r:id="rId12"/>
-    <p:sldId id="499" r:id="rId13"/>
-    <p:sldId id="500" r:id="rId14"/>
-    <p:sldId id="501" r:id="rId15"/>
-    <p:sldId id="502" r:id="rId16"/>
-    <p:sldId id="503" r:id="rId17"/>
-    <p:sldId id="449" r:id="rId18"/>
+    <p:sldId id="410" r:id="rId8"/>
+    <p:sldId id="411" r:id="rId9"/>
+    <p:sldId id="412" r:id="rId10"/>
+    <p:sldId id="506" r:id="rId11"/>
+    <p:sldId id="507" r:id="rId12"/>
+    <p:sldId id="498" r:id="rId13"/>
+    <p:sldId id="499" r:id="rId14"/>
+    <p:sldId id="500" r:id="rId15"/>
+    <p:sldId id="501" r:id="rId16"/>
+    <p:sldId id="502" r:id="rId17"/>
+    <p:sldId id="503" r:id="rId18"/>
+    <p:sldId id="449" r:id="rId19"/>
   </p:sldIdLst>
   <p:sldSz cx="12192000" cy="6858000"/>
   <p:notesSz cx="6858000" cy="9144000"/>
@@ -146,7 +147,7 @@
 <file path=ppt/revisionInfo.xml><?xml version="1.0" encoding="utf-8"?>
 <p1510:revInfo xmlns:a="http://schemas.openxmlformats.org/drawingml/2006/main" xmlns:r="http://schemas.openxmlformats.org/officeDocument/2006/relationships" xmlns:p1510="http://schemas.microsoft.com/office/powerpoint/2015/10/main">
   <p1510:revLst>
-    <p1510:client id="{519CFF70-A104-4BE5-B7AF-E221F0BC4D16}" v="6" dt="2025-04-15T13:14:41.059"/>
+    <p1510:client id="{519CFF70-A104-4BE5-B7AF-E221F0BC4D16}" v="14" dt="2025-10-25T13:32:28.142"/>
   </p1510:revLst>
 </p1510:revInfo>
 </file>
@@ -1267,6 +1268,138 @@
     </pc:docChg>
   </pc:docChgLst>
   <pc:docChgLst>
+    <pc:chgData name="Weifeng Xu" userId="e7aed605-a3dd-4d5a-a692-a87037af107b" providerId="ADAL" clId="{F99F8FFF-BA20-43EA-924B-4DF5D2A785F3}"/>
+    <pc:docChg chg="undo custSel addSld delSld modSld">
+      <pc:chgData name="Weifeng Xu" userId="e7aed605-a3dd-4d5a-a692-a87037af107b" providerId="ADAL" clId="{F99F8FFF-BA20-43EA-924B-4DF5D2A785F3}" dt="2025-10-25T13:32:37.146" v="116" actId="113"/>
+      <pc:docMkLst>
+        <pc:docMk/>
+      </pc:docMkLst>
+      <pc:sldChg chg="addSp modSp mod">
+        <pc:chgData name="Weifeng Xu" userId="e7aed605-a3dd-4d5a-a692-a87037af107b" providerId="ADAL" clId="{F99F8FFF-BA20-43EA-924B-4DF5D2A785F3}" dt="2025-10-25T13:30:48.357" v="102" actId="20577"/>
+        <pc:sldMkLst>
+          <pc:docMk/>
+          <pc:sldMk cId="2217854660" sldId="449"/>
+        </pc:sldMkLst>
+        <pc:spChg chg="mod">
+          <ac:chgData name="Weifeng Xu" userId="e7aed605-a3dd-4d5a-a692-a87037af107b" providerId="ADAL" clId="{F99F8FFF-BA20-43EA-924B-4DF5D2A785F3}" dt="2025-10-25T13:30:48.357" v="102" actId="20577"/>
+          <ac:spMkLst>
+            <pc:docMk/>
+            <pc:sldMk cId="2217854660" sldId="449"/>
+            <ac:spMk id="3" creationId="{99A4222C-CA99-4241-B8E3-51BFA8FCE43A}"/>
+          </ac:spMkLst>
+        </pc:spChg>
+        <pc:spChg chg="add">
+          <ac:chgData name="Weifeng Xu" userId="e7aed605-a3dd-4d5a-a692-a87037af107b" providerId="ADAL" clId="{F99F8FFF-BA20-43EA-924B-4DF5D2A785F3}" dt="2025-10-25T13:30:06.742" v="84"/>
+          <ac:spMkLst>
+            <pc:docMk/>
+            <pc:sldMk cId="2217854660" sldId="449"/>
+            <ac:spMk id="4" creationId="{94C71628-65D5-9079-3A58-DA39A902E88B}"/>
+          </ac:spMkLst>
+        </pc:spChg>
+      </pc:sldChg>
+      <pc:sldChg chg="del">
+        <pc:chgData name="Weifeng Xu" userId="e7aed605-a3dd-4d5a-a692-a87037af107b" providerId="ADAL" clId="{F99F8FFF-BA20-43EA-924B-4DF5D2A785F3}" dt="2025-10-25T13:32:13.148" v="103" actId="47"/>
+        <pc:sldMkLst>
+          <pc:docMk/>
+          <pc:sldMk cId="1156047588" sldId="497"/>
+        </pc:sldMkLst>
+      </pc:sldChg>
+      <pc:sldChg chg="addSp modSp mod">
+        <pc:chgData name="Weifeng Xu" userId="e7aed605-a3dd-4d5a-a692-a87037af107b" providerId="ADAL" clId="{F99F8FFF-BA20-43EA-924B-4DF5D2A785F3}" dt="2025-10-25T13:21:59.426" v="81" actId="13822"/>
+        <pc:sldMkLst>
+          <pc:docMk/>
+          <pc:sldMk cId="83335793" sldId="500"/>
+        </pc:sldMkLst>
+        <pc:spChg chg="add mod">
+          <ac:chgData name="Weifeng Xu" userId="e7aed605-a3dd-4d5a-a692-a87037af107b" providerId="ADAL" clId="{F99F8FFF-BA20-43EA-924B-4DF5D2A785F3}" dt="2025-10-25T13:21:48.954" v="79" actId="207"/>
+          <ac:spMkLst>
+            <pc:docMk/>
+            <pc:sldMk cId="83335793" sldId="500"/>
+            <ac:spMk id="2" creationId="{44C7A85B-E10B-53A8-A966-D40C02F7A65B}"/>
+          </ac:spMkLst>
+        </pc:spChg>
+        <pc:cxnChg chg="add mod">
+          <ac:chgData name="Weifeng Xu" userId="e7aed605-a3dd-4d5a-a692-a87037af107b" providerId="ADAL" clId="{F99F8FFF-BA20-43EA-924B-4DF5D2A785F3}" dt="2025-10-25T13:21:59.426" v="81" actId="13822"/>
+          <ac:cxnSpMkLst>
+            <pc:docMk/>
+            <pc:sldMk cId="83335793" sldId="500"/>
+            <ac:cxnSpMk id="4" creationId="{5551EED2-BDD2-5C7F-7DD1-E048CF6D4A6B}"/>
+          </ac:cxnSpMkLst>
+        </pc:cxnChg>
+      </pc:sldChg>
+      <pc:sldChg chg="addSp delSp modSp new mod modClrScheme chgLayout">
+        <pc:chgData name="Weifeng Xu" userId="e7aed605-a3dd-4d5a-a692-a87037af107b" providerId="ADAL" clId="{F99F8FFF-BA20-43EA-924B-4DF5D2A785F3}" dt="2025-10-25T13:32:37.146" v="116" actId="113"/>
+        <pc:sldMkLst>
+          <pc:docMk/>
+          <pc:sldMk cId="1921077578" sldId="506"/>
+        </pc:sldMkLst>
+        <pc:spChg chg="del">
+          <ac:chgData name="Weifeng Xu" userId="e7aed605-a3dd-4d5a-a692-a87037af107b" providerId="ADAL" clId="{F99F8FFF-BA20-43EA-924B-4DF5D2A785F3}" dt="2025-10-25T12:58:05.951" v="1" actId="700"/>
+          <ac:spMkLst>
+            <pc:docMk/>
+            <pc:sldMk cId="1921077578" sldId="506"/>
+            <ac:spMk id="2" creationId="{EF9FE906-2700-2573-9979-2D31669CF745}"/>
+          </ac:spMkLst>
+        </pc:spChg>
+        <pc:spChg chg="del">
+          <ac:chgData name="Weifeng Xu" userId="e7aed605-a3dd-4d5a-a692-a87037af107b" providerId="ADAL" clId="{F99F8FFF-BA20-43EA-924B-4DF5D2A785F3}" dt="2025-10-25T12:58:05.951" v="1" actId="700"/>
+          <ac:spMkLst>
+            <pc:docMk/>
+            <pc:sldMk cId="1921077578" sldId="506"/>
+            <ac:spMk id="3" creationId="{215A5108-B97C-6A74-5AF0-9F73DF8638D5}"/>
+          </ac:spMkLst>
+        </pc:spChg>
+        <pc:spChg chg="add mod">
+          <ac:chgData name="Weifeng Xu" userId="e7aed605-a3dd-4d5a-a692-a87037af107b" providerId="ADAL" clId="{F99F8FFF-BA20-43EA-924B-4DF5D2A785F3}" dt="2025-10-25T13:32:37.146" v="116" actId="113"/>
+          <ac:spMkLst>
+            <pc:docMk/>
+            <pc:sldMk cId="1921077578" sldId="506"/>
+            <ac:spMk id="8" creationId="{7991E609-B181-9854-2177-055D25A9A0C6}"/>
+          </ac:spMkLst>
+        </pc:spChg>
+        <pc:picChg chg="add mod">
+          <ac:chgData name="Weifeng Xu" userId="e7aed605-a3dd-4d5a-a692-a87037af107b" providerId="ADAL" clId="{F99F8FFF-BA20-43EA-924B-4DF5D2A785F3}" dt="2025-10-25T13:17:42.941" v="39" actId="1076"/>
+          <ac:picMkLst>
+            <pc:docMk/>
+            <pc:sldMk cId="1921077578" sldId="506"/>
+            <ac:picMk id="5" creationId="{CF9A2C57-E425-379E-17A1-1ED60103D6B4}"/>
+          </ac:picMkLst>
+        </pc:picChg>
+        <pc:picChg chg="add mod">
+          <ac:chgData name="Weifeng Xu" userId="e7aed605-a3dd-4d5a-a692-a87037af107b" providerId="ADAL" clId="{F99F8FFF-BA20-43EA-924B-4DF5D2A785F3}" dt="2025-10-25T13:17:41.159" v="38" actId="1076"/>
+          <ac:picMkLst>
+            <pc:docMk/>
+            <pc:sldMk cId="1921077578" sldId="506"/>
+            <ac:picMk id="7" creationId="{9F658B9A-E9BC-E7FA-BFF3-B474D96F9DD0}"/>
+          </ac:picMkLst>
+        </pc:picChg>
+      </pc:sldChg>
+      <pc:sldChg chg="addSp modSp new mod">
+        <pc:chgData name="Weifeng Xu" userId="e7aed605-a3dd-4d5a-a692-a87037af107b" providerId="ADAL" clId="{F99F8FFF-BA20-43EA-924B-4DF5D2A785F3}" dt="2025-10-25T13:12:25.103" v="33" actId="207"/>
+        <pc:sldMkLst>
+          <pc:docMk/>
+          <pc:sldMk cId="2938335630" sldId="507"/>
+        </pc:sldMkLst>
+        <pc:graphicFrameChg chg="add mod modGraphic">
+          <ac:chgData name="Weifeng Xu" userId="e7aed605-a3dd-4d5a-a692-a87037af107b" providerId="ADAL" clId="{F99F8FFF-BA20-43EA-924B-4DF5D2A785F3}" dt="2025-10-25T13:12:25.103" v="33" actId="207"/>
+          <ac:graphicFrameMkLst>
+            <pc:docMk/>
+            <pc:sldMk cId="2938335630" sldId="507"/>
+            <ac:graphicFrameMk id="4" creationId="{63DB5296-DF52-9E78-8C39-94D3A8B6B761}"/>
+          </ac:graphicFrameMkLst>
+        </pc:graphicFrameChg>
+        <pc:picChg chg="add mod">
+          <ac:chgData name="Weifeng Xu" userId="e7aed605-a3dd-4d5a-a692-a87037af107b" providerId="ADAL" clId="{F99F8FFF-BA20-43EA-924B-4DF5D2A785F3}" dt="2025-10-25T13:01:06.328" v="9" actId="1076"/>
+          <ac:picMkLst>
+            <pc:docMk/>
+            <pc:sldMk cId="2938335630" sldId="507"/>
+            <ac:picMk id="3" creationId="{9722DD11-50B7-26B9-E522-861346DDFF25}"/>
+          </ac:picMkLst>
+        </pc:picChg>
+      </pc:sldChg>
+    </pc:docChg>
+  </pc:docChgLst>
+  <pc:docChgLst>
     <pc:chgData name="Harleen Kaur" userId="S::id65ns02@ubalt.edu::9f7fc1d6-ab67-473f-ba46-e98f6ce2049b" providerId="AD" clId="Web-{64CF80C3-A892-56E3-82B2-03CB441C39F5}"/>
     <pc:docChg chg="addSld delSld modSld sldOrd">
       <pc:chgData name="Harleen Kaur" userId="S::id65ns02@ubalt.edu::9f7fc1d6-ab67-473f-ba46-e98f6ce2049b" providerId="AD" clId="Web-{64CF80C3-A892-56E3-82B2-03CB441C39F5}" dt="2021-06-29T19:44:18.534" v="1601" actId="14100"/>
@@ -4491,22 +4624,6 @@
           <pc:docMk/>
           <pc:sldMk cId="1323245308" sldId="256"/>
         </pc:sldMkLst>
-        <pc:spChg chg="mod">
-          <ac:chgData name="Weifeng Xu" userId="e7aed605-a3dd-4d5a-a692-a87037af107b" providerId="ADAL" clId="{519CFF70-A104-4BE5-B7AF-E221F0BC4D16}" dt="2025-04-03T11:59:01.474" v="177" actId="20577"/>
-          <ac:spMkLst>
-            <pc:docMk/>
-            <pc:sldMk cId="1323245308" sldId="256"/>
-            <ac:spMk id="2" creationId="{B476BAF9-88AC-4600-B511-347782B9C875}"/>
-          </ac:spMkLst>
-        </pc:spChg>
-        <pc:spChg chg="mod">
-          <ac:chgData name="Weifeng Xu" userId="e7aed605-a3dd-4d5a-a692-a87037af107b" providerId="ADAL" clId="{519CFF70-A104-4BE5-B7AF-E221F0BC4D16}" dt="2025-04-03T11:59:04.751" v="178" actId="1076"/>
-          <ac:spMkLst>
-            <pc:docMk/>
-            <pc:sldMk cId="1323245308" sldId="256"/>
-            <ac:spMk id="3" creationId="{58CD3106-2EE0-40F4-8C0B-042135FF9FB4}"/>
-          </ac:spMkLst>
-        </pc:spChg>
       </pc:sldChg>
       <pc:sldChg chg="del">
         <pc:chgData name="Weifeng Xu" userId="e7aed605-a3dd-4d5a-a692-a87037af107b" providerId="ADAL" clId="{519CFF70-A104-4BE5-B7AF-E221F0BC4D16}" dt="2021-08-09T01:38:20.833" v="26" actId="47"/>
@@ -4619,38 +4736,6 @@
           <pc:docMk/>
           <pc:sldMk cId="2622453785" sldId="408"/>
         </pc:sldMkLst>
-        <pc:spChg chg="mod">
-          <ac:chgData name="Weifeng Xu" userId="e7aed605-a3dd-4d5a-a692-a87037af107b" providerId="ADAL" clId="{519CFF70-A104-4BE5-B7AF-E221F0BC4D16}" dt="2025-04-15T13:21:12.062" v="693" actId="20577"/>
-          <ac:spMkLst>
-            <pc:docMk/>
-            <pc:sldMk cId="2622453785" sldId="408"/>
-            <ac:spMk id="3" creationId="{9E0091E6-6379-4EE0-84A0-9638938021AE}"/>
-          </ac:spMkLst>
-        </pc:spChg>
-        <pc:picChg chg="add del">
-          <ac:chgData name="Weifeng Xu" userId="e7aed605-a3dd-4d5a-a692-a87037af107b" providerId="ADAL" clId="{519CFF70-A104-4BE5-B7AF-E221F0BC4D16}" dt="2025-04-15T13:14:40.428" v="538" actId="478"/>
-          <ac:picMkLst>
-            <pc:docMk/>
-            <pc:sldMk cId="2622453785" sldId="408"/>
-            <ac:picMk id="5" creationId="{0C66F263-15E6-4668-A5DE-9BE7BC0A153D}"/>
-          </ac:picMkLst>
-        </pc:picChg>
-        <pc:picChg chg="add del">
-          <ac:chgData name="Weifeng Xu" userId="e7aed605-a3dd-4d5a-a692-a87037af107b" providerId="ADAL" clId="{519CFF70-A104-4BE5-B7AF-E221F0BC4D16}" dt="2025-04-15T13:14:39.962" v="537" actId="478"/>
-          <ac:picMkLst>
-            <pc:docMk/>
-            <pc:sldMk cId="2622453785" sldId="408"/>
-            <ac:picMk id="8" creationId="{403916EE-9787-4760-A9E8-7E8E3D894E40}"/>
-          </ac:picMkLst>
-        </pc:picChg>
-        <pc:picChg chg="add del">
-          <ac:chgData name="Weifeng Xu" userId="e7aed605-a3dd-4d5a-a692-a87037af107b" providerId="ADAL" clId="{519CFF70-A104-4BE5-B7AF-E221F0BC4D16}" dt="2025-04-15T13:14:39.794" v="536" actId="478"/>
-          <ac:picMkLst>
-            <pc:docMk/>
-            <pc:sldMk cId="2622453785" sldId="408"/>
-            <ac:picMk id="9" creationId="{5E72BA32-CB2F-490B-AFFC-95D2E5F2E4CF}"/>
-          </ac:picMkLst>
-        </pc:picChg>
       </pc:sldChg>
       <pc:sldChg chg="add del">
         <pc:chgData name="Weifeng Xu" userId="e7aed605-a3dd-4d5a-a692-a87037af107b" providerId="ADAL" clId="{519CFF70-A104-4BE5-B7AF-E221F0BC4D16}" dt="2021-08-09T01:43:42.601" v="159" actId="47"/>
@@ -4665,14 +4750,6 @@
           <pc:docMk/>
           <pc:sldMk cId="1839150834" sldId="410"/>
         </pc:sldMkLst>
-        <pc:spChg chg="mod">
-          <ac:chgData name="Weifeng Xu" userId="e7aed605-a3dd-4d5a-a692-a87037af107b" providerId="ADAL" clId="{519CFF70-A104-4BE5-B7AF-E221F0BC4D16}" dt="2025-04-07T17:19:23.173" v="396" actId="20577"/>
-          <ac:spMkLst>
-            <pc:docMk/>
-            <pc:sldMk cId="1839150834" sldId="410"/>
-            <ac:spMk id="2" creationId="{D3B4A165-01E0-49B9-A70C-492D7951A6C6}"/>
-          </ac:spMkLst>
-        </pc:spChg>
       </pc:sldChg>
       <pc:sldChg chg="addSp delSp modSp mod">
         <pc:chgData name="Weifeng Xu" userId="e7aed605-a3dd-4d5a-a692-a87037af107b" providerId="ADAL" clId="{519CFF70-A104-4BE5-B7AF-E221F0BC4D16}" dt="2025-04-07T17:20:15.783" v="432" actId="207"/>
@@ -4680,30 +4757,6 @@
           <pc:docMk/>
           <pc:sldMk cId="46822973" sldId="411"/>
         </pc:sldMkLst>
-        <pc:spChg chg="mod">
-          <ac:chgData name="Weifeng Xu" userId="e7aed605-a3dd-4d5a-a692-a87037af107b" providerId="ADAL" clId="{519CFF70-A104-4BE5-B7AF-E221F0BC4D16}" dt="2025-04-07T17:20:15.783" v="432" actId="207"/>
-          <ac:spMkLst>
-            <pc:docMk/>
-            <pc:sldMk cId="46822973" sldId="411"/>
-            <ac:spMk id="2" creationId="{88A96AAE-54C7-4A67-B297-1D11C1D82726}"/>
-          </ac:spMkLst>
-        </pc:spChg>
-        <pc:spChg chg="mod">
-          <ac:chgData name="Weifeng Xu" userId="e7aed605-a3dd-4d5a-a692-a87037af107b" providerId="ADAL" clId="{519CFF70-A104-4BE5-B7AF-E221F0BC4D16}" dt="2025-04-07T17:05:25.604" v="245" actId="14100"/>
-          <ac:spMkLst>
-            <pc:docMk/>
-            <pc:sldMk cId="46822973" sldId="411"/>
-            <ac:spMk id="6" creationId="{383E0541-0D55-451D-AAD3-ADD4C9225F75}"/>
-          </ac:spMkLst>
-        </pc:spChg>
-        <pc:picChg chg="mod">
-          <ac:chgData name="Weifeng Xu" userId="e7aed605-a3dd-4d5a-a692-a87037af107b" providerId="ADAL" clId="{519CFF70-A104-4BE5-B7AF-E221F0BC4D16}" dt="2025-04-07T17:05:21.920" v="244" actId="14100"/>
-          <ac:picMkLst>
-            <pc:docMk/>
-            <pc:sldMk cId="46822973" sldId="411"/>
-            <ac:picMk id="5" creationId="{8AEDF05A-60F2-4524-8451-C5C728E103BB}"/>
-          </ac:picMkLst>
-        </pc:picChg>
       </pc:sldChg>
       <pc:sldChg chg="delSp modSp mod">
         <pc:chgData name="Weifeng Xu" userId="e7aed605-a3dd-4d5a-a692-a87037af107b" providerId="ADAL" clId="{519CFF70-A104-4BE5-B7AF-E221F0BC4D16}" dt="2025-04-07T17:20:28.916" v="433"/>
@@ -4711,22 +4764,6 @@
           <pc:docMk/>
           <pc:sldMk cId="3735861723" sldId="412"/>
         </pc:sldMkLst>
-        <pc:spChg chg="mod">
-          <ac:chgData name="Weifeng Xu" userId="e7aed605-a3dd-4d5a-a692-a87037af107b" providerId="ADAL" clId="{519CFF70-A104-4BE5-B7AF-E221F0BC4D16}" dt="2025-04-07T17:20:28.916" v="433"/>
-          <ac:spMkLst>
-            <pc:docMk/>
-            <pc:sldMk cId="3735861723" sldId="412"/>
-            <ac:spMk id="2" creationId="{B23D5793-2D2E-4A05-BBDB-A78A693AE53B}"/>
-          </ac:spMkLst>
-        </pc:spChg>
-        <pc:spChg chg="mod">
-          <ac:chgData name="Weifeng Xu" userId="e7aed605-a3dd-4d5a-a692-a87037af107b" providerId="ADAL" clId="{519CFF70-A104-4BE5-B7AF-E221F0BC4D16}" dt="2025-04-03T12:00:41.720" v="185" actId="6549"/>
-          <ac:spMkLst>
-            <pc:docMk/>
-            <pc:sldMk cId="3735861723" sldId="412"/>
-            <ac:spMk id="8" creationId="{44428CDD-ABDD-43D0-AC19-D3F74162BD84}"/>
-          </ac:spMkLst>
-        </pc:spChg>
       </pc:sldChg>
       <pc:sldChg chg="del">
         <pc:chgData name="Weifeng Xu" userId="e7aed605-a3dd-4d5a-a692-a87037af107b" providerId="ADAL" clId="{519CFF70-A104-4BE5-B7AF-E221F0BC4D16}" dt="2025-04-07T17:22:03.229" v="443" actId="47"/>
@@ -4867,22 +4904,6 @@
           <pc:docMk/>
           <pc:sldMk cId="2349952390" sldId="448"/>
         </pc:sldMkLst>
-        <pc:spChg chg="mod">
-          <ac:chgData name="Weifeng Xu" userId="e7aed605-a3dd-4d5a-a692-a87037af107b" providerId="ADAL" clId="{519CFF70-A104-4BE5-B7AF-E221F0BC4D16}" dt="2025-04-07T17:17:03.225" v="312" actId="20577"/>
-          <ac:spMkLst>
-            <pc:docMk/>
-            <pc:sldMk cId="2349952390" sldId="448"/>
-            <ac:spMk id="2" creationId="{CF34116F-509B-4B9B-9679-ECC66D038AA9}"/>
-          </ac:spMkLst>
-        </pc:spChg>
-        <pc:spChg chg="mod">
-          <ac:chgData name="Weifeng Xu" userId="e7aed605-a3dd-4d5a-a692-a87037af107b" providerId="ADAL" clId="{519CFF70-A104-4BE5-B7AF-E221F0BC4D16}" dt="2025-04-07T17:17:07.826" v="313" actId="14"/>
-          <ac:spMkLst>
-            <pc:docMk/>
-            <pc:sldMk cId="2349952390" sldId="448"/>
-            <ac:spMk id="3" creationId="{C05CC460-5102-4C30-BFDF-57CA52235995}"/>
-          </ac:spMkLst>
-        </pc:spChg>
       </pc:sldChg>
       <pc:sldChg chg="modSp mod">
         <pc:chgData name="Weifeng Xu" userId="e7aed605-a3dd-4d5a-a692-a87037af107b" providerId="ADAL" clId="{519CFF70-A104-4BE5-B7AF-E221F0BC4D16}" dt="2025-04-07T17:21:58.855" v="442" actId="20577"/>
@@ -4890,14 +4911,6 @@
           <pc:docMk/>
           <pc:sldMk cId="2217854660" sldId="449"/>
         </pc:sldMkLst>
-        <pc:spChg chg="mod">
-          <ac:chgData name="Weifeng Xu" userId="e7aed605-a3dd-4d5a-a692-a87037af107b" providerId="ADAL" clId="{519CFF70-A104-4BE5-B7AF-E221F0BC4D16}" dt="2025-04-07T17:21:58.855" v="442" actId="20577"/>
-          <ac:spMkLst>
-            <pc:docMk/>
-            <pc:sldMk cId="2217854660" sldId="449"/>
-            <ac:spMk id="2" creationId="{096E0F7A-5AAA-4C3C-A435-A7F65049BF77}"/>
-          </ac:spMkLst>
-        </pc:spChg>
       </pc:sldChg>
       <pc:sldChg chg="addSp modSp mod">
         <pc:chgData name="Weifeng Xu" userId="e7aed605-a3dd-4d5a-a692-a87037af107b" providerId="ADAL" clId="{519CFF70-A104-4BE5-B7AF-E221F0BC4D16}" dt="2025-04-15T13:22:19.475" v="710" actId="1076"/>
@@ -4905,30 +4918,6 @@
           <pc:docMk/>
           <pc:sldMk cId="1438349411" sldId="451"/>
         </pc:sldMkLst>
-        <pc:spChg chg="mod">
-          <ac:chgData name="Weifeng Xu" userId="e7aed605-a3dd-4d5a-a692-a87037af107b" providerId="ADAL" clId="{519CFF70-A104-4BE5-B7AF-E221F0BC4D16}" dt="2025-04-15T13:07:57.874" v="529" actId="20577"/>
-          <ac:spMkLst>
-            <pc:docMk/>
-            <pc:sldMk cId="1438349411" sldId="451"/>
-            <ac:spMk id="2" creationId="{80231DEC-AE3F-4F7E-97CF-CE153A54A91D}"/>
-          </ac:spMkLst>
-        </pc:spChg>
-        <pc:spChg chg="mod">
-          <ac:chgData name="Weifeng Xu" userId="e7aed605-a3dd-4d5a-a692-a87037af107b" providerId="ADAL" clId="{519CFF70-A104-4BE5-B7AF-E221F0BC4D16}" dt="2025-04-15T13:22:08.321" v="705" actId="14100"/>
-          <ac:spMkLst>
-            <pc:docMk/>
-            <pc:sldMk cId="1438349411" sldId="451"/>
-            <ac:spMk id="3" creationId="{2E61DE7B-70F3-4369-A340-1805DD534406}"/>
-          </ac:spMkLst>
-        </pc:spChg>
-        <pc:spChg chg="add mod">
-          <ac:chgData name="Weifeng Xu" userId="e7aed605-a3dd-4d5a-a692-a87037af107b" providerId="ADAL" clId="{519CFF70-A104-4BE5-B7AF-E221F0BC4D16}" dt="2025-04-15T13:22:19.475" v="710" actId="1076"/>
-          <ac:spMkLst>
-            <pc:docMk/>
-            <pc:sldMk cId="1438349411" sldId="451"/>
-            <ac:spMk id="5" creationId="{2A32B6A4-B984-E24B-0CDF-F362860B59D8}"/>
-          </ac:spMkLst>
-        </pc:spChg>
       </pc:sldChg>
       <pc:sldChg chg="del">
         <pc:chgData name="Weifeng Xu" userId="e7aed605-a3dd-4d5a-a692-a87037af107b" providerId="ADAL" clId="{519CFF70-A104-4BE5-B7AF-E221F0BC4D16}" dt="2021-08-09T01:38:45.491" v="79" actId="47"/>
@@ -5202,22 +5191,6 @@
           <pc:docMk/>
           <pc:sldMk cId="1156047588" sldId="497"/>
         </pc:sldMkLst>
-        <pc:spChg chg="mod">
-          <ac:chgData name="Weifeng Xu" userId="e7aed605-a3dd-4d5a-a692-a87037af107b" providerId="ADAL" clId="{519CFF70-A104-4BE5-B7AF-E221F0BC4D16}" dt="2025-04-07T17:18:07.706" v="346" actId="20577"/>
-          <ac:spMkLst>
-            <pc:docMk/>
-            <pc:sldMk cId="1156047588" sldId="497"/>
-            <ac:spMk id="6" creationId="{E2F856D4-F051-4999-93C1-1D83F8208F03}"/>
-          </ac:spMkLst>
-        </pc:spChg>
-        <pc:spChg chg="mod">
-          <ac:chgData name="Weifeng Xu" userId="e7aed605-a3dd-4d5a-a692-a87037af107b" providerId="ADAL" clId="{519CFF70-A104-4BE5-B7AF-E221F0BC4D16}" dt="2025-04-07T17:18:30.631" v="348" actId="12"/>
-          <ac:spMkLst>
-            <pc:docMk/>
-            <pc:sldMk cId="1156047588" sldId="497"/>
-            <ac:spMk id="7" creationId="{9FB82F0C-1384-4573-A52E-14FA3E8989B6}"/>
-          </ac:spMkLst>
-        </pc:spChg>
       </pc:sldChg>
       <pc:sldChg chg="del">
         <pc:chgData name="Weifeng Xu" userId="e7aed605-a3dd-4d5a-a692-a87037af107b" providerId="ADAL" clId="{519CFF70-A104-4BE5-B7AF-E221F0BC4D16}" dt="2021-08-09T01:38:42.312" v="74" actId="47"/>
@@ -5232,22 +5205,6 @@
           <pc:docMk/>
           <pc:sldMk cId="2656319871" sldId="498"/>
         </pc:sldMkLst>
-        <pc:spChg chg="mod">
-          <ac:chgData name="Weifeng Xu" userId="e7aed605-a3dd-4d5a-a692-a87037af107b" providerId="ADAL" clId="{519CFF70-A104-4BE5-B7AF-E221F0BC4D16}" dt="2025-04-03T12:06:59.469" v="191" actId="207"/>
-          <ac:spMkLst>
-            <pc:docMk/>
-            <pc:sldMk cId="2656319871" sldId="498"/>
-            <ac:spMk id="2" creationId="{E7843248-F2B4-039B-04B8-F2AA64A4280C}"/>
-          </ac:spMkLst>
-        </pc:spChg>
-        <pc:spChg chg="add del mod">
-          <ac:chgData name="Weifeng Xu" userId="e7aed605-a3dd-4d5a-a692-a87037af107b" providerId="ADAL" clId="{519CFF70-A104-4BE5-B7AF-E221F0BC4D16}" dt="2025-04-03T12:09:06.057" v="211" actId="113"/>
-          <ac:spMkLst>
-            <pc:docMk/>
-            <pc:sldMk cId="2656319871" sldId="498"/>
-            <ac:spMk id="3" creationId="{F3797446-CE3A-6998-089F-215632787412}"/>
-          </ac:spMkLst>
-        </pc:spChg>
       </pc:sldChg>
       <pc:sldChg chg="del">
         <pc:chgData name="Weifeng Xu" userId="e7aed605-a3dd-4d5a-a692-a87037af107b" providerId="ADAL" clId="{519CFF70-A104-4BE5-B7AF-E221F0BC4D16}" dt="2021-08-09T01:38:41.819" v="73" actId="47"/>
@@ -5262,22 +5219,6 @@
           <pc:docMk/>
           <pc:sldMk cId="3154280878" sldId="499"/>
         </pc:sldMkLst>
-        <pc:spChg chg="add mod">
-          <ac:chgData name="Weifeng Xu" userId="e7aed605-a3dd-4d5a-a692-a87037af107b" providerId="ADAL" clId="{519CFF70-A104-4BE5-B7AF-E221F0BC4D16}" dt="2025-04-03T12:13:30.868" v="215"/>
-          <ac:spMkLst>
-            <pc:docMk/>
-            <pc:sldMk cId="3154280878" sldId="499"/>
-            <ac:spMk id="4" creationId="{DDDC6137-9F30-A17E-DFB0-4004774B17D1}"/>
-          </ac:spMkLst>
-        </pc:spChg>
-        <pc:spChg chg="add mod">
-          <ac:chgData name="Weifeng Xu" userId="e7aed605-a3dd-4d5a-a692-a87037af107b" providerId="ADAL" clId="{519CFF70-A104-4BE5-B7AF-E221F0BC4D16}" dt="2025-04-03T12:13:59.197" v="218" actId="207"/>
-          <ac:spMkLst>
-            <pc:docMk/>
-            <pc:sldMk cId="3154280878" sldId="499"/>
-            <ac:spMk id="5" creationId="{CA896DC6-4D74-D4BA-EDB0-D0D3C18FC08B}"/>
-          </ac:spMkLst>
-        </pc:spChg>
       </pc:sldChg>
       <pc:sldChg chg="addSp delSp modSp new mod modClrScheme chgLayout">
         <pc:chgData name="Weifeng Xu" userId="e7aed605-a3dd-4d5a-a692-a87037af107b" providerId="ADAL" clId="{519CFF70-A104-4BE5-B7AF-E221F0BC4D16}" dt="2025-04-03T12:16:06.446" v="229" actId="14100"/>
@@ -5285,14 +5226,6 @@
           <pc:docMk/>
           <pc:sldMk cId="83335793" sldId="500"/>
         </pc:sldMkLst>
-        <pc:picChg chg="add mod">
-          <ac:chgData name="Weifeng Xu" userId="e7aed605-a3dd-4d5a-a692-a87037af107b" providerId="ADAL" clId="{519CFF70-A104-4BE5-B7AF-E221F0BC4D16}" dt="2025-04-03T12:16:06.446" v="229" actId="14100"/>
-          <ac:picMkLst>
-            <pc:docMk/>
-            <pc:sldMk cId="83335793" sldId="500"/>
-            <ac:picMk id="7" creationId="{12F8DD0E-9AA2-D150-60D0-284DF0EF7D5D}"/>
-          </ac:picMkLst>
-        </pc:picChg>
       </pc:sldChg>
       <pc:sldChg chg="addSp modSp new mod">
         <pc:chgData name="Weifeng Xu" userId="e7aed605-a3dd-4d5a-a692-a87037af107b" providerId="ADAL" clId="{519CFF70-A104-4BE5-B7AF-E221F0BC4D16}" dt="2025-04-03T12:16:51.392" v="233" actId="14100"/>
@@ -5300,14 +5233,6 @@
           <pc:docMk/>
           <pc:sldMk cId="2534534134" sldId="501"/>
         </pc:sldMkLst>
-        <pc:picChg chg="add mod">
-          <ac:chgData name="Weifeng Xu" userId="e7aed605-a3dd-4d5a-a692-a87037af107b" providerId="ADAL" clId="{519CFF70-A104-4BE5-B7AF-E221F0BC4D16}" dt="2025-04-03T12:16:51.392" v="233" actId="14100"/>
-          <ac:picMkLst>
-            <pc:docMk/>
-            <pc:sldMk cId="2534534134" sldId="501"/>
-            <ac:picMk id="3" creationId="{FD38B663-571C-5DBF-0E3B-C843019DAED7}"/>
-          </ac:picMkLst>
-        </pc:picChg>
       </pc:sldChg>
       <pc:sldChg chg="addSp modSp new mod">
         <pc:chgData name="Weifeng Xu" userId="e7aed605-a3dd-4d5a-a692-a87037af107b" providerId="ADAL" clId="{519CFF70-A104-4BE5-B7AF-E221F0BC4D16}" dt="2025-04-03T12:18:24.052" v="239" actId="1076"/>
@@ -5315,14 +5240,6 @@
           <pc:docMk/>
           <pc:sldMk cId="2650834497" sldId="502"/>
         </pc:sldMkLst>
-        <pc:picChg chg="add mod">
-          <ac:chgData name="Weifeng Xu" userId="e7aed605-a3dd-4d5a-a692-a87037af107b" providerId="ADAL" clId="{519CFF70-A104-4BE5-B7AF-E221F0BC4D16}" dt="2025-04-03T12:18:24.052" v="239" actId="1076"/>
-          <ac:picMkLst>
-            <pc:docMk/>
-            <pc:sldMk cId="2650834497" sldId="502"/>
-            <ac:picMk id="3" creationId="{B1E9D626-58E4-AED5-913F-8B8E39712932}"/>
-          </ac:picMkLst>
-        </pc:picChg>
       </pc:sldChg>
       <pc:sldChg chg="addSp modSp new mod">
         <pc:chgData name="Weifeng Xu" userId="e7aed605-a3dd-4d5a-a692-a87037af107b" providerId="ADAL" clId="{519CFF70-A104-4BE5-B7AF-E221F0BC4D16}" dt="2025-04-03T12:21:46.824" v="243" actId="1076"/>
@@ -5330,14 +5247,6 @@
           <pc:docMk/>
           <pc:sldMk cId="147434593" sldId="503"/>
         </pc:sldMkLst>
-        <pc:picChg chg="add mod">
-          <ac:chgData name="Weifeng Xu" userId="e7aed605-a3dd-4d5a-a692-a87037af107b" providerId="ADAL" clId="{519CFF70-A104-4BE5-B7AF-E221F0BC4D16}" dt="2025-04-03T12:21:46.824" v="243" actId="1076"/>
-          <ac:picMkLst>
-            <pc:docMk/>
-            <pc:sldMk cId="147434593" sldId="503"/>
-            <ac:picMk id="3" creationId="{C7335FA0-4F9A-A248-F19B-075CC2A5FE78}"/>
-          </ac:picMkLst>
-        </pc:picChg>
       </pc:sldChg>
       <pc:sldChg chg="addSp delSp modSp new mod modClrScheme chgLayout">
         <pc:chgData name="Weifeng Xu" userId="e7aed605-a3dd-4d5a-a692-a87037af107b" providerId="ADAL" clId="{519CFF70-A104-4BE5-B7AF-E221F0BC4D16}" dt="2025-04-07T17:15:56.595" v="257" actId="20577"/>
@@ -5345,22 +5254,6 @@
           <pc:docMk/>
           <pc:sldMk cId="1036379805" sldId="504"/>
         </pc:sldMkLst>
-        <pc:spChg chg="add mod ord">
-          <ac:chgData name="Weifeng Xu" userId="e7aed605-a3dd-4d5a-a692-a87037af107b" providerId="ADAL" clId="{519CFF70-A104-4BE5-B7AF-E221F0BC4D16}" dt="2025-04-07T17:15:56.595" v="257" actId="20577"/>
-          <ac:spMkLst>
-            <pc:docMk/>
-            <pc:sldMk cId="1036379805" sldId="504"/>
-            <ac:spMk id="4" creationId="{2F864675-3DFF-3BF5-459C-DD1FD5BE3BEE}"/>
-          </ac:spMkLst>
-        </pc:spChg>
-        <pc:spChg chg="add mod ord">
-          <ac:chgData name="Weifeng Xu" userId="e7aed605-a3dd-4d5a-a692-a87037af107b" providerId="ADAL" clId="{519CFF70-A104-4BE5-B7AF-E221F0BC4D16}" dt="2025-04-07T17:15:45.051" v="252" actId="700"/>
-          <ac:spMkLst>
-            <pc:docMk/>
-            <pc:sldMk cId="1036379805" sldId="504"/>
-            <ac:spMk id="5" creationId="{4563694A-6FA5-8AD1-B2D8-D256F48DC455}"/>
-          </ac:spMkLst>
-        </pc:spChg>
       </pc:sldChg>
       <pc:sldChg chg="modSp add mod">
         <pc:chgData name="Weifeng Xu" userId="e7aed605-a3dd-4d5a-a692-a87037af107b" providerId="ADAL" clId="{519CFF70-A104-4BE5-B7AF-E221F0BC4D16}" dt="2025-04-07T17:17:26.728" v="328" actId="20577"/>
@@ -5368,14 +5261,6 @@
           <pc:docMk/>
           <pc:sldMk cId="3110483315" sldId="505"/>
         </pc:sldMkLst>
-        <pc:spChg chg="mod">
-          <ac:chgData name="Weifeng Xu" userId="e7aed605-a3dd-4d5a-a692-a87037af107b" providerId="ADAL" clId="{519CFF70-A104-4BE5-B7AF-E221F0BC4D16}" dt="2025-04-07T17:17:26.728" v="328" actId="20577"/>
-          <ac:spMkLst>
-            <pc:docMk/>
-            <pc:sldMk cId="3110483315" sldId="505"/>
-            <ac:spMk id="4" creationId="{95CE8EB6-B960-E4BF-E0D7-8ACA72A042AE}"/>
-          </ac:spMkLst>
-        </pc:spChg>
       </pc:sldChg>
       <pc:sldChg chg="add del">
         <pc:chgData name="Weifeng Xu" userId="e7aed605-a3dd-4d5a-a692-a87037af107b" providerId="ADAL" clId="{519CFF70-A104-4BE5-B7AF-E221F0BC4D16}" dt="2025-04-15T13:14:41.058" v="539"/>
@@ -6794,7 +6679,7 @@
           <a:p>
             <a:fld id="{EE41F6E3-57F9-402E-BDBA-5B2DE11C8530}" type="datetimeFigureOut">
               <a:rPr lang="en-US" smtClean="0"/>
-              <a:t>4/15/2025</a:t>
+              <a:t>10/25/2025</a:t>
             </a:fld>
             <a:endParaRPr lang="en-US"/>
           </a:p>
@@ -7218,7 +7103,7 @@
           <a:p>
             <a:fld id="{DDBF98C7-164A-4723-84F0-B1E4B080DDEC}" type="slidenum">
               <a:rPr lang="en-US" smtClean="0"/>
-              <a:t>8</a:t>
+              <a:t>7</a:t>
             </a:fld>
             <a:endParaRPr lang="en-US"/>
           </a:p>
@@ -7325,7 +7210,7 @@
           <a:p>
             <a:fld id="{DDBF98C7-164A-4723-84F0-B1E4B080DDEC}" type="slidenum">
               <a:rPr lang="en-US" smtClean="0"/>
-              <a:t>9</a:t>
+              <a:t>8</a:t>
             </a:fld>
             <a:endParaRPr lang="en-US"/>
           </a:p>
@@ -7414,7 +7299,7 @@
           <a:p>
             <a:fld id="{DDBF98C7-164A-4723-84F0-B1E4B080DDEC}" type="slidenum">
               <a:rPr lang="en-US" smtClean="0"/>
-              <a:t>10</a:t>
+              <a:t>9</a:t>
             </a:fld>
             <a:endParaRPr lang="en-US"/>
           </a:p>
@@ -7424,6 +7309,648 @@
     <p:extLst>
       <p:ext uri="{BB962C8B-B14F-4D97-AF65-F5344CB8AC3E}">
         <p14:creationId xmlns:p14="http://schemas.microsoft.com/office/powerpoint/2010/main" val="3047937935"/>
+      </p:ext>
+    </p:extLst>
+  </p:cSld>
+  <p:clrMapOvr>
+    <a:masterClrMapping/>
+  </p:clrMapOvr>
+</p:notes>
+</file>
+
+<file path=ppt/notesSlides/notesSlide5.xml><?xml version="1.0" encoding="utf-8"?>
+<p:notes xmlns:a="http://schemas.openxmlformats.org/drawingml/2006/main" xmlns:r="http://schemas.openxmlformats.org/officeDocument/2006/relationships" xmlns:p="http://schemas.openxmlformats.org/presentationml/2006/main">
+  <p:cSld>
+    <p:spTree>
+      <p:nvGrpSpPr>
+        <p:cNvPr id="1" name=""/>
+        <p:cNvGrpSpPr/>
+        <p:nvPr/>
+      </p:nvGrpSpPr>
+      <p:grpSpPr>
+        <a:xfrm>
+          <a:off x="0" y="0"/>
+          <a:ext cx="0" cy="0"/>
+          <a:chOff x="0" y="0"/>
+          <a:chExt cx="0" cy="0"/>
+        </a:xfrm>
+      </p:grpSpPr>
+      <p:sp>
+        <p:nvSpPr>
+          <p:cNvPr id="2" name="Slide Image Placeholder 1"/>
+          <p:cNvSpPr>
+            <a:spLocks noGrp="1" noRot="1" noChangeAspect="1"/>
+          </p:cNvSpPr>
+          <p:nvPr>
+            <p:ph type="sldImg"/>
+          </p:nvPr>
+        </p:nvSpPr>
+        <p:spPr/>
+      </p:sp>
+      <p:sp>
+        <p:nvSpPr>
+          <p:cNvPr id="3" name="Notes Placeholder 2"/>
+          <p:cNvSpPr>
+            <a:spLocks noGrp="1"/>
+          </p:cNvSpPr>
+          <p:nvPr>
+            <p:ph type="body" idx="1"/>
+          </p:nvPr>
+        </p:nvSpPr>
+        <p:spPr/>
+        <p:txBody>
+          <a:bodyPr/>
+          <a:lstStyle/>
+          <a:p>
+            <a:r>
+              <a:rPr lang="en-US" dirty="0"/>
+              <a:t>digraph </a:t>
+            </a:r>
+            <a:r>
+              <a:rPr lang="en-US" dirty="0" err="1"/>
+              <a:t>CalendarDB</a:t>
+            </a:r>
+            <a:r>
+              <a:rPr lang="en-US" dirty="0"/>
+              <a:t> {</a:t>
+            </a:r>
+          </a:p>
+          <a:p>
+            <a:r>
+              <a:rPr lang="en-US" dirty="0"/>
+              <a:t>  </a:t>
+            </a:r>
+            <a:r>
+              <a:rPr lang="en-US" dirty="0" err="1"/>
+              <a:t>rankdir</a:t>
+            </a:r>
+            <a:r>
+              <a:rPr lang="en-US" dirty="0"/>
+              <a:t>=LR;</a:t>
+            </a:r>
+          </a:p>
+          <a:p>
+            <a:r>
+              <a:rPr lang="en-US" dirty="0"/>
+              <a:t>  node [shape=record, style=filled, </a:t>
+            </a:r>
+            <a:r>
+              <a:rPr lang="en-US" dirty="0" err="1"/>
+              <a:t>fillcolor</a:t>
+            </a:r>
+            <a:r>
+              <a:rPr lang="en-US" dirty="0"/>
+              <a:t>=</a:t>
+            </a:r>
+            <a:r>
+              <a:rPr lang="en-US" dirty="0" err="1"/>
+              <a:t>lightyellow</a:t>
+            </a:r>
+            <a:r>
+              <a:rPr lang="en-US" dirty="0"/>
+              <a:t>, </a:t>
+            </a:r>
+            <a:r>
+              <a:rPr lang="en-US" dirty="0" err="1"/>
+              <a:t>fontname</a:t>
+            </a:r>
+            <a:r>
+              <a:rPr lang="en-US" dirty="0"/>
+              <a:t>="Helvetica"];</a:t>
+            </a:r>
+          </a:p>
+          <a:p>
+            <a:endParaRPr lang="en-US" dirty="0"/>
+          </a:p>
+          <a:p>
+            <a:r>
+              <a:rPr lang="en-US" dirty="0"/>
+              <a:t>  Calendars [label="{</a:t>
+            </a:r>
+            <a:r>
+              <a:rPr lang="en-US" dirty="0" err="1"/>
+              <a:t>Calendars|_id</a:t>
+            </a:r>
+            <a:r>
+              <a:rPr lang="en-US" dirty="0"/>
+              <a:t> : INTEGER (PK)\</a:t>
+            </a:r>
+            <a:r>
+              <a:rPr lang="en-US" dirty="0" err="1"/>
+              <a:t>laccount_name</a:t>
+            </a:r>
+            <a:r>
+              <a:rPr lang="en-US" dirty="0"/>
+              <a:t> : TEXT\</a:t>
+            </a:r>
+            <a:r>
+              <a:rPr lang="en-US" dirty="0" err="1"/>
+              <a:t>laccount_type</a:t>
+            </a:r>
+            <a:r>
+              <a:rPr lang="en-US" dirty="0"/>
+              <a:t> : TEXT\</a:t>
+            </a:r>
+            <a:r>
+              <a:rPr lang="en-US" dirty="0" err="1"/>
+              <a:t>lname</a:t>
+            </a:r>
+            <a:r>
+              <a:rPr lang="en-US" dirty="0"/>
+              <a:t> : TEXT\</a:t>
+            </a:r>
+            <a:r>
+              <a:rPr lang="en-US" dirty="0" err="1"/>
+              <a:t>ldisplayName</a:t>
+            </a:r>
+            <a:r>
+              <a:rPr lang="en-US" dirty="0"/>
+              <a:t> : TEXT\</a:t>
+            </a:r>
+            <a:r>
+              <a:rPr lang="en-US" dirty="0" err="1"/>
+              <a:t>lownerAccount</a:t>
+            </a:r>
+            <a:r>
+              <a:rPr lang="en-US" dirty="0"/>
+              <a:t> : TEXT\</a:t>
+            </a:r>
+            <a:r>
+              <a:rPr lang="en-US" dirty="0" err="1"/>
+              <a:t>lcalendar_color</a:t>
+            </a:r>
+            <a:r>
+              <a:rPr lang="en-US" dirty="0"/>
+              <a:t> : INTEGER\</a:t>
+            </a:r>
+            <a:r>
+              <a:rPr lang="en-US" dirty="0" err="1"/>
+              <a:t>lvisible</a:t>
+            </a:r>
+            <a:r>
+              <a:rPr lang="en-US" dirty="0"/>
+              <a:t> : INTEGER\</a:t>
+            </a:r>
+            <a:r>
+              <a:rPr lang="en-US" dirty="0" err="1"/>
+              <a:t>lsync_events</a:t>
+            </a:r>
+            <a:r>
+              <a:rPr lang="en-US" dirty="0"/>
+              <a:t> : INTEGER\l}"];</a:t>
+            </a:r>
+          </a:p>
+          <a:p>
+            <a:endParaRPr lang="en-US" dirty="0"/>
+          </a:p>
+          <a:p>
+            <a:r>
+              <a:rPr lang="en-US" dirty="0"/>
+              <a:t>  Events [label="{</a:t>
+            </a:r>
+            <a:r>
+              <a:rPr lang="en-US" dirty="0" err="1"/>
+              <a:t>Events|_id</a:t>
+            </a:r>
+            <a:r>
+              <a:rPr lang="en-US" dirty="0"/>
+              <a:t> : INTEGER (PK)\</a:t>
+            </a:r>
+            <a:r>
+              <a:rPr lang="en-US" dirty="0" err="1"/>
+              <a:t>lcalendar_id</a:t>
+            </a:r>
+            <a:r>
+              <a:rPr lang="en-US" dirty="0"/>
+              <a:t> : INTEGER (FK → </a:t>
+            </a:r>
+            <a:r>
+              <a:rPr lang="en-US" dirty="0" err="1"/>
+              <a:t>Calendars._id</a:t>
+            </a:r>
+            <a:r>
+              <a:rPr lang="en-US" dirty="0"/>
+              <a:t>)\</a:t>
+            </a:r>
+            <a:r>
+              <a:rPr lang="en-US" dirty="0" err="1"/>
+              <a:t>ltitle</a:t>
+            </a:r>
+            <a:r>
+              <a:rPr lang="en-US" dirty="0"/>
+              <a:t> : TEXT\</a:t>
+            </a:r>
+            <a:r>
+              <a:rPr lang="en-US" dirty="0" err="1"/>
+              <a:t>ldescription</a:t>
+            </a:r>
+            <a:r>
+              <a:rPr lang="en-US" dirty="0"/>
+              <a:t> : TEXT\</a:t>
+            </a:r>
+            <a:r>
+              <a:rPr lang="en-US" dirty="0" err="1"/>
+              <a:t>leventLocation</a:t>
+            </a:r>
+            <a:r>
+              <a:rPr lang="en-US" dirty="0"/>
+              <a:t> : TEXT\</a:t>
+            </a:r>
+            <a:r>
+              <a:rPr lang="en-US" dirty="0" err="1"/>
+              <a:t>ldtstart</a:t>
+            </a:r>
+            <a:r>
+              <a:rPr lang="en-US" dirty="0"/>
+              <a:t> : INTEGER\</a:t>
+            </a:r>
+            <a:r>
+              <a:rPr lang="en-US" dirty="0" err="1"/>
+              <a:t>ldtend</a:t>
+            </a:r>
+            <a:r>
+              <a:rPr lang="en-US" dirty="0"/>
+              <a:t> : INTEGER\</a:t>
+            </a:r>
+            <a:r>
+              <a:rPr lang="en-US" dirty="0" err="1"/>
+              <a:t>lduration</a:t>
+            </a:r>
+            <a:r>
+              <a:rPr lang="en-US" dirty="0"/>
+              <a:t> : TEXT\</a:t>
+            </a:r>
+            <a:r>
+              <a:rPr lang="en-US" dirty="0" err="1"/>
+              <a:t>leventTimezone</a:t>
+            </a:r>
+            <a:r>
+              <a:rPr lang="en-US" dirty="0"/>
+              <a:t> : TEXT\</a:t>
+            </a:r>
+            <a:r>
+              <a:rPr lang="en-US" dirty="0" err="1"/>
+              <a:t>lallDay</a:t>
+            </a:r>
+            <a:r>
+              <a:rPr lang="en-US" dirty="0"/>
+              <a:t> : INTEGER\</a:t>
+            </a:r>
+            <a:r>
+              <a:rPr lang="en-US" dirty="0" err="1"/>
+              <a:t>lrrule</a:t>
+            </a:r>
+            <a:r>
+              <a:rPr lang="en-US" dirty="0"/>
+              <a:t> : TEXT\</a:t>
+            </a:r>
+            <a:r>
+              <a:rPr lang="en-US" dirty="0" err="1"/>
+              <a:t>lhasAlarm</a:t>
+            </a:r>
+            <a:r>
+              <a:rPr lang="en-US" dirty="0"/>
+              <a:t> : INTEGER\</a:t>
+            </a:r>
+            <a:r>
+              <a:rPr lang="en-US" dirty="0" err="1"/>
+              <a:t>ldeleted</a:t>
+            </a:r>
+            <a:r>
+              <a:rPr lang="en-US" dirty="0"/>
+              <a:t> : INTEGER\</a:t>
+            </a:r>
+            <a:r>
+              <a:rPr lang="en-US" dirty="0" err="1"/>
+              <a:t>lorganizer</a:t>
+            </a:r>
+            <a:r>
+              <a:rPr lang="en-US" dirty="0"/>
+              <a:t> : TEXT\luid2445 : TEXT\l}"];</a:t>
+            </a:r>
+          </a:p>
+          <a:p>
+            <a:endParaRPr lang="en-US" dirty="0"/>
+          </a:p>
+          <a:p>
+            <a:r>
+              <a:rPr lang="en-US" dirty="0"/>
+              <a:t>  Attendees [label="{</a:t>
+            </a:r>
+            <a:r>
+              <a:rPr lang="en-US" dirty="0" err="1"/>
+              <a:t>Attendees|_id</a:t>
+            </a:r>
+            <a:r>
+              <a:rPr lang="en-US" dirty="0"/>
+              <a:t> : INTEGER (PK)\</a:t>
+            </a:r>
+            <a:r>
+              <a:rPr lang="en-US" dirty="0" err="1"/>
+              <a:t>levent_id</a:t>
+            </a:r>
+            <a:r>
+              <a:rPr lang="en-US" dirty="0"/>
+              <a:t> : INTEGER (FK → </a:t>
+            </a:r>
+            <a:r>
+              <a:rPr lang="en-US" dirty="0" err="1"/>
+              <a:t>Events._id</a:t>
+            </a:r>
+            <a:r>
+              <a:rPr lang="en-US" dirty="0"/>
+              <a:t>)\latten </a:t>
+            </a:r>
+            <a:r>
+              <a:rPr lang="en-US" dirty="0" err="1"/>
+              <a:t>deeName</a:t>
+            </a:r>
+            <a:r>
+              <a:rPr lang="en-US" dirty="0"/>
+              <a:t> : TEXT\latten </a:t>
+            </a:r>
+            <a:r>
+              <a:rPr lang="en-US" dirty="0" err="1"/>
+              <a:t>deeEmail</a:t>
+            </a:r>
+            <a:r>
+              <a:rPr lang="en-US" dirty="0"/>
+              <a:t> : TEXT\</a:t>
+            </a:r>
+            <a:r>
+              <a:rPr lang="en-US" dirty="0" err="1"/>
+              <a:t>lrelationship</a:t>
+            </a:r>
+            <a:r>
+              <a:rPr lang="en-US" dirty="0"/>
+              <a:t> : INTEGER\</a:t>
+            </a:r>
+            <a:r>
+              <a:rPr lang="en-US" dirty="0" err="1"/>
+              <a:t>lattendeeStatus</a:t>
+            </a:r>
+            <a:r>
+              <a:rPr lang="en-US" dirty="0"/>
+              <a:t> : INTEGER\</a:t>
+            </a:r>
+            <a:r>
+              <a:rPr lang="en-US" dirty="0" err="1"/>
+              <a:t>lattendeeType</a:t>
+            </a:r>
+            <a:r>
+              <a:rPr lang="en-US" dirty="0"/>
+              <a:t> : INTEGER\l}"];</a:t>
+            </a:r>
+          </a:p>
+          <a:p>
+            <a:endParaRPr lang="en-US" dirty="0"/>
+          </a:p>
+          <a:p>
+            <a:r>
+              <a:rPr lang="en-US" dirty="0"/>
+              <a:t>  Reminders [label="{</a:t>
+            </a:r>
+            <a:r>
+              <a:rPr lang="en-US" dirty="0" err="1"/>
+              <a:t>Reminders|_id</a:t>
+            </a:r>
+            <a:r>
+              <a:rPr lang="en-US" dirty="0"/>
+              <a:t> : INTEGER (PK)\</a:t>
+            </a:r>
+            <a:r>
+              <a:rPr lang="en-US" dirty="0" err="1"/>
+              <a:t>levent_id</a:t>
+            </a:r>
+            <a:r>
+              <a:rPr lang="en-US" dirty="0"/>
+              <a:t> : INTEGER (FK → </a:t>
+            </a:r>
+            <a:r>
+              <a:rPr lang="en-US" dirty="0" err="1"/>
+              <a:t>Events._id</a:t>
+            </a:r>
+            <a:r>
+              <a:rPr lang="en-US" dirty="0"/>
+              <a:t>)\</a:t>
+            </a:r>
+            <a:r>
+              <a:rPr lang="en-US" dirty="0" err="1"/>
+              <a:t>lminutes</a:t>
+            </a:r>
+            <a:r>
+              <a:rPr lang="en-US" dirty="0"/>
+              <a:t> : INTEGER\</a:t>
+            </a:r>
+            <a:r>
+              <a:rPr lang="en-US" dirty="0" err="1"/>
+              <a:t>lmethod</a:t>
+            </a:r>
+            <a:r>
+              <a:rPr lang="en-US" dirty="0"/>
+              <a:t> : INTEGER\l}"];</a:t>
+            </a:r>
+          </a:p>
+          <a:p>
+            <a:endParaRPr lang="en-US" dirty="0"/>
+          </a:p>
+          <a:p>
+            <a:r>
+              <a:rPr lang="en-US" dirty="0"/>
+              <a:t>  Instances [label="{</a:t>
+            </a:r>
+            <a:r>
+              <a:rPr lang="en-US" dirty="0" err="1"/>
+              <a:t>Instances|_id</a:t>
+            </a:r>
+            <a:r>
+              <a:rPr lang="en-US" dirty="0"/>
+              <a:t> : INTEGER (PK)\</a:t>
+            </a:r>
+            <a:r>
+              <a:rPr lang="en-US" dirty="0" err="1"/>
+              <a:t>levent_id</a:t>
+            </a:r>
+            <a:r>
+              <a:rPr lang="en-US" dirty="0"/>
+              <a:t> : INTEGER (FK → </a:t>
+            </a:r>
+            <a:r>
+              <a:rPr lang="en-US" dirty="0" err="1"/>
+              <a:t>Events._id</a:t>
+            </a:r>
+            <a:r>
+              <a:rPr lang="en-US" dirty="0"/>
+              <a:t>)\</a:t>
+            </a:r>
+            <a:r>
+              <a:rPr lang="en-US" dirty="0" err="1"/>
+              <a:t>lbegin</a:t>
+            </a:r>
+            <a:r>
+              <a:rPr lang="en-US" dirty="0"/>
+              <a:t> : INTEGER\lend : INTEGER\</a:t>
+            </a:r>
+            <a:r>
+              <a:rPr lang="en-US" dirty="0" err="1"/>
+              <a:t>lstartDay</a:t>
+            </a:r>
+            <a:r>
+              <a:rPr lang="en-US" dirty="0"/>
+              <a:t> : INTEGER\</a:t>
+            </a:r>
+            <a:r>
+              <a:rPr lang="en-US" dirty="0" err="1"/>
+              <a:t>lendDay</a:t>
+            </a:r>
+            <a:r>
+              <a:rPr lang="en-US" dirty="0"/>
+              <a:t> : INTEGER\</a:t>
+            </a:r>
+            <a:r>
+              <a:rPr lang="en-US" dirty="0" err="1"/>
+              <a:t>lstartMinute</a:t>
+            </a:r>
+            <a:r>
+              <a:rPr lang="en-US" dirty="0"/>
+              <a:t> : INTEGER\</a:t>
+            </a:r>
+            <a:r>
+              <a:rPr lang="en-US" dirty="0" err="1"/>
+              <a:t>lendMinute</a:t>
+            </a:r>
+            <a:r>
+              <a:rPr lang="en-US" dirty="0"/>
+              <a:t> : INTEGER\l}"];</a:t>
+            </a:r>
+          </a:p>
+          <a:p>
+            <a:endParaRPr lang="en-US" dirty="0"/>
+          </a:p>
+          <a:p>
+            <a:r>
+              <a:rPr lang="en-US" dirty="0"/>
+              <a:t>  // Relationships</a:t>
+            </a:r>
+          </a:p>
+          <a:p>
+            <a:r>
+              <a:rPr lang="en-US" dirty="0"/>
+              <a:t>  Calendars -&gt; Events [label="1 ──&lt; many", color=</a:t>
+            </a:r>
+            <a:r>
+              <a:rPr lang="en-US" dirty="0" err="1"/>
+              <a:t>darkgreen</a:t>
+            </a:r>
+            <a:r>
+              <a:rPr lang="en-US" dirty="0"/>
+              <a:t>, </a:t>
+            </a:r>
+            <a:r>
+              <a:rPr lang="en-US" dirty="0" err="1"/>
+              <a:t>penwidth</a:t>
+            </a:r>
+            <a:r>
+              <a:rPr lang="en-US" dirty="0"/>
+              <a:t>=1.5];</a:t>
+            </a:r>
+          </a:p>
+          <a:p>
+            <a:r>
+              <a:rPr lang="en-US" dirty="0"/>
+              <a:t>  Events -&gt; Attendees [label="1 ──&lt; many", color=</a:t>
+            </a:r>
+            <a:r>
+              <a:rPr lang="en-US" dirty="0" err="1"/>
+              <a:t>darkblue</a:t>
+            </a:r>
+            <a:r>
+              <a:rPr lang="en-US" dirty="0"/>
+              <a:t>, </a:t>
+            </a:r>
+            <a:r>
+              <a:rPr lang="en-US" dirty="0" err="1"/>
+              <a:t>penwidth</a:t>
+            </a:r>
+            <a:r>
+              <a:rPr lang="en-US" dirty="0"/>
+              <a:t>=1.5];</a:t>
+            </a:r>
+          </a:p>
+          <a:p>
+            <a:r>
+              <a:rPr lang="en-US" dirty="0"/>
+              <a:t>  Events -&gt; Reminders [label="1 ──&lt; many", color=</a:t>
+            </a:r>
+            <a:r>
+              <a:rPr lang="en-US" dirty="0" err="1"/>
+              <a:t>darkorange</a:t>
+            </a:r>
+            <a:r>
+              <a:rPr lang="en-US" dirty="0"/>
+              <a:t>, </a:t>
+            </a:r>
+            <a:r>
+              <a:rPr lang="en-US" dirty="0" err="1"/>
+              <a:t>penwidth</a:t>
+            </a:r>
+            <a:r>
+              <a:rPr lang="en-US" dirty="0"/>
+              <a:t>=1.5];</a:t>
+            </a:r>
+          </a:p>
+          <a:p>
+            <a:r>
+              <a:rPr lang="en-US" dirty="0"/>
+              <a:t>  Events -&gt; Instances [label="1 ──&lt; many", color=purple, </a:t>
+            </a:r>
+            <a:r>
+              <a:rPr lang="en-US" dirty="0" err="1"/>
+              <a:t>penwidth</a:t>
+            </a:r>
+            <a:r>
+              <a:rPr lang="en-US" dirty="0"/>
+              <a:t>=1.5];</a:t>
+            </a:r>
+          </a:p>
+          <a:p>
+            <a:r>
+              <a:rPr lang="en-US" dirty="0"/>
+              <a:t>}</a:t>
+            </a:r>
+          </a:p>
+          <a:p>
+            <a:endParaRPr lang="en-US" dirty="0"/>
+          </a:p>
+        </p:txBody>
+      </p:sp>
+      <p:sp>
+        <p:nvSpPr>
+          <p:cNvPr id="4" name="Slide Number Placeholder 3"/>
+          <p:cNvSpPr>
+            <a:spLocks noGrp="1"/>
+          </p:cNvSpPr>
+          <p:nvPr>
+            <p:ph type="sldNum" sz="quarter" idx="5"/>
+          </p:nvPr>
+        </p:nvSpPr>
+        <p:spPr/>
+        <p:txBody>
+          <a:bodyPr/>
+          <a:lstStyle/>
+          <a:p>
+            <a:fld id="{DDBF98C7-164A-4723-84F0-B1E4B080DDEC}" type="slidenum">
+              <a:rPr lang="en-US" smtClean="0"/>
+              <a:t>10</a:t>
+            </a:fld>
+            <a:endParaRPr lang="en-US"/>
+          </a:p>
+        </p:txBody>
+      </p:sp>
+    </p:spTree>
+    <p:extLst>
+      <p:ext uri="{BB962C8B-B14F-4D97-AF65-F5344CB8AC3E}">
+        <p14:creationId xmlns:p14="http://schemas.microsoft.com/office/powerpoint/2010/main" val="115355099"/>
       </p:ext>
     </p:extLst>
   </p:cSld>
@@ -7562,7 +8089,7 @@
           <a:p>
             <a:fld id="{4263717A-E3C1-4BED-ABE0-B7069385E023}" type="datetimeFigureOut">
               <a:rPr lang="en-US" smtClean="0"/>
-              <a:t>4/15/2025</a:t>
+              <a:t>10/25/2025</a:t>
             </a:fld>
             <a:endParaRPr lang="en-US"/>
           </a:p>
@@ -7735,7 +8262,7 @@
           <a:p>
             <a:fld id="{4263717A-E3C1-4BED-ABE0-B7069385E023}" type="datetimeFigureOut">
               <a:rPr lang="en-US" smtClean="0"/>
-              <a:t>4/15/2025</a:t>
+              <a:t>10/25/2025</a:t>
             </a:fld>
             <a:endParaRPr lang="en-US"/>
           </a:p>
@@ -7913,7 +8440,7 @@
           <a:p>
             <a:fld id="{4263717A-E3C1-4BED-ABE0-B7069385E023}" type="datetimeFigureOut">
               <a:rPr lang="en-US" smtClean="0"/>
-              <a:t>4/15/2025</a:t>
+              <a:t>10/25/2025</a:t>
             </a:fld>
             <a:endParaRPr lang="en-US"/>
           </a:p>
@@ -8081,7 +8608,7 @@
           <a:p>
             <a:fld id="{4263717A-E3C1-4BED-ABE0-B7069385E023}" type="datetimeFigureOut">
               <a:rPr lang="en-US" smtClean="0"/>
-              <a:t>4/15/2025</a:t>
+              <a:t>10/25/2025</a:t>
             </a:fld>
             <a:endParaRPr lang="en-US"/>
           </a:p>
@@ -8326,7 +8853,7 @@
           <a:p>
             <a:fld id="{4263717A-E3C1-4BED-ABE0-B7069385E023}" type="datetimeFigureOut">
               <a:rPr lang="en-US" smtClean="0"/>
-              <a:t>4/15/2025</a:t>
+              <a:t>10/25/2025</a:t>
             </a:fld>
             <a:endParaRPr lang="en-US"/>
           </a:p>
@@ -8555,7 +9082,7 @@
           <a:p>
             <a:fld id="{4263717A-E3C1-4BED-ABE0-B7069385E023}" type="datetimeFigureOut">
               <a:rPr lang="en-US" smtClean="0"/>
-              <a:t>4/15/2025</a:t>
+              <a:t>10/25/2025</a:t>
             </a:fld>
             <a:endParaRPr lang="en-US"/>
           </a:p>
@@ -8919,7 +9446,7 @@
           <a:p>
             <a:fld id="{4263717A-E3C1-4BED-ABE0-B7069385E023}" type="datetimeFigureOut">
               <a:rPr lang="en-US" smtClean="0"/>
-              <a:t>4/15/2025</a:t>
+              <a:t>10/25/2025</a:t>
             </a:fld>
             <a:endParaRPr lang="en-US"/>
           </a:p>
@@ -9036,7 +9563,7 @@
           <a:p>
             <a:fld id="{4263717A-E3C1-4BED-ABE0-B7069385E023}" type="datetimeFigureOut">
               <a:rPr lang="en-US" smtClean="0"/>
-              <a:t>4/15/2025</a:t>
+              <a:t>10/25/2025</a:t>
             </a:fld>
             <a:endParaRPr lang="en-US"/>
           </a:p>
@@ -9131,7 +9658,7 @@
           <a:p>
             <a:fld id="{4263717A-E3C1-4BED-ABE0-B7069385E023}" type="datetimeFigureOut">
               <a:rPr lang="en-US" smtClean="0"/>
-              <a:t>4/15/2025</a:t>
+              <a:t>10/25/2025</a:t>
             </a:fld>
             <a:endParaRPr lang="en-US"/>
           </a:p>
@@ -9406,7 +9933,7 @@
           <a:p>
             <a:fld id="{4263717A-E3C1-4BED-ABE0-B7069385E023}" type="datetimeFigureOut">
               <a:rPr lang="en-US" smtClean="0"/>
-              <a:t>4/15/2025</a:t>
+              <a:t>10/25/2025</a:t>
             </a:fld>
             <a:endParaRPr lang="en-US"/>
           </a:p>
@@ -9658,7 +10185,7 @@
           <a:p>
             <a:fld id="{4263717A-E3C1-4BED-ABE0-B7069385E023}" type="datetimeFigureOut">
               <a:rPr lang="en-US" smtClean="0"/>
-              <a:t>4/15/2025</a:t>
+              <a:t>10/25/2025</a:t>
             </a:fld>
             <a:endParaRPr lang="en-US"/>
           </a:p>
@@ -9869,7 +10396,7 @@
           <a:p>
             <a:fld id="{4263717A-E3C1-4BED-ABE0-B7069385E023}" type="datetimeFigureOut">
               <a:rPr lang="en-US" smtClean="0"/>
-              <a:t>4/15/2025</a:t>
+              <a:t>10/25/2025</a:t>
             </a:fld>
             <a:endParaRPr lang="en-US"/>
           </a:p>
@@ -10529,61 +11056,12 @@
           <a:chExt cx="0" cy="0"/>
         </a:xfrm>
       </p:grpSpPr>
-      <p:sp>
-        <p:nvSpPr>
-          <p:cNvPr id="2" name="Title 1">
+      <p:pic>
+        <p:nvPicPr>
+          <p:cNvPr id="5" name="Picture 4">
             <a:extLst>
               <a:ext uri="{FF2B5EF4-FFF2-40B4-BE49-F238E27FC236}">
-                <a16:creationId xmlns:a16="http://schemas.microsoft.com/office/drawing/2014/main" id="{B23D5793-2D2E-4A05-BBDB-A78A693AE53B}"/>
-              </a:ext>
-            </a:extLst>
-          </p:cNvPr>
-          <p:cNvSpPr>
-            <a:spLocks noGrp="1"/>
-          </p:cNvSpPr>
-          <p:nvPr>
-            <p:ph type="title"/>
-          </p:nvPr>
-        </p:nvSpPr>
-        <p:spPr/>
-        <p:txBody>
-          <a:bodyPr/>
-          <a:lstStyle/>
-          <a:p>
-            <a:r>
-              <a:rPr lang="en-US" dirty="0">
-                <a:cs typeface="Calibri Light"/>
-              </a:rPr>
-              <a:t>Examine </a:t>
-            </a:r>
-            <a:r>
-              <a:rPr lang="en-US" dirty="0" err="1">
-                <a:solidFill>
-                  <a:schemeClr val="accent2"/>
-                </a:solidFill>
-                <a:cs typeface="Calibri Light"/>
-              </a:rPr>
-              <a:t>calendar.db</a:t>
-            </a:r>
-            <a:r>
-              <a:rPr lang="en-US" dirty="0">
-                <a:solidFill>
-                  <a:schemeClr val="accent2"/>
-                </a:solidFill>
-                <a:cs typeface="Calibri Light"/>
-              </a:rPr>
-              <a:t> </a:t>
-            </a:r>
-            <a:endParaRPr lang="en-US" dirty="0"/>
-          </a:p>
-        </p:txBody>
-      </p:sp>
-      <p:pic>
-        <p:nvPicPr>
-          <p:cNvPr id="5" name="Picture 4" descr="Text&#10;&#10;Description automatically generated">
-            <a:extLst>
-              <a:ext uri="{FF2B5EF4-FFF2-40B4-BE49-F238E27FC236}">
-                <a16:creationId xmlns:a16="http://schemas.microsoft.com/office/drawing/2014/main" id="{49EA2546-C8EF-4AC8-8747-47AF64C5169C}"/>
+                <a16:creationId xmlns:a16="http://schemas.microsoft.com/office/drawing/2014/main" id="{CF9A2C57-E425-379E-17A1-1ED60103D6B4}"/>
               </a:ext>
             </a:extLst>
           </p:cNvPr>
@@ -10600,8 +11078,8 @@
         </p:blipFill>
         <p:spPr>
           <a:xfrm>
-            <a:off x="839036" y="1881114"/>
-            <a:ext cx="10677568" cy="856114"/>
+            <a:off x="646105" y="547682"/>
+            <a:ext cx="10559991" cy="2047090"/>
           </a:xfrm>
           <a:prstGeom prst="rect">
             <a:avLst/>
@@ -10610,10 +11088,10 @@
       </p:pic>
       <p:pic>
         <p:nvPicPr>
-          <p:cNvPr id="7" name="Picture 6" descr="Graphical user interface, text, application&#10;&#10;Description automatically generated">
+          <p:cNvPr id="7" name="Picture 6">
             <a:extLst>
               <a:ext uri="{FF2B5EF4-FFF2-40B4-BE49-F238E27FC236}">
-                <a16:creationId xmlns:a16="http://schemas.microsoft.com/office/drawing/2014/main" id="{69CDA6A5-0B40-476D-8B25-8B1F60C519F9}"/>
+                <a16:creationId xmlns:a16="http://schemas.microsoft.com/office/drawing/2014/main" id="{9F658B9A-E9BC-E7FA-BFF3-B474D96F9DD0}"/>
               </a:ext>
             </a:extLst>
           </p:cNvPr>
@@ -10630,8 +11108,8 @@
         </p:blipFill>
         <p:spPr>
           <a:xfrm>
-            <a:off x="5901488" y="3105085"/>
-            <a:ext cx="5650622" cy="3265503"/>
+            <a:off x="646105" y="2713366"/>
+            <a:ext cx="10729890" cy="3596952"/>
           </a:xfrm>
           <a:prstGeom prst="rect">
             <a:avLst/>
@@ -10643,7 +11121,7 @@
           <p:cNvPr id="8" name="TextBox 7">
             <a:extLst>
               <a:ext uri="{FF2B5EF4-FFF2-40B4-BE49-F238E27FC236}">
-                <a16:creationId xmlns:a16="http://schemas.microsoft.com/office/drawing/2014/main" id="{44428CDD-ABDD-43D0-AC19-D3F74162BD84}"/>
+                <a16:creationId xmlns:a16="http://schemas.microsoft.com/office/drawing/2014/main" id="{7991E609-B181-9854-2177-055D25A9A0C6}"/>
               </a:ext>
             </a:extLst>
           </p:cNvPr>
@@ -10652,8 +11130,8 @@
         </p:nvSpPr>
         <p:spPr>
           <a:xfrm>
-            <a:off x="838200" y="3107849"/>
-            <a:ext cx="4788568" cy="1938992"/>
+            <a:off x="4219074" y="6125652"/>
+            <a:ext cx="1307217" cy="369332"/>
           </a:xfrm>
           <a:prstGeom prst="rect">
             <a:avLst/>
@@ -10661,229 +11139,14 @@
           <a:noFill/>
         </p:spPr>
         <p:txBody>
-          <a:bodyPr rot="0" spcFirstLastPara="0" vertOverflow="overflow" horzOverflow="overflow" vert="horz" wrap="square" lIns="91440" tIns="45720" rIns="91440" bIns="45720" numCol="1" spcCol="0" rtlCol="0" fromWordArt="0" anchor="t" anchorCtr="0" forceAA="0" compatLnSpc="1">
-            <a:prstTxWarp prst="textNoShape">
-              <a:avLst/>
-            </a:prstTxWarp>
+          <a:bodyPr wrap="none" rtlCol="0">
             <a:spAutoFit/>
           </a:bodyPr>
           <a:lstStyle/>
           <a:p>
-            <a:pPr marL="285750" indent="-285750">
-              <a:buFont typeface="Arial"/>
-              <a:buChar char="•"/>
-            </a:pPr>
-            <a:r>
-              <a:rPr lang="en-US" sz="2400" dirty="0">
-                <a:cs typeface="Calibri"/>
-              </a:rPr>
-              <a:t>Tables to focus on: attendees, events, reminders</a:t>
-            </a:r>
-          </a:p>
-          <a:p>
-            <a:pPr marL="285750" indent="-285750">
-              <a:buFont typeface="Arial"/>
-              <a:buChar char="•"/>
-            </a:pPr>
-            <a:endParaRPr lang="en-US" sz="2400" dirty="0">
-              <a:cs typeface="Calibri"/>
-            </a:endParaRPr>
-          </a:p>
-          <a:p>
-            <a:pPr marL="285750" indent="-285750">
-              <a:buFont typeface="Arial"/>
-              <a:buChar char="•"/>
-            </a:pPr>
-            <a:r>
-              <a:rPr lang="en-US" sz="2400" dirty="0">
-                <a:cs typeface="Calibri"/>
-              </a:rPr>
-              <a:t>In this case there isn't any data to look at in any of the tables</a:t>
-            </a:r>
-          </a:p>
-        </p:txBody>
-      </p:sp>
-      <p:sp>
-        <p:nvSpPr>
-          <p:cNvPr id="9" name="Rectangle 8">
-            <a:extLst>
-              <a:ext uri="{FF2B5EF4-FFF2-40B4-BE49-F238E27FC236}">
-                <a16:creationId xmlns:a16="http://schemas.microsoft.com/office/drawing/2014/main" id="{439BBE62-E442-49FE-A5A1-59F6D538371E}"/>
-              </a:ext>
-            </a:extLst>
-          </p:cNvPr>
-          <p:cNvSpPr/>
-          <p:nvPr/>
-        </p:nvSpPr>
-        <p:spPr>
-          <a:xfrm>
-            <a:off x="1298073" y="2331145"/>
-            <a:ext cx="10226841" cy="387683"/>
-          </a:xfrm>
-          <a:prstGeom prst="rect">
-            <a:avLst/>
-          </a:prstGeom>
-          <a:noFill/>
-          <a:ln w="28575">
-            <a:solidFill>
-              <a:srgbClr val="FF0000"/>
-            </a:solidFill>
-          </a:ln>
-        </p:spPr>
-        <p:style>
-          <a:lnRef idx="2">
-            <a:schemeClr val="accent1">
-              <a:shade val="50000"/>
-            </a:schemeClr>
-          </a:lnRef>
-          <a:fillRef idx="1">
-            <a:schemeClr val="accent1"/>
-          </a:fillRef>
-          <a:effectRef idx="0">
-            <a:schemeClr val="accent1"/>
-          </a:effectRef>
-          <a:fontRef idx="minor">
-            <a:schemeClr val="lt1"/>
-          </a:fontRef>
-        </p:style>
-        <p:txBody>
-          <a:bodyPr rtlCol="0" anchor="ctr"/>
-          <a:lstStyle/>
-          <a:p>
-            <a:pPr algn="ctr"/>
-            <a:endParaRPr lang="en-US"/>
-          </a:p>
-        </p:txBody>
-      </p:sp>
-      <p:sp>
-        <p:nvSpPr>
-          <p:cNvPr id="11" name="TextBox 1">
-            <a:extLst>
-              <a:ext uri="{FF2B5EF4-FFF2-40B4-BE49-F238E27FC236}">
-                <a16:creationId xmlns:a16="http://schemas.microsoft.com/office/drawing/2014/main" id="{D7049351-4E8A-4FBD-9C7D-8779B20AC091}"/>
-              </a:ext>
-            </a:extLst>
-          </p:cNvPr>
-          <p:cNvSpPr txBox="1"/>
-          <p:nvPr/>
-        </p:nvSpPr>
-        <p:spPr>
-          <a:xfrm>
-            <a:off x="5908896" y="2742083"/>
-            <a:ext cx="1902572" cy="369332"/>
-          </a:xfrm>
-          <a:prstGeom prst="rect">
-            <a:avLst/>
-          </a:prstGeom>
-          <a:solidFill>
-            <a:schemeClr val="accent4"/>
-          </a:solidFill>
-        </p:spPr>
-        <p:txBody>
-          <a:bodyPr wrap="none" lIns="91440" tIns="45720" rIns="91440" bIns="45720" rtlCol="0" anchor="t">
-            <a:spAutoFit/>
-          </a:bodyPr>
-          <a:lstStyle>
-            <a:defPPr>
-              <a:defRPr lang="en-US"/>
-            </a:defPPr>
-            <a:lvl1pPr marL="0" algn="l" defTabSz="914400" rtl="0" eaLnBrk="1" latinLnBrk="0" hangingPunct="1">
-              <a:defRPr sz="1800" kern="1200">
-                <a:solidFill>
-                  <a:schemeClr val="tx1"/>
-                </a:solidFill>
-                <a:latin typeface="+mn-lt"/>
-                <a:ea typeface="+mn-ea"/>
-                <a:cs typeface="+mn-cs"/>
-              </a:defRPr>
-            </a:lvl1pPr>
-            <a:lvl2pPr marL="457200" algn="l" defTabSz="914400" rtl="0" eaLnBrk="1" latinLnBrk="0" hangingPunct="1">
-              <a:defRPr sz="1800" kern="1200">
-                <a:solidFill>
-                  <a:schemeClr val="tx1"/>
-                </a:solidFill>
-                <a:latin typeface="+mn-lt"/>
-                <a:ea typeface="+mn-ea"/>
-                <a:cs typeface="+mn-cs"/>
-              </a:defRPr>
-            </a:lvl2pPr>
-            <a:lvl3pPr marL="914400" algn="l" defTabSz="914400" rtl="0" eaLnBrk="1" latinLnBrk="0" hangingPunct="1">
-              <a:defRPr sz="1800" kern="1200">
-                <a:solidFill>
-                  <a:schemeClr val="tx1"/>
-                </a:solidFill>
-                <a:latin typeface="+mn-lt"/>
-                <a:ea typeface="+mn-ea"/>
-                <a:cs typeface="+mn-cs"/>
-              </a:defRPr>
-            </a:lvl3pPr>
-            <a:lvl4pPr marL="1371600" algn="l" defTabSz="914400" rtl="0" eaLnBrk="1" latinLnBrk="0" hangingPunct="1">
-              <a:defRPr sz="1800" kern="1200">
-                <a:solidFill>
-                  <a:schemeClr val="tx1"/>
-                </a:solidFill>
-                <a:latin typeface="+mn-lt"/>
-                <a:ea typeface="+mn-ea"/>
-                <a:cs typeface="+mn-cs"/>
-              </a:defRPr>
-            </a:lvl4pPr>
-            <a:lvl5pPr marL="1828800" algn="l" defTabSz="914400" rtl="0" eaLnBrk="1" latinLnBrk="0" hangingPunct="1">
-              <a:defRPr sz="1800" kern="1200">
-                <a:solidFill>
-                  <a:schemeClr val="tx1"/>
-                </a:solidFill>
-                <a:latin typeface="+mn-lt"/>
-                <a:ea typeface="+mn-ea"/>
-                <a:cs typeface="+mn-cs"/>
-              </a:defRPr>
-            </a:lvl5pPr>
-            <a:lvl6pPr marL="2286000" algn="l" defTabSz="914400" rtl="0" eaLnBrk="1" latinLnBrk="0" hangingPunct="1">
-              <a:defRPr sz="1800" kern="1200">
-                <a:solidFill>
-                  <a:schemeClr val="tx1"/>
-                </a:solidFill>
-                <a:latin typeface="+mn-lt"/>
-                <a:ea typeface="+mn-ea"/>
-                <a:cs typeface="+mn-cs"/>
-              </a:defRPr>
-            </a:lvl6pPr>
-            <a:lvl7pPr marL="2743200" algn="l" defTabSz="914400" rtl="0" eaLnBrk="1" latinLnBrk="0" hangingPunct="1">
-              <a:defRPr sz="1800" kern="1200">
-                <a:solidFill>
-                  <a:schemeClr val="tx1"/>
-                </a:solidFill>
-                <a:latin typeface="+mn-lt"/>
-                <a:ea typeface="+mn-ea"/>
-                <a:cs typeface="+mn-cs"/>
-              </a:defRPr>
-            </a:lvl7pPr>
-            <a:lvl8pPr marL="3200400" algn="l" defTabSz="914400" rtl="0" eaLnBrk="1" latinLnBrk="0" hangingPunct="1">
-              <a:defRPr sz="1800" kern="1200">
-                <a:solidFill>
-                  <a:schemeClr val="tx1"/>
-                </a:solidFill>
-                <a:latin typeface="+mn-lt"/>
-                <a:ea typeface="+mn-ea"/>
-                <a:cs typeface="+mn-cs"/>
-              </a:defRPr>
-            </a:lvl8pPr>
-            <a:lvl9pPr marL="3657600" algn="l" defTabSz="914400" rtl="0" eaLnBrk="1" latinLnBrk="0" hangingPunct="1">
-              <a:defRPr sz="1800" kern="1200">
-                <a:solidFill>
-                  <a:schemeClr val="tx1"/>
-                </a:solidFill>
-                <a:latin typeface="+mn-lt"/>
-                <a:ea typeface="+mn-ea"/>
-                <a:cs typeface="+mn-cs"/>
-              </a:defRPr>
-            </a:lvl9pPr>
-          </a:lstStyle>
-          <a:p>
-            <a:r>
-              <a:rPr lang="en-US">
-                <a:cs typeface="Calibri"/>
-              </a:rPr>
-              <a:t>Tables in database</a:t>
+            <a:r>
+              <a:rPr lang="en-US" b="1" dirty="0"/>
+              <a:t>Data Model</a:t>
             </a:r>
           </a:p>
         </p:txBody>
@@ -10891,7 +11154,7 @@
     </p:spTree>
     <p:extLst>
       <p:ext uri="{BB962C8B-B14F-4D97-AF65-F5344CB8AC3E}">
-        <p14:creationId xmlns:p14="http://schemas.microsoft.com/office/powerpoint/2010/main" val="3735861723"/>
+        <p14:creationId xmlns:p14="http://schemas.microsoft.com/office/powerpoint/2010/main" val="1921077578"/>
       </p:ext>
     </p:extLst>
   </p:cSld>
@@ -10902,6 +11165,2407 @@
 </file>
 
 <file path=ppt/slides/slide11.xml><?xml version="1.0" encoding="utf-8"?>
+<p:sld xmlns:a="http://schemas.openxmlformats.org/drawingml/2006/main" xmlns:r="http://schemas.openxmlformats.org/officeDocument/2006/relationships" xmlns:p="http://schemas.openxmlformats.org/presentationml/2006/main">
+  <p:cSld>
+    <p:spTree>
+      <p:nvGrpSpPr>
+        <p:cNvPr id="1" name=""/>
+        <p:cNvGrpSpPr/>
+        <p:nvPr/>
+      </p:nvGrpSpPr>
+      <p:grpSpPr>
+        <a:xfrm>
+          <a:off x="0" y="0"/>
+          <a:ext cx="0" cy="0"/>
+          <a:chOff x="0" y="0"/>
+          <a:chExt cx="0" cy="0"/>
+        </a:xfrm>
+      </p:grpSpPr>
+      <p:pic>
+        <p:nvPicPr>
+          <p:cNvPr id="3" name="Picture 2">
+            <a:extLst>
+              <a:ext uri="{FF2B5EF4-FFF2-40B4-BE49-F238E27FC236}">
+                <a16:creationId xmlns:a16="http://schemas.microsoft.com/office/drawing/2014/main" id="{9722DD11-50B7-26B9-E522-861346DDFF25}"/>
+              </a:ext>
+            </a:extLst>
+          </p:cNvPr>
+          <p:cNvPicPr>
+            <a:picLocks noChangeAspect="1"/>
+          </p:cNvPicPr>
+          <p:nvPr/>
+        </p:nvPicPr>
+        <p:blipFill>
+          <a:blip r:embed="rId2"/>
+          <a:stretch>
+            <a:fillRect/>
+          </a:stretch>
+        </p:blipFill>
+        <p:spPr>
+          <a:xfrm>
+            <a:off x="238785" y="940854"/>
+            <a:ext cx="3589331" cy="4976291"/>
+          </a:xfrm>
+          <a:prstGeom prst="rect">
+            <a:avLst/>
+          </a:prstGeom>
+        </p:spPr>
+      </p:pic>
+      <p:graphicFrame>
+        <p:nvGraphicFramePr>
+          <p:cNvPr id="4" name="Table 3">
+            <a:extLst>
+              <a:ext uri="{FF2B5EF4-FFF2-40B4-BE49-F238E27FC236}">
+                <a16:creationId xmlns:a16="http://schemas.microsoft.com/office/drawing/2014/main" id="{63DB5296-DF52-9E78-8C39-94D3A8B6B761}"/>
+              </a:ext>
+            </a:extLst>
+          </p:cNvPr>
+          <p:cNvGraphicFramePr>
+            <a:graphicFrameLocks noGrp="1"/>
+          </p:cNvGraphicFramePr>
+          <p:nvPr>
+            <p:extLst>
+              <p:ext uri="{D42A27DB-BD31-4B8C-83A1-F6EECF244321}">
+                <p14:modId xmlns:p14="http://schemas.microsoft.com/office/powerpoint/2010/main" val="1467781405"/>
+              </p:ext>
+            </p:extLst>
+          </p:nvPr>
+        </p:nvGraphicFramePr>
+        <p:xfrm>
+          <a:off x="4164573" y="64353"/>
+          <a:ext cx="7456619" cy="6729294"/>
+        </p:xfrm>
+        <a:graphic>
+          <a:graphicData uri="http://schemas.openxmlformats.org/drawingml/2006/table">
+            <a:tbl>
+              <a:tblPr>
+                <a:tableStyleId>{5940675A-B579-460E-94D1-54222C63F5DA}</a:tableStyleId>
+              </a:tblPr>
+              <a:tblGrid>
+                <a:gridCol w="1820590">
+                  <a:extLst>
+                    <a:ext uri="{9D8B030D-6E8A-4147-A177-3AD203B41FA5}">
+                      <a16:colId xmlns:a16="http://schemas.microsoft.com/office/drawing/2014/main" val="1595352976"/>
+                    </a:ext>
+                  </a:extLst>
+                </a:gridCol>
+                <a:gridCol w="1296786">
+                  <a:extLst>
+                    <a:ext uri="{9D8B030D-6E8A-4147-A177-3AD203B41FA5}">
+                      <a16:colId xmlns:a16="http://schemas.microsoft.com/office/drawing/2014/main" val="4248000515"/>
+                    </a:ext>
+                  </a:extLst>
+                </a:gridCol>
+                <a:gridCol w="4339243">
+                  <a:extLst>
+                    <a:ext uri="{9D8B030D-6E8A-4147-A177-3AD203B41FA5}">
+                      <a16:colId xmlns:a16="http://schemas.microsoft.com/office/drawing/2014/main" val="2474542106"/>
+                    </a:ext>
+                  </a:extLst>
+                </a:gridCol>
+              </a:tblGrid>
+              <a:tr h="80580">
+                <a:tc>
+                  <a:txBody>
+                    <a:bodyPr/>
+                    <a:lstStyle/>
+                    <a:p>
+                      <a:pPr>
+                        <a:buNone/>
+                      </a:pPr>
+                      <a:r>
+                        <a:rPr lang="en-US" sz="1000" b="1"/>
+                        <a:t>Column</a:t>
+                      </a:r>
+                    </a:p>
+                  </a:txBody>
+                  <a:tcPr marL="20145" marR="20145" marT="10073" marB="10073" anchor="ctr"/>
+                </a:tc>
+                <a:tc>
+                  <a:txBody>
+                    <a:bodyPr/>
+                    <a:lstStyle/>
+                    <a:p>
+                      <a:pPr>
+                        <a:buNone/>
+                      </a:pPr>
+                      <a:r>
+                        <a:rPr lang="en-US" sz="1000" b="1"/>
+                        <a:t>Type</a:t>
+                      </a:r>
+                    </a:p>
+                  </a:txBody>
+                  <a:tcPr marL="20145" marR="20145" marT="10073" marB="10073" anchor="ctr"/>
+                </a:tc>
+                <a:tc>
+                  <a:txBody>
+                    <a:bodyPr/>
+                    <a:lstStyle/>
+                    <a:p>
+                      <a:pPr>
+                        <a:buNone/>
+                      </a:pPr>
+                      <a:r>
+                        <a:rPr lang="en-US" sz="1000" b="1" dirty="0"/>
+                        <a:t>Description</a:t>
+                      </a:r>
+                    </a:p>
+                  </a:txBody>
+                  <a:tcPr marL="20145" marR="20145" marT="10073" marB="10073" anchor="ctr"/>
+                </a:tc>
+                <a:extLst>
+                  <a:ext uri="{0D108BD9-81ED-4DB2-BD59-A6C34878D82A}">
+                    <a16:rowId xmlns:a16="http://schemas.microsoft.com/office/drawing/2014/main" val="1612706849"/>
+                  </a:ext>
+                </a:extLst>
+              </a:tr>
+              <a:tr h="80580">
+                <a:tc>
+                  <a:txBody>
+                    <a:bodyPr/>
+                    <a:lstStyle/>
+                    <a:p>
+                      <a:pPr>
+                        <a:buNone/>
+                      </a:pPr>
+                      <a:r>
+                        <a:rPr lang="en-US" sz="1000">
+                          <a:highlight>
+                            <a:srgbClr val="FFFF00"/>
+                          </a:highlight>
+                        </a:rPr>
+                        <a:t>_id</a:t>
+                      </a:r>
+                    </a:p>
+                  </a:txBody>
+                  <a:tcPr marL="20145" marR="20145" marT="10073" marB="10073" anchor="ctr"/>
+                </a:tc>
+                <a:tc>
+                  <a:txBody>
+                    <a:bodyPr/>
+                    <a:lstStyle/>
+                    <a:p>
+                      <a:pPr>
+                        <a:buNone/>
+                      </a:pPr>
+                      <a:r>
+                        <a:rPr lang="en-US" sz="1000">
+                          <a:highlight>
+                            <a:srgbClr val="FFFF00"/>
+                          </a:highlight>
+                        </a:rPr>
+                        <a:t>INTEGER</a:t>
+                      </a:r>
+                    </a:p>
+                  </a:txBody>
+                  <a:tcPr marL="20145" marR="20145" marT="10073" marB="10073" anchor="ctr"/>
+                </a:tc>
+                <a:tc>
+                  <a:txBody>
+                    <a:bodyPr/>
+                    <a:lstStyle/>
+                    <a:p>
+                      <a:pPr>
+                        <a:buNone/>
+                      </a:pPr>
+                      <a:r>
+                        <a:rPr lang="en-GB" sz="1000">
+                          <a:highlight>
+                            <a:srgbClr val="FFFF00"/>
+                          </a:highlight>
+                        </a:rPr>
+                        <a:t>Primary key for the event.</a:t>
+                      </a:r>
+                    </a:p>
+                  </a:txBody>
+                  <a:tcPr marL="20145" marR="20145" marT="10073" marB="10073" anchor="ctr"/>
+                </a:tc>
+                <a:extLst>
+                  <a:ext uri="{0D108BD9-81ED-4DB2-BD59-A6C34878D82A}">
+                    <a16:rowId xmlns:a16="http://schemas.microsoft.com/office/drawing/2014/main" val="3674075946"/>
+                  </a:ext>
+                </a:extLst>
+              </a:tr>
+              <a:tr h="141016">
+                <a:tc>
+                  <a:txBody>
+                    <a:bodyPr/>
+                    <a:lstStyle/>
+                    <a:p>
+                      <a:pPr>
+                        <a:buNone/>
+                      </a:pPr>
+                      <a:r>
+                        <a:rPr lang="en-US" sz="1000">
+                          <a:solidFill>
+                            <a:srgbClr val="FF0000"/>
+                          </a:solidFill>
+                          <a:highlight>
+                            <a:srgbClr val="FFFF00"/>
+                          </a:highlight>
+                        </a:rPr>
+                        <a:t>calendar_id</a:t>
+                      </a:r>
+                    </a:p>
+                  </a:txBody>
+                  <a:tcPr marL="20145" marR="20145" marT="10073" marB="10073" anchor="ctr"/>
+                </a:tc>
+                <a:tc>
+                  <a:txBody>
+                    <a:bodyPr/>
+                    <a:lstStyle/>
+                    <a:p>
+                      <a:pPr>
+                        <a:buNone/>
+                      </a:pPr>
+                      <a:r>
+                        <a:rPr lang="en-US" sz="1000">
+                          <a:solidFill>
+                            <a:srgbClr val="FF0000"/>
+                          </a:solidFill>
+                          <a:highlight>
+                            <a:srgbClr val="FFFF00"/>
+                          </a:highlight>
+                        </a:rPr>
+                        <a:t>INTEGER</a:t>
+                      </a:r>
+                    </a:p>
+                  </a:txBody>
+                  <a:tcPr marL="20145" marR="20145" marT="10073" marB="10073" anchor="ctr"/>
+                </a:tc>
+                <a:tc>
+                  <a:txBody>
+                    <a:bodyPr/>
+                    <a:lstStyle/>
+                    <a:p>
+                      <a:pPr>
+                        <a:buNone/>
+                      </a:pPr>
+                      <a:r>
+                        <a:rPr lang="en-GB" sz="1000" dirty="0">
+                          <a:solidFill>
+                            <a:srgbClr val="FF0000"/>
+                          </a:solidFill>
+                          <a:highlight>
+                            <a:srgbClr val="FFFF00"/>
+                          </a:highlight>
+                        </a:rPr>
+                        <a:t>Foreign key linking to </a:t>
+                      </a:r>
+                      <a:r>
+                        <a:rPr lang="en-GB" sz="1000" dirty="0" err="1">
+                          <a:solidFill>
+                            <a:srgbClr val="FF0000"/>
+                          </a:solidFill>
+                          <a:highlight>
+                            <a:srgbClr val="FFFF00"/>
+                          </a:highlight>
+                        </a:rPr>
+                        <a:t>Calendars._id</a:t>
+                      </a:r>
+                      <a:r>
+                        <a:rPr lang="en-GB" sz="1000" dirty="0">
+                          <a:solidFill>
+                            <a:srgbClr val="FF0000"/>
+                          </a:solidFill>
+                          <a:highlight>
+                            <a:srgbClr val="FFFF00"/>
+                          </a:highlight>
+                        </a:rPr>
+                        <a:t>.</a:t>
+                      </a:r>
+                    </a:p>
+                  </a:txBody>
+                  <a:tcPr marL="20145" marR="20145" marT="10073" marB="10073" anchor="ctr"/>
+                </a:tc>
+                <a:extLst>
+                  <a:ext uri="{0D108BD9-81ED-4DB2-BD59-A6C34878D82A}">
+                    <a16:rowId xmlns:a16="http://schemas.microsoft.com/office/drawing/2014/main" val="1391698920"/>
+                  </a:ext>
+                </a:extLst>
+              </a:tr>
+              <a:tr h="80580">
+                <a:tc>
+                  <a:txBody>
+                    <a:bodyPr/>
+                    <a:lstStyle/>
+                    <a:p>
+                      <a:pPr>
+                        <a:buNone/>
+                      </a:pPr>
+                      <a:r>
+                        <a:rPr lang="en-US" sz="1000">
+                          <a:highlight>
+                            <a:srgbClr val="FFFF00"/>
+                          </a:highlight>
+                        </a:rPr>
+                        <a:t>title</a:t>
+                      </a:r>
+                    </a:p>
+                  </a:txBody>
+                  <a:tcPr marL="20145" marR="20145" marT="10073" marB="10073" anchor="ctr"/>
+                </a:tc>
+                <a:tc>
+                  <a:txBody>
+                    <a:bodyPr/>
+                    <a:lstStyle/>
+                    <a:p>
+                      <a:pPr>
+                        <a:buNone/>
+                      </a:pPr>
+                      <a:r>
+                        <a:rPr lang="en-US" sz="1000">
+                          <a:highlight>
+                            <a:srgbClr val="FFFF00"/>
+                          </a:highlight>
+                        </a:rPr>
+                        <a:t>TEXT</a:t>
+                      </a:r>
+                    </a:p>
+                  </a:txBody>
+                  <a:tcPr marL="20145" marR="20145" marT="10073" marB="10073" anchor="ctr"/>
+                </a:tc>
+                <a:tc>
+                  <a:txBody>
+                    <a:bodyPr/>
+                    <a:lstStyle/>
+                    <a:p>
+                      <a:pPr>
+                        <a:buNone/>
+                      </a:pPr>
+                      <a:r>
+                        <a:rPr lang="en-US" sz="1000">
+                          <a:highlight>
+                            <a:srgbClr val="FFFF00"/>
+                          </a:highlight>
+                        </a:rPr>
+                        <a:t>Event title.</a:t>
+                      </a:r>
+                    </a:p>
+                  </a:txBody>
+                  <a:tcPr marL="20145" marR="20145" marT="10073" marB="10073" anchor="ctr"/>
+                </a:tc>
+                <a:extLst>
+                  <a:ext uri="{0D108BD9-81ED-4DB2-BD59-A6C34878D82A}">
+                    <a16:rowId xmlns:a16="http://schemas.microsoft.com/office/drawing/2014/main" val="2329275482"/>
+                  </a:ext>
+                </a:extLst>
+              </a:tr>
+              <a:tr h="142960">
+                <a:tc>
+                  <a:txBody>
+                    <a:bodyPr/>
+                    <a:lstStyle/>
+                    <a:p>
+                      <a:pPr>
+                        <a:buNone/>
+                      </a:pPr>
+                      <a:r>
+                        <a:rPr lang="en-US" sz="1000">
+                          <a:highlight>
+                            <a:srgbClr val="FFFF00"/>
+                          </a:highlight>
+                        </a:rPr>
+                        <a:t>description</a:t>
+                      </a:r>
+                    </a:p>
+                  </a:txBody>
+                  <a:tcPr marL="20145" marR="20145" marT="10073" marB="10073" anchor="ctr"/>
+                </a:tc>
+                <a:tc>
+                  <a:txBody>
+                    <a:bodyPr/>
+                    <a:lstStyle/>
+                    <a:p>
+                      <a:pPr>
+                        <a:buNone/>
+                      </a:pPr>
+                      <a:r>
+                        <a:rPr lang="en-US" sz="1000">
+                          <a:highlight>
+                            <a:srgbClr val="FFFF00"/>
+                          </a:highlight>
+                        </a:rPr>
+                        <a:t>TEXT</a:t>
+                      </a:r>
+                    </a:p>
+                  </a:txBody>
+                  <a:tcPr marL="20145" marR="20145" marT="10073" marB="10073" anchor="ctr"/>
+                </a:tc>
+                <a:tc>
+                  <a:txBody>
+                    <a:bodyPr/>
+                    <a:lstStyle/>
+                    <a:p>
+                      <a:pPr>
+                        <a:buNone/>
+                      </a:pPr>
+                      <a:r>
+                        <a:rPr lang="en-US" sz="1000" dirty="0">
+                          <a:highlight>
+                            <a:srgbClr val="FFFF00"/>
+                          </a:highlight>
+                        </a:rPr>
+                        <a:t>Event description.</a:t>
+                      </a:r>
+                    </a:p>
+                  </a:txBody>
+                  <a:tcPr marL="20145" marR="20145" marT="10073" marB="10073" anchor="ctr"/>
+                </a:tc>
+                <a:extLst>
+                  <a:ext uri="{0D108BD9-81ED-4DB2-BD59-A6C34878D82A}">
+                    <a16:rowId xmlns:a16="http://schemas.microsoft.com/office/drawing/2014/main" val="138686564"/>
+                  </a:ext>
+                </a:extLst>
+              </a:tr>
+              <a:tr h="80580">
+                <a:tc>
+                  <a:txBody>
+                    <a:bodyPr/>
+                    <a:lstStyle/>
+                    <a:p>
+                      <a:pPr>
+                        <a:buNone/>
+                      </a:pPr>
+                      <a:r>
+                        <a:rPr lang="en-US" sz="1000">
+                          <a:highlight>
+                            <a:srgbClr val="FFFF00"/>
+                          </a:highlight>
+                        </a:rPr>
+                        <a:t>eventLocation</a:t>
+                      </a:r>
+                    </a:p>
+                  </a:txBody>
+                  <a:tcPr marL="20145" marR="20145" marT="10073" marB="10073" anchor="ctr"/>
+                </a:tc>
+                <a:tc>
+                  <a:txBody>
+                    <a:bodyPr/>
+                    <a:lstStyle/>
+                    <a:p>
+                      <a:pPr>
+                        <a:buNone/>
+                      </a:pPr>
+                      <a:r>
+                        <a:rPr lang="en-US" sz="1000">
+                          <a:highlight>
+                            <a:srgbClr val="FFFF00"/>
+                          </a:highlight>
+                        </a:rPr>
+                        <a:t>TEXT</a:t>
+                      </a:r>
+                    </a:p>
+                  </a:txBody>
+                  <a:tcPr marL="20145" marR="20145" marT="10073" marB="10073" anchor="ctr"/>
+                </a:tc>
+                <a:tc>
+                  <a:txBody>
+                    <a:bodyPr/>
+                    <a:lstStyle/>
+                    <a:p>
+                      <a:pPr>
+                        <a:buNone/>
+                      </a:pPr>
+                      <a:r>
+                        <a:rPr lang="en-US" sz="1000" dirty="0">
+                          <a:highlight>
+                            <a:srgbClr val="FFFF00"/>
+                          </a:highlight>
+                        </a:rPr>
+                        <a:t>Location of the event.</a:t>
+                      </a:r>
+                    </a:p>
+                  </a:txBody>
+                  <a:tcPr marL="20145" marR="20145" marT="10073" marB="10073" anchor="ctr"/>
+                </a:tc>
+                <a:extLst>
+                  <a:ext uri="{0D108BD9-81ED-4DB2-BD59-A6C34878D82A}">
+                    <a16:rowId xmlns:a16="http://schemas.microsoft.com/office/drawing/2014/main" val="67392575"/>
+                  </a:ext>
+                </a:extLst>
+              </a:tr>
+              <a:tr h="141016">
+                <a:tc>
+                  <a:txBody>
+                    <a:bodyPr/>
+                    <a:lstStyle/>
+                    <a:p>
+                      <a:pPr>
+                        <a:buNone/>
+                      </a:pPr>
+                      <a:r>
+                        <a:rPr lang="en-US" sz="1000"/>
+                        <a:t>eventStatus</a:t>
+                      </a:r>
+                    </a:p>
+                  </a:txBody>
+                  <a:tcPr marL="20145" marR="20145" marT="10073" marB="10073" anchor="ctr"/>
+                </a:tc>
+                <a:tc>
+                  <a:txBody>
+                    <a:bodyPr/>
+                    <a:lstStyle/>
+                    <a:p>
+                      <a:pPr>
+                        <a:buNone/>
+                      </a:pPr>
+                      <a:r>
+                        <a:rPr lang="en-US" sz="1000"/>
+                        <a:t>INTEGER</a:t>
+                      </a:r>
+                    </a:p>
+                  </a:txBody>
+                  <a:tcPr marL="20145" marR="20145" marT="10073" marB="10073" anchor="ctr"/>
+                </a:tc>
+                <a:tc>
+                  <a:txBody>
+                    <a:bodyPr/>
+                    <a:lstStyle/>
+                    <a:p>
+                      <a:pPr>
+                        <a:buNone/>
+                      </a:pPr>
+                      <a:r>
+                        <a:rPr lang="en-GB" sz="1000"/>
+                        <a:t>Status (e.g., tentative=0, confirmed=1, canceled=2).</a:t>
+                      </a:r>
+                    </a:p>
+                  </a:txBody>
+                  <a:tcPr marL="20145" marR="20145" marT="10073" marB="10073" anchor="ctr"/>
+                </a:tc>
+                <a:extLst>
+                  <a:ext uri="{0D108BD9-81ED-4DB2-BD59-A6C34878D82A}">
+                    <a16:rowId xmlns:a16="http://schemas.microsoft.com/office/drawing/2014/main" val="2556233968"/>
+                  </a:ext>
+                </a:extLst>
+              </a:tr>
+              <a:tr h="141016">
+                <a:tc>
+                  <a:txBody>
+                    <a:bodyPr/>
+                    <a:lstStyle/>
+                    <a:p>
+                      <a:pPr>
+                        <a:buNone/>
+                      </a:pPr>
+                      <a:r>
+                        <a:rPr lang="en-US" sz="1000">
+                          <a:highlight>
+                            <a:srgbClr val="FFFF00"/>
+                          </a:highlight>
+                        </a:rPr>
+                        <a:t>dtstart</a:t>
+                      </a:r>
+                    </a:p>
+                  </a:txBody>
+                  <a:tcPr marL="20145" marR="20145" marT="10073" marB="10073" anchor="ctr"/>
+                </a:tc>
+                <a:tc>
+                  <a:txBody>
+                    <a:bodyPr/>
+                    <a:lstStyle/>
+                    <a:p>
+                      <a:pPr>
+                        <a:buNone/>
+                      </a:pPr>
+                      <a:r>
+                        <a:rPr lang="en-US" sz="1000">
+                          <a:highlight>
+                            <a:srgbClr val="FFFF00"/>
+                          </a:highlight>
+                        </a:rPr>
+                        <a:t>INTEGER</a:t>
+                      </a:r>
+                    </a:p>
+                  </a:txBody>
+                  <a:tcPr marL="20145" marR="20145" marT="10073" marB="10073" anchor="ctr"/>
+                </a:tc>
+                <a:tc>
+                  <a:txBody>
+                    <a:bodyPr/>
+                    <a:lstStyle/>
+                    <a:p>
+                      <a:pPr>
+                        <a:buNone/>
+                      </a:pPr>
+                      <a:r>
+                        <a:rPr lang="en-GB" sz="1000">
+                          <a:highlight>
+                            <a:srgbClr val="FFFF00"/>
+                          </a:highlight>
+                        </a:rPr>
+                        <a:t>Start time in UTC (milliseconds since epoch).</a:t>
+                      </a:r>
+                    </a:p>
+                  </a:txBody>
+                  <a:tcPr marL="20145" marR="20145" marT="10073" marB="10073" anchor="ctr"/>
+                </a:tc>
+                <a:extLst>
+                  <a:ext uri="{0D108BD9-81ED-4DB2-BD59-A6C34878D82A}">
+                    <a16:rowId xmlns:a16="http://schemas.microsoft.com/office/drawing/2014/main" val="39421603"/>
+                  </a:ext>
+                </a:extLst>
+              </a:tr>
+              <a:tr h="141016">
+                <a:tc>
+                  <a:txBody>
+                    <a:bodyPr/>
+                    <a:lstStyle/>
+                    <a:p>
+                      <a:pPr>
+                        <a:buNone/>
+                      </a:pPr>
+                      <a:r>
+                        <a:rPr lang="en-US" sz="1000">
+                          <a:highlight>
+                            <a:srgbClr val="FFFF00"/>
+                          </a:highlight>
+                        </a:rPr>
+                        <a:t>dtend</a:t>
+                      </a:r>
+                    </a:p>
+                  </a:txBody>
+                  <a:tcPr marL="20145" marR="20145" marT="10073" marB="10073" anchor="ctr"/>
+                </a:tc>
+                <a:tc>
+                  <a:txBody>
+                    <a:bodyPr/>
+                    <a:lstStyle/>
+                    <a:p>
+                      <a:pPr>
+                        <a:buNone/>
+                      </a:pPr>
+                      <a:r>
+                        <a:rPr lang="en-US" sz="1000">
+                          <a:highlight>
+                            <a:srgbClr val="FFFF00"/>
+                          </a:highlight>
+                        </a:rPr>
+                        <a:t>INTEGER</a:t>
+                      </a:r>
+                    </a:p>
+                  </a:txBody>
+                  <a:tcPr marL="20145" marR="20145" marT="10073" marB="10073" anchor="ctr"/>
+                </a:tc>
+                <a:tc>
+                  <a:txBody>
+                    <a:bodyPr/>
+                    <a:lstStyle/>
+                    <a:p>
+                      <a:pPr>
+                        <a:buNone/>
+                      </a:pPr>
+                      <a:r>
+                        <a:rPr lang="en-GB" sz="1000" dirty="0">
+                          <a:highlight>
+                            <a:srgbClr val="FFFF00"/>
+                          </a:highlight>
+                        </a:rPr>
+                        <a:t>End time in UTC (milliseconds since epoch).</a:t>
+                      </a:r>
+                    </a:p>
+                  </a:txBody>
+                  <a:tcPr marL="20145" marR="20145" marT="10073" marB="10073" anchor="ctr"/>
+                </a:tc>
+                <a:extLst>
+                  <a:ext uri="{0D108BD9-81ED-4DB2-BD59-A6C34878D82A}">
+                    <a16:rowId xmlns:a16="http://schemas.microsoft.com/office/drawing/2014/main" val="1845662120"/>
+                  </a:ext>
+                </a:extLst>
+              </a:tr>
+              <a:tr h="141016">
+                <a:tc>
+                  <a:txBody>
+                    <a:bodyPr/>
+                    <a:lstStyle/>
+                    <a:p>
+                      <a:pPr>
+                        <a:buNone/>
+                      </a:pPr>
+                      <a:r>
+                        <a:rPr lang="en-US" sz="1000"/>
+                        <a:t>duration</a:t>
+                      </a:r>
+                    </a:p>
+                  </a:txBody>
+                  <a:tcPr marL="20145" marR="20145" marT="10073" marB="10073" anchor="ctr"/>
+                </a:tc>
+                <a:tc>
+                  <a:txBody>
+                    <a:bodyPr/>
+                    <a:lstStyle/>
+                    <a:p>
+                      <a:pPr>
+                        <a:buNone/>
+                      </a:pPr>
+                      <a:r>
+                        <a:rPr lang="en-US" sz="1000"/>
+                        <a:t>TEXT</a:t>
+                      </a:r>
+                    </a:p>
+                  </a:txBody>
+                  <a:tcPr marL="20145" marR="20145" marT="10073" marB="10073" anchor="ctr"/>
+                </a:tc>
+                <a:tc>
+                  <a:txBody>
+                    <a:bodyPr/>
+                    <a:lstStyle/>
+                    <a:p>
+                      <a:pPr>
+                        <a:buNone/>
+                      </a:pPr>
+                      <a:r>
+                        <a:rPr lang="en-GB" sz="1000"/>
+                        <a:t>Duration if dtend is not set (e.g., “PT1H”).</a:t>
+                      </a:r>
+                    </a:p>
+                  </a:txBody>
+                  <a:tcPr marL="20145" marR="20145" marT="10073" marB="10073" anchor="ctr"/>
+                </a:tc>
+                <a:extLst>
+                  <a:ext uri="{0D108BD9-81ED-4DB2-BD59-A6C34878D82A}">
+                    <a16:rowId xmlns:a16="http://schemas.microsoft.com/office/drawing/2014/main" val="2393044498"/>
+                  </a:ext>
+                </a:extLst>
+              </a:tr>
+              <a:tr h="80580">
+                <a:tc>
+                  <a:txBody>
+                    <a:bodyPr/>
+                    <a:lstStyle/>
+                    <a:p>
+                      <a:pPr>
+                        <a:buNone/>
+                      </a:pPr>
+                      <a:r>
+                        <a:rPr lang="en-US" sz="1000"/>
+                        <a:t>eventTimezone</a:t>
+                      </a:r>
+                    </a:p>
+                  </a:txBody>
+                  <a:tcPr marL="20145" marR="20145" marT="10073" marB="10073" anchor="ctr"/>
+                </a:tc>
+                <a:tc>
+                  <a:txBody>
+                    <a:bodyPr/>
+                    <a:lstStyle/>
+                    <a:p>
+                      <a:pPr>
+                        <a:buNone/>
+                      </a:pPr>
+                      <a:r>
+                        <a:rPr lang="en-US" sz="1000"/>
+                        <a:t>TEXT</a:t>
+                      </a:r>
+                    </a:p>
+                  </a:txBody>
+                  <a:tcPr marL="20145" marR="20145" marT="10073" marB="10073" anchor="ctr"/>
+                </a:tc>
+                <a:tc>
+                  <a:txBody>
+                    <a:bodyPr/>
+                    <a:lstStyle/>
+                    <a:p>
+                      <a:pPr>
+                        <a:buNone/>
+                      </a:pPr>
+                      <a:r>
+                        <a:rPr lang="en-GB" sz="1000"/>
+                        <a:t>Time zone for the event start.</a:t>
+                      </a:r>
+                    </a:p>
+                  </a:txBody>
+                  <a:tcPr marL="20145" marR="20145" marT="10073" marB="10073" anchor="ctr"/>
+                </a:tc>
+                <a:extLst>
+                  <a:ext uri="{0D108BD9-81ED-4DB2-BD59-A6C34878D82A}">
+                    <a16:rowId xmlns:a16="http://schemas.microsoft.com/office/drawing/2014/main" val="2635192115"/>
+                  </a:ext>
+                </a:extLst>
+              </a:tr>
+              <a:tr h="141016">
+                <a:tc>
+                  <a:txBody>
+                    <a:bodyPr/>
+                    <a:lstStyle/>
+                    <a:p>
+                      <a:pPr>
+                        <a:buNone/>
+                      </a:pPr>
+                      <a:r>
+                        <a:rPr lang="en-US" sz="1000"/>
+                        <a:t>eventEndTimezone</a:t>
+                      </a:r>
+                    </a:p>
+                  </a:txBody>
+                  <a:tcPr marL="20145" marR="20145" marT="10073" marB="10073" anchor="ctr"/>
+                </a:tc>
+                <a:tc>
+                  <a:txBody>
+                    <a:bodyPr/>
+                    <a:lstStyle/>
+                    <a:p>
+                      <a:pPr>
+                        <a:buNone/>
+                      </a:pPr>
+                      <a:r>
+                        <a:rPr lang="en-US" sz="1000"/>
+                        <a:t>TEXT</a:t>
+                      </a:r>
+                    </a:p>
+                  </a:txBody>
+                  <a:tcPr marL="20145" marR="20145" marT="10073" marB="10073" anchor="ctr"/>
+                </a:tc>
+                <a:tc>
+                  <a:txBody>
+                    <a:bodyPr/>
+                    <a:lstStyle/>
+                    <a:p>
+                      <a:pPr>
+                        <a:buNone/>
+                      </a:pPr>
+                      <a:r>
+                        <a:rPr lang="en-GB" sz="1000"/>
+                        <a:t>Time zone for the event end (Android ≥7.0).</a:t>
+                      </a:r>
+                    </a:p>
+                  </a:txBody>
+                  <a:tcPr marL="20145" marR="20145" marT="10073" marB="10073" anchor="ctr"/>
+                </a:tc>
+                <a:extLst>
+                  <a:ext uri="{0D108BD9-81ED-4DB2-BD59-A6C34878D82A}">
+                    <a16:rowId xmlns:a16="http://schemas.microsoft.com/office/drawing/2014/main" val="3544936109"/>
+                  </a:ext>
+                </a:extLst>
+              </a:tr>
+              <a:tr h="80580">
+                <a:tc>
+                  <a:txBody>
+                    <a:bodyPr/>
+                    <a:lstStyle/>
+                    <a:p>
+                      <a:pPr>
+                        <a:buNone/>
+                      </a:pPr>
+                      <a:r>
+                        <a:rPr lang="en-US" sz="1000"/>
+                        <a:t>allDay</a:t>
+                      </a:r>
+                    </a:p>
+                  </a:txBody>
+                  <a:tcPr marL="20145" marR="20145" marT="10073" marB="10073" anchor="ctr"/>
+                </a:tc>
+                <a:tc>
+                  <a:txBody>
+                    <a:bodyPr/>
+                    <a:lstStyle/>
+                    <a:p>
+                      <a:pPr>
+                        <a:buNone/>
+                      </a:pPr>
+                      <a:r>
+                        <a:rPr lang="en-US" sz="1000"/>
+                        <a:t>INTEGER</a:t>
+                      </a:r>
+                    </a:p>
+                  </a:txBody>
+                  <a:tcPr marL="20145" marR="20145" marT="10073" marB="10073" anchor="ctr"/>
+                </a:tc>
+                <a:tc>
+                  <a:txBody>
+                    <a:bodyPr/>
+                    <a:lstStyle/>
+                    <a:p>
+                      <a:pPr>
+                        <a:buNone/>
+                      </a:pPr>
+                      <a:r>
+                        <a:rPr lang="en-GB" sz="1000"/>
+                        <a:t>1 if all-day event, else 0.</a:t>
+                      </a:r>
+                    </a:p>
+                  </a:txBody>
+                  <a:tcPr marL="20145" marR="20145" marT="10073" marB="10073" anchor="ctr"/>
+                </a:tc>
+                <a:extLst>
+                  <a:ext uri="{0D108BD9-81ED-4DB2-BD59-A6C34878D82A}">
+                    <a16:rowId xmlns:a16="http://schemas.microsoft.com/office/drawing/2014/main" val="3347902061"/>
+                  </a:ext>
+                </a:extLst>
+              </a:tr>
+              <a:tr h="141016">
+                <a:tc>
+                  <a:txBody>
+                    <a:bodyPr/>
+                    <a:lstStyle/>
+                    <a:p>
+                      <a:pPr>
+                        <a:buNone/>
+                      </a:pPr>
+                      <a:r>
+                        <a:rPr lang="en-US" sz="1000"/>
+                        <a:t>rrule</a:t>
+                      </a:r>
+                    </a:p>
+                  </a:txBody>
+                  <a:tcPr marL="20145" marR="20145" marT="10073" marB="10073" anchor="ctr"/>
+                </a:tc>
+                <a:tc>
+                  <a:txBody>
+                    <a:bodyPr/>
+                    <a:lstStyle/>
+                    <a:p>
+                      <a:pPr>
+                        <a:buNone/>
+                      </a:pPr>
+                      <a:r>
+                        <a:rPr lang="en-US" sz="1000"/>
+                        <a:t>TEXT</a:t>
+                      </a:r>
+                    </a:p>
+                  </a:txBody>
+                  <a:tcPr marL="20145" marR="20145" marT="10073" marB="10073" anchor="ctr"/>
+                </a:tc>
+                <a:tc>
+                  <a:txBody>
+                    <a:bodyPr/>
+                    <a:lstStyle/>
+                    <a:p>
+                      <a:pPr>
+                        <a:buNone/>
+                      </a:pPr>
+                      <a:r>
+                        <a:rPr lang="en-GB" sz="1000"/>
+                        <a:t>Recurrence rule (RFC 5545 format, e.g., “FREQ=WEEKLY;COUNT=10”).</a:t>
+                      </a:r>
+                    </a:p>
+                  </a:txBody>
+                  <a:tcPr marL="20145" marR="20145" marT="10073" marB="10073" anchor="ctr"/>
+                </a:tc>
+                <a:extLst>
+                  <a:ext uri="{0D108BD9-81ED-4DB2-BD59-A6C34878D82A}">
+                    <a16:rowId xmlns:a16="http://schemas.microsoft.com/office/drawing/2014/main" val="1230317401"/>
+                  </a:ext>
+                </a:extLst>
+              </a:tr>
+              <a:tr h="80580">
+                <a:tc>
+                  <a:txBody>
+                    <a:bodyPr/>
+                    <a:lstStyle/>
+                    <a:p>
+                      <a:pPr>
+                        <a:buNone/>
+                      </a:pPr>
+                      <a:r>
+                        <a:rPr lang="en-US" sz="1000"/>
+                        <a:t>rdate</a:t>
+                      </a:r>
+                    </a:p>
+                  </a:txBody>
+                  <a:tcPr marL="20145" marR="20145" marT="10073" marB="10073" anchor="ctr"/>
+                </a:tc>
+                <a:tc>
+                  <a:txBody>
+                    <a:bodyPr/>
+                    <a:lstStyle/>
+                    <a:p>
+                      <a:pPr>
+                        <a:buNone/>
+                      </a:pPr>
+                      <a:r>
+                        <a:rPr lang="en-US" sz="1000"/>
+                        <a:t>TEXT</a:t>
+                      </a:r>
+                    </a:p>
+                  </a:txBody>
+                  <a:tcPr marL="20145" marR="20145" marT="10073" marB="10073" anchor="ctr"/>
+                </a:tc>
+                <a:tc>
+                  <a:txBody>
+                    <a:bodyPr/>
+                    <a:lstStyle/>
+                    <a:p>
+                      <a:pPr>
+                        <a:buNone/>
+                      </a:pPr>
+                      <a:r>
+                        <a:rPr lang="en-US" sz="1000"/>
+                        <a:t>Recurrence dates.</a:t>
+                      </a:r>
+                    </a:p>
+                  </a:txBody>
+                  <a:tcPr marL="20145" marR="20145" marT="10073" marB="10073" anchor="ctr"/>
+                </a:tc>
+                <a:extLst>
+                  <a:ext uri="{0D108BD9-81ED-4DB2-BD59-A6C34878D82A}">
+                    <a16:rowId xmlns:a16="http://schemas.microsoft.com/office/drawing/2014/main" val="4250316731"/>
+                  </a:ext>
+                </a:extLst>
+              </a:tr>
+              <a:tr h="80580">
+                <a:tc>
+                  <a:txBody>
+                    <a:bodyPr/>
+                    <a:lstStyle/>
+                    <a:p>
+                      <a:pPr>
+                        <a:buNone/>
+                      </a:pPr>
+                      <a:r>
+                        <a:rPr lang="en-US" sz="1000"/>
+                        <a:t>exrule</a:t>
+                      </a:r>
+                    </a:p>
+                  </a:txBody>
+                  <a:tcPr marL="20145" marR="20145" marT="10073" marB="10073" anchor="ctr"/>
+                </a:tc>
+                <a:tc>
+                  <a:txBody>
+                    <a:bodyPr/>
+                    <a:lstStyle/>
+                    <a:p>
+                      <a:pPr>
+                        <a:buNone/>
+                      </a:pPr>
+                      <a:r>
+                        <a:rPr lang="en-US" sz="1000"/>
+                        <a:t>TEXT</a:t>
+                      </a:r>
+                    </a:p>
+                  </a:txBody>
+                  <a:tcPr marL="20145" marR="20145" marT="10073" marB="10073" anchor="ctr"/>
+                </a:tc>
+                <a:tc>
+                  <a:txBody>
+                    <a:bodyPr/>
+                    <a:lstStyle/>
+                    <a:p>
+                      <a:pPr>
+                        <a:buNone/>
+                      </a:pPr>
+                      <a:r>
+                        <a:rPr lang="en-US" sz="1000"/>
+                        <a:t>Exclusion rule.</a:t>
+                      </a:r>
+                    </a:p>
+                  </a:txBody>
+                  <a:tcPr marL="20145" marR="20145" marT="10073" marB="10073" anchor="ctr"/>
+                </a:tc>
+                <a:extLst>
+                  <a:ext uri="{0D108BD9-81ED-4DB2-BD59-A6C34878D82A}">
+                    <a16:rowId xmlns:a16="http://schemas.microsoft.com/office/drawing/2014/main" val="3971136545"/>
+                  </a:ext>
+                </a:extLst>
+              </a:tr>
+              <a:tr h="80580">
+                <a:tc>
+                  <a:txBody>
+                    <a:bodyPr/>
+                    <a:lstStyle/>
+                    <a:p>
+                      <a:pPr>
+                        <a:buNone/>
+                      </a:pPr>
+                      <a:r>
+                        <a:rPr lang="en-US" sz="1000"/>
+                        <a:t>exdate</a:t>
+                      </a:r>
+                    </a:p>
+                  </a:txBody>
+                  <a:tcPr marL="20145" marR="20145" marT="10073" marB="10073" anchor="ctr"/>
+                </a:tc>
+                <a:tc>
+                  <a:txBody>
+                    <a:bodyPr/>
+                    <a:lstStyle/>
+                    <a:p>
+                      <a:pPr>
+                        <a:buNone/>
+                      </a:pPr>
+                      <a:r>
+                        <a:rPr lang="en-US" sz="1000"/>
+                        <a:t>TEXT</a:t>
+                      </a:r>
+                    </a:p>
+                  </a:txBody>
+                  <a:tcPr marL="20145" marR="20145" marT="10073" marB="10073" anchor="ctr"/>
+                </a:tc>
+                <a:tc>
+                  <a:txBody>
+                    <a:bodyPr/>
+                    <a:lstStyle/>
+                    <a:p>
+                      <a:pPr>
+                        <a:buNone/>
+                      </a:pPr>
+                      <a:r>
+                        <a:rPr lang="en-US" sz="1000"/>
+                        <a:t>Exclusion dates.</a:t>
+                      </a:r>
+                    </a:p>
+                  </a:txBody>
+                  <a:tcPr marL="20145" marR="20145" marT="10073" marB="10073" anchor="ctr"/>
+                </a:tc>
+                <a:extLst>
+                  <a:ext uri="{0D108BD9-81ED-4DB2-BD59-A6C34878D82A}">
+                    <a16:rowId xmlns:a16="http://schemas.microsoft.com/office/drawing/2014/main" val="1827325579"/>
+                  </a:ext>
+                </a:extLst>
+              </a:tr>
+              <a:tr h="141016">
+                <a:tc>
+                  <a:txBody>
+                    <a:bodyPr/>
+                    <a:lstStyle/>
+                    <a:p>
+                      <a:pPr>
+                        <a:buNone/>
+                      </a:pPr>
+                      <a:r>
+                        <a:rPr lang="en-US" sz="1000"/>
+                        <a:t>original_id</a:t>
+                      </a:r>
+                    </a:p>
+                  </a:txBody>
+                  <a:tcPr marL="20145" marR="20145" marT="10073" marB="10073" anchor="ctr"/>
+                </a:tc>
+                <a:tc>
+                  <a:txBody>
+                    <a:bodyPr/>
+                    <a:lstStyle/>
+                    <a:p>
+                      <a:pPr>
+                        <a:buNone/>
+                      </a:pPr>
+                      <a:r>
+                        <a:rPr lang="en-US" sz="1000"/>
+                        <a:t>INTEGER</a:t>
+                      </a:r>
+                    </a:p>
+                  </a:txBody>
+                  <a:tcPr marL="20145" marR="20145" marT="10073" marB="10073" anchor="ctr"/>
+                </a:tc>
+                <a:tc>
+                  <a:txBody>
+                    <a:bodyPr/>
+                    <a:lstStyle/>
+                    <a:p>
+                      <a:pPr>
+                        <a:buNone/>
+                      </a:pPr>
+                      <a:r>
+                        <a:rPr lang="en-GB" sz="1000"/>
+                        <a:t>_id of the original recurring event (for exceptions).</a:t>
+                      </a:r>
+                    </a:p>
+                  </a:txBody>
+                  <a:tcPr marL="20145" marR="20145" marT="10073" marB="10073" anchor="ctr"/>
+                </a:tc>
+                <a:extLst>
+                  <a:ext uri="{0D108BD9-81ED-4DB2-BD59-A6C34878D82A}">
+                    <a16:rowId xmlns:a16="http://schemas.microsoft.com/office/drawing/2014/main" val="3422056266"/>
+                  </a:ext>
+                </a:extLst>
+              </a:tr>
+              <a:tr h="141016">
+                <a:tc>
+                  <a:txBody>
+                    <a:bodyPr/>
+                    <a:lstStyle/>
+                    <a:p>
+                      <a:pPr>
+                        <a:buNone/>
+                      </a:pPr>
+                      <a:r>
+                        <a:rPr lang="en-US" sz="1000"/>
+                        <a:t>original_sync_id</a:t>
+                      </a:r>
+                    </a:p>
+                  </a:txBody>
+                  <a:tcPr marL="20145" marR="20145" marT="10073" marB="10073" anchor="ctr"/>
+                </a:tc>
+                <a:tc>
+                  <a:txBody>
+                    <a:bodyPr/>
+                    <a:lstStyle/>
+                    <a:p>
+                      <a:pPr>
+                        <a:buNone/>
+                      </a:pPr>
+                      <a:r>
+                        <a:rPr lang="en-US" sz="1000"/>
+                        <a:t>TEXT</a:t>
+                      </a:r>
+                    </a:p>
+                  </a:txBody>
+                  <a:tcPr marL="20145" marR="20145" marT="10073" marB="10073" anchor="ctr"/>
+                </a:tc>
+                <a:tc>
+                  <a:txBody>
+                    <a:bodyPr/>
+                    <a:lstStyle/>
+                    <a:p>
+                      <a:pPr>
+                        <a:buNone/>
+                      </a:pPr>
+                      <a:r>
+                        <a:rPr lang="en-GB" sz="1000"/>
+                        <a:t>Legacy sync ID for recurring exceptions.</a:t>
+                      </a:r>
+                    </a:p>
+                  </a:txBody>
+                  <a:tcPr marL="20145" marR="20145" marT="10073" marB="10073" anchor="ctr"/>
+                </a:tc>
+                <a:extLst>
+                  <a:ext uri="{0D108BD9-81ED-4DB2-BD59-A6C34878D82A}">
+                    <a16:rowId xmlns:a16="http://schemas.microsoft.com/office/drawing/2014/main" val="799796168"/>
+                  </a:ext>
+                </a:extLst>
+              </a:tr>
+              <a:tr h="141016">
+                <a:tc>
+                  <a:txBody>
+                    <a:bodyPr/>
+                    <a:lstStyle/>
+                    <a:p>
+                      <a:pPr>
+                        <a:buNone/>
+                      </a:pPr>
+                      <a:r>
+                        <a:rPr lang="en-US" sz="1000"/>
+                        <a:t>originalInstanceTime</a:t>
+                      </a:r>
+                    </a:p>
+                  </a:txBody>
+                  <a:tcPr marL="20145" marR="20145" marT="10073" marB="10073" anchor="ctr"/>
+                </a:tc>
+                <a:tc>
+                  <a:txBody>
+                    <a:bodyPr/>
+                    <a:lstStyle/>
+                    <a:p>
+                      <a:pPr>
+                        <a:buNone/>
+                      </a:pPr>
+                      <a:r>
+                        <a:rPr lang="en-US" sz="1000"/>
+                        <a:t>INTEGER</a:t>
+                      </a:r>
+                    </a:p>
+                  </a:txBody>
+                  <a:tcPr marL="20145" marR="20145" marT="10073" marB="10073" anchor="ctr"/>
+                </a:tc>
+                <a:tc>
+                  <a:txBody>
+                    <a:bodyPr/>
+                    <a:lstStyle/>
+                    <a:p>
+                      <a:pPr>
+                        <a:buNone/>
+                      </a:pPr>
+                      <a:r>
+                        <a:rPr lang="en-GB" sz="1000"/>
+                        <a:t>Start time of the original recurring instance.</a:t>
+                      </a:r>
+                    </a:p>
+                  </a:txBody>
+                  <a:tcPr marL="20145" marR="20145" marT="10073" marB="10073" anchor="ctr"/>
+                </a:tc>
+                <a:extLst>
+                  <a:ext uri="{0D108BD9-81ED-4DB2-BD59-A6C34878D82A}">
+                    <a16:rowId xmlns:a16="http://schemas.microsoft.com/office/drawing/2014/main" val="2176223393"/>
+                  </a:ext>
+                </a:extLst>
+              </a:tr>
+              <a:tr h="141016">
+                <a:tc>
+                  <a:txBody>
+                    <a:bodyPr/>
+                    <a:lstStyle/>
+                    <a:p>
+                      <a:pPr>
+                        <a:buNone/>
+                      </a:pPr>
+                      <a:r>
+                        <a:rPr lang="en-US" sz="1000"/>
+                        <a:t>originalAllDay</a:t>
+                      </a:r>
+                    </a:p>
+                  </a:txBody>
+                  <a:tcPr marL="20145" marR="20145" marT="10073" marB="10073" anchor="ctr"/>
+                </a:tc>
+                <a:tc>
+                  <a:txBody>
+                    <a:bodyPr/>
+                    <a:lstStyle/>
+                    <a:p>
+                      <a:pPr>
+                        <a:buNone/>
+                      </a:pPr>
+                      <a:r>
+                        <a:rPr lang="en-US" sz="1000"/>
+                        <a:t>INTEGER</a:t>
+                      </a:r>
+                    </a:p>
+                  </a:txBody>
+                  <a:tcPr marL="20145" marR="20145" marT="10073" marB="10073" anchor="ctr"/>
+                </a:tc>
+                <a:tc>
+                  <a:txBody>
+                    <a:bodyPr/>
+                    <a:lstStyle/>
+                    <a:p>
+                      <a:pPr>
+                        <a:buNone/>
+                      </a:pPr>
+                      <a:r>
+                        <a:rPr lang="en-GB" sz="1000"/>
+                        <a:t>Whether the original event was all-day.</a:t>
+                      </a:r>
+                    </a:p>
+                  </a:txBody>
+                  <a:tcPr marL="20145" marR="20145" marT="10073" marB="10073" anchor="ctr"/>
+                </a:tc>
+                <a:extLst>
+                  <a:ext uri="{0D108BD9-81ED-4DB2-BD59-A6C34878D82A}">
+                    <a16:rowId xmlns:a16="http://schemas.microsoft.com/office/drawing/2014/main" val="2240201528"/>
+                  </a:ext>
+                </a:extLst>
+              </a:tr>
+              <a:tr h="141016">
+                <a:tc>
+                  <a:txBody>
+                    <a:bodyPr/>
+                    <a:lstStyle/>
+                    <a:p>
+                      <a:pPr>
+                        <a:buNone/>
+                      </a:pPr>
+                      <a:r>
+                        <a:rPr lang="en-US" sz="1000"/>
+                        <a:t>lastDate</a:t>
+                      </a:r>
+                    </a:p>
+                  </a:txBody>
+                  <a:tcPr marL="20145" marR="20145" marT="10073" marB="10073" anchor="ctr"/>
+                </a:tc>
+                <a:tc>
+                  <a:txBody>
+                    <a:bodyPr/>
+                    <a:lstStyle/>
+                    <a:p>
+                      <a:pPr>
+                        <a:buNone/>
+                      </a:pPr>
+                      <a:r>
+                        <a:rPr lang="en-US" sz="1000"/>
+                        <a:t>INTEGER</a:t>
+                      </a:r>
+                    </a:p>
+                  </a:txBody>
+                  <a:tcPr marL="20145" marR="20145" marT="10073" marB="10073" anchor="ctr"/>
+                </a:tc>
+                <a:tc>
+                  <a:txBody>
+                    <a:bodyPr/>
+                    <a:lstStyle/>
+                    <a:p>
+                      <a:pPr>
+                        <a:buNone/>
+                      </a:pPr>
+                      <a:r>
+                        <a:rPr lang="en-GB" sz="1000"/>
+                        <a:t>Last date this event repeats on (UTC ms).</a:t>
+                      </a:r>
+                    </a:p>
+                  </a:txBody>
+                  <a:tcPr marL="20145" marR="20145" marT="10073" marB="10073" anchor="ctr"/>
+                </a:tc>
+                <a:extLst>
+                  <a:ext uri="{0D108BD9-81ED-4DB2-BD59-A6C34878D82A}">
+                    <a16:rowId xmlns:a16="http://schemas.microsoft.com/office/drawing/2014/main" val="1466473233"/>
+                  </a:ext>
+                </a:extLst>
+              </a:tr>
+              <a:tr h="80580">
+                <a:tc>
+                  <a:txBody>
+                    <a:bodyPr/>
+                    <a:lstStyle/>
+                    <a:p>
+                      <a:pPr>
+                        <a:buNone/>
+                      </a:pPr>
+                      <a:r>
+                        <a:rPr lang="en-US" sz="1000"/>
+                        <a:t>hasAlarm</a:t>
+                      </a:r>
+                    </a:p>
+                  </a:txBody>
+                  <a:tcPr marL="20145" marR="20145" marT="10073" marB="10073" anchor="ctr"/>
+                </a:tc>
+                <a:tc>
+                  <a:txBody>
+                    <a:bodyPr/>
+                    <a:lstStyle/>
+                    <a:p>
+                      <a:pPr>
+                        <a:buNone/>
+                      </a:pPr>
+                      <a:r>
+                        <a:rPr lang="en-US" sz="1000"/>
+                        <a:t>INTEGER</a:t>
+                      </a:r>
+                    </a:p>
+                  </a:txBody>
+                  <a:tcPr marL="20145" marR="20145" marT="10073" marB="10073" anchor="ctr"/>
+                </a:tc>
+                <a:tc>
+                  <a:txBody>
+                    <a:bodyPr/>
+                    <a:lstStyle/>
+                    <a:p>
+                      <a:pPr>
+                        <a:buNone/>
+                      </a:pPr>
+                      <a:r>
+                        <a:rPr lang="en-GB" sz="1000"/>
+                        <a:t>1 if event has a reminder.</a:t>
+                      </a:r>
+                    </a:p>
+                  </a:txBody>
+                  <a:tcPr marL="20145" marR="20145" marT="10073" marB="10073" anchor="ctr"/>
+                </a:tc>
+                <a:extLst>
+                  <a:ext uri="{0D108BD9-81ED-4DB2-BD59-A6C34878D82A}">
+                    <a16:rowId xmlns:a16="http://schemas.microsoft.com/office/drawing/2014/main" val="504496588"/>
+                  </a:ext>
+                </a:extLst>
+              </a:tr>
+              <a:tr h="80580">
+                <a:tc>
+                  <a:txBody>
+                    <a:bodyPr/>
+                    <a:lstStyle/>
+                    <a:p>
+                      <a:pPr>
+                        <a:buNone/>
+                      </a:pPr>
+                      <a:r>
+                        <a:rPr lang="en-US" sz="1000"/>
+                        <a:t>hasExtendedProperties</a:t>
+                      </a:r>
+                    </a:p>
+                  </a:txBody>
+                  <a:tcPr marL="20145" marR="20145" marT="10073" marB="10073" anchor="ctr"/>
+                </a:tc>
+                <a:tc>
+                  <a:txBody>
+                    <a:bodyPr/>
+                    <a:lstStyle/>
+                    <a:p>
+                      <a:pPr>
+                        <a:buNone/>
+                      </a:pPr>
+                      <a:r>
+                        <a:rPr lang="en-US" sz="1000"/>
+                        <a:t>INTEGER</a:t>
+                      </a:r>
+                    </a:p>
+                  </a:txBody>
+                  <a:tcPr marL="20145" marR="20145" marT="10073" marB="10073" anchor="ctr"/>
+                </a:tc>
+                <a:tc>
+                  <a:txBody>
+                    <a:bodyPr/>
+                    <a:lstStyle/>
+                    <a:p>
+                      <a:pPr>
+                        <a:buNone/>
+                      </a:pPr>
+                      <a:r>
+                        <a:rPr lang="en-GB" sz="1000"/>
+                        <a:t>1 if event has extended properties.</a:t>
+                      </a:r>
+                    </a:p>
+                  </a:txBody>
+                  <a:tcPr marL="20145" marR="20145" marT="10073" marB="10073" anchor="ctr"/>
+                </a:tc>
+                <a:extLst>
+                  <a:ext uri="{0D108BD9-81ED-4DB2-BD59-A6C34878D82A}">
+                    <a16:rowId xmlns:a16="http://schemas.microsoft.com/office/drawing/2014/main" val="2222420644"/>
+                  </a:ext>
+                </a:extLst>
+              </a:tr>
+              <a:tr h="141016">
+                <a:tc>
+                  <a:txBody>
+                    <a:bodyPr/>
+                    <a:lstStyle/>
+                    <a:p>
+                      <a:pPr>
+                        <a:buNone/>
+                      </a:pPr>
+                      <a:r>
+                        <a:rPr lang="en-US" sz="1000"/>
+                        <a:t>accessLevel</a:t>
+                      </a:r>
+                    </a:p>
+                  </a:txBody>
+                  <a:tcPr marL="20145" marR="20145" marT="10073" marB="10073" anchor="ctr"/>
+                </a:tc>
+                <a:tc>
+                  <a:txBody>
+                    <a:bodyPr/>
+                    <a:lstStyle/>
+                    <a:p>
+                      <a:pPr>
+                        <a:buNone/>
+                      </a:pPr>
+                      <a:r>
+                        <a:rPr lang="en-US" sz="1000"/>
+                        <a:t>INTEGER</a:t>
+                      </a:r>
+                    </a:p>
+                  </a:txBody>
+                  <a:tcPr marL="20145" marR="20145" marT="10073" marB="10073" anchor="ctr"/>
+                </a:tc>
+                <a:tc>
+                  <a:txBody>
+                    <a:bodyPr/>
+                    <a:lstStyle/>
+                    <a:p>
+                      <a:pPr>
+                        <a:buNone/>
+                      </a:pPr>
+                      <a:r>
+                        <a:rPr lang="en-GB" sz="1000"/>
+                        <a:t>Access level (default=0, owner=700, etc.).</a:t>
+                      </a:r>
+                    </a:p>
+                  </a:txBody>
+                  <a:tcPr marL="20145" marR="20145" marT="10073" marB="10073" anchor="ctr"/>
+                </a:tc>
+                <a:extLst>
+                  <a:ext uri="{0D108BD9-81ED-4DB2-BD59-A6C34878D82A}">
+                    <a16:rowId xmlns:a16="http://schemas.microsoft.com/office/drawing/2014/main" val="1439543560"/>
+                  </a:ext>
+                </a:extLst>
+              </a:tr>
+              <a:tr h="141016">
+                <a:tc>
+                  <a:txBody>
+                    <a:bodyPr/>
+                    <a:lstStyle/>
+                    <a:p>
+                      <a:pPr>
+                        <a:buNone/>
+                      </a:pPr>
+                      <a:r>
+                        <a:rPr lang="en-US" sz="1000"/>
+                        <a:t>availability</a:t>
+                      </a:r>
+                    </a:p>
+                  </a:txBody>
+                  <a:tcPr marL="20145" marR="20145" marT="10073" marB="10073" anchor="ctr"/>
+                </a:tc>
+                <a:tc>
+                  <a:txBody>
+                    <a:bodyPr/>
+                    <a:lstStyle/>
+                    <a:p>
+                      <a:pPr>
+                        <a:buNone/>
+                      </a:pPr>
+                      <a:r>
+                        <a:rPr lang="en-US" sz="1000"/>
+                        <a:t>INTEGER</a:t>
+                      </a:r>
+                    </a:p>
+                  </a:txBody>
+                  <a:tcPr marL="20145" marR="20145" marT="10073" marB="10073" anchor="ctr"/>
+                </a:tc>
+                <a:tc>
+                  <a:txBody>
+                    <a:bodyPr/>
+                    <a:lstStyle/>
+                    <a:p>
+                      <a:pPr>
+                        <a:buNone/>
+                      </a:pPr>
+                      <a:r>
+                        <a:rPr lang="en-GB" sz="1000"/>
+                        <a:t>Availability (busy=0, free=1, tentative=2).</a:t>
+                      </a:r>
+                    </a:p>
+                  </a:txBody>
+                  <a:tcPr marL="20145" marR="20145" marT="10073" marB="10073" anchor="ctr"/>
+                </a:tc>
+                <a:extLst>
+                  <a:ext uri="{0D108BD9-81ED-4DB2-BD59-A6C34878D82A}">
+                    <a16:rowId xmlns:a16="http://schemas.microsoft.com/office/drawing/2014/main" val="896062383"/>
+                  </a:ext>
+                </a:extLst>
+              </a:tr>
+              <a:tr h="141016">
+                <a:tc>
+                  <a:txBody>
+                    <a:bodyPr/>
+                    <a:lstStyle/>
+                    <a:p>
+                      <a:pPr>
+                        <a:buNone/>
+                      </a:pPr>
+                      <a:r>
+                        <a:rPr lang="en-US" sz="1000"/>
+                        <a:t>guestsCanModify</a:t>
+                      </a:r>
+                    </a:p>
+                  </a:txBody>
+                  <a:tcPr marL="20145" marR="20145" marT="10073" marB="10073" anchor="ctr"/>
+                </a:tc>
+                <a:tc>
+                  <a:txBody>
+                    <a:bodyPr/>
+                    <a:lstStyle/>
+                    <a:p>
+                      <a:pPr>
+                        <a:buNone/>
+                      </a:pPr>
+                      <a:r>
+                        <a:rPr lang="en-US" sz="1000"/>
+                        <a:t>INTEGER</a:t>
+                      </a:r>
+                    </a:p>
+                  </a:txBody>
+                  <a:tcPr marL="20145" marR="20145" marT="10073" marB="10073" anchor="ctr"/>
+                </a:tc>
+                <a:tc>
+                  <a:txBody>
+                    <a:bodyPr/>
+                    <a:lstStyle/>
+                    <a:p>
+                      <a:pPr>
+                        <a:buNone/>
+                      </a:pPr>
+                      <a:r>
+                        <a:rPr lang="en-GB" sz="1000"/>
+                        <a:t>Whether guests can modify the event.</a:t>
+                      </a:r>
+                    </a:p>
+                  </a:txBody>
+                  <a:tcPr marL="20145" marR="20145" marT="10073" marB="10073" anchor="ctr"/>
+                </a:tc>
+                <a:extLst>
+                  <a:ext uri="{0D108BD9-81ED-4DB2-BD59-A6C34878D82A}">
+                    <a16:rowId xmlns:a16="http://schemas.microsoft.com/office/drawing/2014/main" val="1755789902"/>
+                  </a:ext>
+                </a:extLst>
+              </a:tr>
+              <a:tr h="80580">
+                <a:tc>
+                  <a:txBody>
+                    <a:bodyPr/>
+                    <a:lstStyle/>
+                    <a:p>
+                      <a:pPr>
+                        <a:buNone/>
+                      </a:pPr>
+                      <a:r>
+                        <a:rPr lang="en-US" sz="1000"/>
+                        <a:t>guestsCanInviteOthers</a:t>
+                      </a:r>
+                    </a:p>
+                  </a:txBody>
+                  <a:tcPr marL="20145" marR="20145" marT="10073" marB="10073" anchor="ctr"/>
+                </a:tc>
+                <a:tc>
+                  <a:txBody>
+                    <a:bodyPr/>
+                    <a:lstStyle/>
+                    <a:p>
+                      <a:pPr>
+                        <a:buNone/>
+                      </a:pPr>
+                      <a:r>
+                        <a:rPr lang="en-US" sz="1000"/>
+                        <a:t>INTEGER</a:t>
+                      </a:r>
+                    </a:p>
+                  </a:txBody>
+                  <a:tcPr marL="20145" marR="20145" marT="10073" marB="10073" anchor="ctr"/>
+                </a:tc>
+                <a:tc>
+                  <a:txBody>
+                    <a:bodyPr/>
+                    <a:lstStyle/>
+                    <a:p>
+                      <a:pPr>
+                        <a:buNone/>
+                      </a:pPr>
+                      <a:r>
+                        <a:rPr lang="en-GB" sz="1000"/>
+                        <a:t>Whether guests can invite others.</a:t>
+                      </a:r>
+                    </a:p>
+                  </a:txBody>
+                  <a:tcPr marL="20145" marR="20145" marT="10073" marB="10073" anchor="ctr"/>
+                </a:tc>
+                <a:extLst>
+                  <a:ext uri="{0D108BD9-81ED-4DB2-BD59-A6C34878D82A}">
+                    <a16:rowId xmlns:a16="http://schemas.microsoft.com/office/drawing/2014/main" val="2845445828"/>
+                  </a:ext>
+                </a:extLst>
+              </a:tr>
+              <a:tr h="141016">
+                <a:tc>
+                  <a:txBody>
+                    <a:bodyPr/>
+                    <a:lstStyle/>
+                    <a:p>
+                      <a:pPr>
+                        <a:buNone/>
+                      </a:pPr>
+                      <a:r>
+                        <a:rPr lang="en-US" sz="1000"/>
+                        <a:t>guestsCanSeeGuests</a:t>
+                      </a:r>
+                    </a:p>
+                  </a:txBody>
+                  <a:tcPr marL="20145" marR="20145" marT="10073" marB="10073" anchor="ctr"/>
+                </a:tc>
+                <a:tc>
+                  <a:txBody>
+                    <a:bodyPr/>
+                    <a:lstStyle/>
+                    <a:p>
+                      <a:pPr>
+                        <a:buNone/>
+                      </a:pPr>
+                      <a:r>
+                        <a:rPr lang="en-US" sz="1000"/>
+                        <a:t>INTEGER</a:t>
+                      </a:r>
+                    </a:p>
+                  </a:txBody>
+                  <a:tcPr marL="20145" marR="20145" marT="10073" marB="10073" anchor="ctr"/>
+                </a:tc>
+                <a:tc>
+                  <a:txBody>
+                    <a:bodyPr/>
+                    <a:lstStyle/>
+                    <a:p>
+                      <a:pPr>
+                        <a:buNone/>
+                      </a:pPr>
+                      <a:r>
+                        <a:rPr lang="en-GB" sz="1000"/>
+                        <a:t>Whether guests can see other guests.</a:t>
+                      </a:r>
+                    </a:p>
+                  </a:txBody>
+                  <a:tcPr marL="20145" marR="20145" marT="10073" marB="10073" anchor="ctr"/>
+                </a:tc>
+                <a:extLst>
+                  <a:ext uri="{0D108BD9-81ED-4DB2-BD59-A6C34878D82A}">
+                    <a16:rowId xmlns:a16="http://schemas.microsoft.com/office/drawing/2014/main" val="2489744243"/>
+                  </a:ext>
+                </a:extLst>
+              </a:tr>
+              <a:tr h="80580">
+                <a:tc>
+                  <a:txBody>
+                    <a:bodyPr/>
+                    <a:lstStyle/>
+                    <a:p>
+                      <a:pPr>
+                        <a:buNone/>
+                      </a:pPr>
+                      <a:r>
+                        <a:rPr lang="en-US" sz="1000">
+                          <a:highlight>
+                            <a:srgbClr val="FFFF00"/>
+                          </a:highlight>
+                        </a:rPr>
+                        <a:t>organizer</a:t>
+                      </a:r>
+                    </a:p>
+                  </a:txBody>
+                  <a:tcPr marL="20145" marR="20145" marT="10073" marB="10073" anchor="ctr"/>
+                </a:tc>
+                <a:tc>
+                  <a:txBody>
+                    <a:bodyPr/>
+                    <a:lstStyle/>
+                    <a:p>
+                      <a:pPr>
+                        <a:buNone/>
+                      </a:pPr>
+                      <a:r>
+                        <a:rPr lang="en-US" sz="1000">
+                          <a:highlight>
+                            <a:srgbClr val="FFFF00"/>
+                          </a:highlight>
+                        </a:rPr>
+                        <a:t>TEXT</a:t>
+                      </a:r>
+                    </a:p>
+                  </a:txBody>
+                  <a:tcPr marL="20145" marR="20145" marT="10073" marB="10073" anchor="ctr"/>
+                </a:tc>
+                <a:tc>
+                  <a:txBody>
+                    <a:bodyPr/>
+                    <a:lstStyle/>
+                    <a:p>
+                      <a:pPr>
+                        <a:buNone/>
+                      </a:pPr>
+                      <a:r>
+                        <a:rPr lang="en-US" sz="1000" dirty="0">
+                          <a:highlight>
+                            <a:srgbClr val="FFFF00"/>
+                          </a:highlight>
+                        </a:rPr>
+                        <a:t>Organizer’s email or identifier.</a:t>
+                      </a:r>
+                    </a:p>
+                  </a:txBody>
+                  <a:tcPr marL="20145" marR="20145" marT="10073" marB="10073" anchor="ctr"/>
+                </a:tc>
+                <a:extLst>
+                  <a:ext uri="{0D108BD9-81ED-4DB2-BD59-A6C34878D82A}">
+                    <a16:rowId xmlns:a16="http://schemas.microsoft.com/office/drawing/2014/main" val="1770816592"/>
+                  </a:ext>
+                </a:extLst>
+              </a:tr>
+              <a:tr h="80580">
+                <a:tc>
+                  <a:txBody>
+                    <a:bodyPr/>
+                    <a:lstStyle/>
+                    <a:p>
+                      <a:pPr>
+                        <a:buNone/>
+                      </a:pPr>
+                      <a:r>
+                        <a:rPr lang="en-US" sz="1000"/>
+                        <a:t>isOrganizer</a:t>
+                      </a:r>
+                    </a:p>
+                  </a:txBody>
+                  <a:tcPr marL="20145" marR="20145" marT="10073" marB="10073" anchor="ctr"/>
+                </a:tc>
+                <a:tc>
+                  <a:txBody>
+                    <a:bodyPr/>
+                    <a:lstStyle/>
+                    <a:p>
+                      <a:pPr>
+                        <a:buNone/>
+                      </a:pPr>
+                      <a:r>
+                        <a:rPr lang="en-US" sz="1000"/>
+                        <a:t>INTEGER</a:t>
+                      </a:r>
+                    </a:p>
+                  </a:txBody>
+                  <a:tcPr marL="20145" marR="20145" marT="10073" marB="10073" anchor="ctr"/>
+                </a:tc>
+                <a:tc>
+                  <a:txBody>
+                    <a:bodyPr/>
+                    <a:lstStyle/>
+                    <a:p>
+                      <a:pPr>
+                        <a:buNone/>
+                      </a:pPr>
+                      <a:r>
+                        <a:rPr lang="en-GB" sz="1000"/>
+                        <a:t>1 if the user is the organizer.</a:t>
+                      </a:r>
+                    </a:p>
+                  </a:txBody>
+                  <a:tcPr marL="20145" marR="20145" marT="10073" marB="10073" anchor="ctr"/>
+                </a:tc>
+                <a:extLst>
+                  <a:ext uri="{0D108BD9-81ED-4DB2-BD59-A6C34878D82A}">
+                    <a16:rowId xmlns:a16="http://schemas.microsoft.com/office/drawing/2014/main" val="125319837"/>
+                  </a:ext>
+                </a:extLst>
+              </a:tr>
+              <a:tr h="141016">
+                <a:tc>
+                  <a:txBody>
+                    <a:bodyPr/>
+                    <a:lstStyle/>
+                    <a:p>
+                      <a:pPr>
+                        <a:buNone/>
+                      </a:pPr>
+                      <a:r>
+                        <a:rPr lang="en-US" sz="1000"/>
+                        <a:t>selfAttendeeStatus</a:t>
+                      </a:r>
+                    </a:p>
+                  </a:txBody>
+                  <a:tcPr marL="20145" marR="20145" marT="10073" marB="10073" anchor="ctr"/>
+                </a:tc>
+                <a:tc>
+                  <a:txBody>
+                    <a:bodyPr/>
+                    <a:lstStyle/>
+                    <a:p>
+                      <a:pPr>
+                        <a:buNone/>
+                      </a:pPr>
+                      <a:r>
+                        <a:rPr lang="en-US" sz="1000"/>
+                        <a:t>INTEGER</a:t>
+                      </a:r>
+                    </a:p>
+                  </a:txBody>
+                  <a:tcPr marL="20145" marR="20145" marT="10073" marB="10073" anchor="ctr"/>
+                </a:tc>
+                <a:tc>
+                  <a:txBody>
+                    <a:bodyPr/>
+                    <a:lstStyle/>
+                    <a:p>
+                      <a:pPr>
+                        <a:buNone/>
+                      </a:pPr>
+                      <a:r>
+                        <a:rPr lang="en-GB" sz="1000"/>
+                        <a:t>Attendance status for the current user.</a:t>
+                      </a:r>
+                    </a:p>
+                  </a:txBody>
+                  <a:tcPr marL="20145" marR="20145" marT="10073" marB="10073" anchor="ctr"/>
+                </a:tc>
+                <a:extLst>
+                  <a:ext uri="{0D108BD9-81ED-4DB2-BD59-A6C34878D82A}">
+                    <a16:rowId xmlns:a16="http://schemas.microsoft.com/office/drawing/2014/main" val="1565178538"/>
+                  </a:ext>
+                </a:extLst>
+              </a:tr>
+              <a:tr h="80580">
+                <a:tc>
+                  <a:txBody>
+                    <a:bodyPr/>
+                    <a:lstStyle/>
+                    <a:p>
+                      <a:pPr>
+                        <a:buNone/>
+                      </a:pPr>
+                      <a:r>
+                        <a:rPr lang="en-US" sz="1000"/>
+                        <a:t>sync_data1–sync_data5</a:t>
+                      </a:r>
+                    </a:p>
+                  </a:txBody>
+                  <a:tcPr marL="20145" marR="20145" marT="10073" marB="10073" anchor="ctr"/>
+                </a:tc>
+                <a:tc>
+                  <a:txBody>
+                    <a:bodyPr/>
+                    <a:lstStyle/>
+                    <a:p>
+                      <a:pPr>
+                        <a:buNone/>
+                      </a:pPr>
+                      <a:r>
+                        <a:rPr lang="en-US" sz="1000"/>
+                        <a:t>TEXT</a:t>
+                      </a:r>
+                    </a:p>
+                  </a:txBody>
+                  <a:tcPr marL="20145" marR="20145" marT="10073" marB="10073" anchor="ctr"/>
+                </a:tc>
+                <a:tc>
+                  <a:txBody>
+                    <a:bodyPr/>
+                    <a:lstStyle/>
+                    <a:p>
+                      <a:pPr>
+                        <a:buNone/>
+                      </a:pPr>
+                      <a:r>
+                        <a:rPr lang="en-US" sz="1000"/>
+                        <a:t>Reserved for sync adapters.</a:t>
+                      </a:r>
+                    </a:p>
+                  </a:txBody>
+                  <a:tcPr marL="20145" marR="20145" marT="10073" marB="10073" anchor="ctr"/>
+                </a:tc>
+                <a:extLst>
+                  <a:ext uri="{0D108BD9-81ED-4DB2-BD59-A6C34878D82A}">
+                    <a16:rowId xmlns:a16="http://schemas.microsoft.com/office/drawing/2014/main" val="4117900915"/>
+                  </a:ext>
+                </a:extLst>
+              </a:tr>
+              <a:tr h="141016">
+                <a:tc>
+                  <a:txBody>
+                    <a:bodyPr/>
+                    <a:lstStyle/>
+                    <a:p>
+                      <a:pPr>
+                        <a:buNone/>
+                      </a:pPr>
+                      <a:r>
+                        <a:rPr lang="en-US" sz="1000"/>
+                        <a:t>customAppPackage</a:t>
+                      </a:r>
+                    </a:p>
+                  </a:txBody>
+                  <a:tcPr marL="20145" marR="20145" marT="10073" marB="10073" anchor="ctr"/>
+                </a:tc>
+                <a:tc>
+                  <a:txBody>
+                    <a:bodyPr/>
+                    <a:lstStyle/>
+                    <a:p>
+                      <a:pPr>
+                        <a:buNone/>
+                      </a:pPr>
+                      <a:r>
+                        <a:rPr lang="en-US" sz="1000"/>
+                        <a:t>TEXT</a:t>
+                      </a:r>
+                    </a:p>
+                  </a:txBody>
+                  <a:tcPr marL="20145" marR="20145" marT="10073" marB="10073" anchor="ctr"/>
+                </a:tc>
+                <a:tc>
+                  <a:txBody>
+                    <a:bodyPr/>
+                    <a:lstStyle/>
+                    <a:p>
+                      <a:pPr>
+                        <a:buNone/>
+                      </a:pPr>
+                      <a:r>
+                        <a:rPr lang="en-GB" sz="1000"/>
+                        <a:t>Custom app package that created the event.</a:t>
+                      </a:r>
+                    </a:p>
+                  </a:txBody>
+                  <a:tcPr marL="20145" marR="20145" marT="10073" marB="10073" anchor="ctr"/>
+                </a:tc>
+                <a:extLst>
+                  <a:ext uri="{0D108BD9-81ED-4DB2-BD59-A6C34878D82A}">
+                    <a16:rowId xmlns:a16="http://schemas.microsoft.com/office/drawing/2014/main" val="398790617"/>
+                  </a:ext>
+                </a:extLst>
+              </a:tr>
+              <a:tr h="80580">
+                <a:tc>
+                  <a:txBody>
+                    <a:bodyPr/>
+                    <a:lstStyle/>
+                    <a:p>
+                      <a:pPr>
+                        <a:buNone/>
+                      </a:pPr>
+                      <a:r>
+                        <a:rPr lang="en-US" sz="1000"/>
+                        <a:t>customAppUri</a:t>
+                      </a:r>
+                    </a:p>
+                  </a:txBody>
+                  <a:tcPr marL="20145" marR="20145" marT="10073" marB="10073" anchor="ctr"/>
+                </a:tc>
+                <a:tc>
+                  <a:txBody>
+                    <a:bodyPr/>
+                    <a:lstStyle/>
+                    <a:p>
+                      <a:pPr>
+                        <a:buNone/>
+                      </a:pPr>
+                      <a:r>
+                        <a:rPr lang="en-US" sz="1000"/>
+                        <a:t>TEXT</a:t>
+                      </a:r>
+                    </a:p>
+                  </a:txBody>
+                  <a:tcPr marL="20145" marR="20145" marT="10073" marB="10073" anchor="ctr"/>
+                </a:tc>
+                <a:tc>
+                  <a:txBody>
+                    <a:bodyPr/>
+                    <a:lstStyle/>
+                    <a:p>
+                      <a:pPr>
+                        <a:buNone/>
+                      </a:pPr>
+                      <a:r>
+                        <a:rPr lang="en-GB" sz="1000"/>
+                        <a:t>URI for the custom app.</a:t>
+                      </a:r>
+                    </a:p>
+                  </a:txBody>
+                  <a:tcPr marL="20145" marR="20145" marT="10073" marB="10073" anchor="ctr"/>
+                </a:tc>
+                <a:extLst>
+                  <a:ext uri="{0D108BD9-81ED-4DB2-BD59-A6C34878D82A}">
+                    <a16:rowId xmlns:a16="http://schemas.microsoft.com/office/drawing/2014/main" val="4054995093"/>
+                  </a:ext>
+                </a:extLst>
+              </a:tr>
+              <a:tr h="80580">
+                <a:tc>
+                  <a:txBody>
+                    <a:bodyPr/>
+                    <a:lstStyle/>
+                    <a:p>
+                      <a:pPr>
+                        <a:buNone/>
+                      </a:pPr>
+                      <a:r>
+                        <a:rPr lang="en-US" sz="1000"/>
+                        <a:t>uid2445</a:t>
+                      </a:r>
+                    </a:p>
+                  </a:txBody>
+                  <a:tcPr marL="20145" marR="20145" marT="10073" marB="10073" anchor="ctr"/>
+                </a:tc>
+                <a:tc>
+                  <a:txBody>
+                    <a:bodyPr/>
+                    <a:lstStyle/>
+                    <a:p>
+                      <a:pPr>
+                        <a:buNone/>
+                      </a:pPr>
+                      <a:r>
+                        <a:rPr lang="en-US" sz="1000" dirty="0"/>
+                        <a:t>TEXT</a:t>
+                      </a:r>
+                    </a:p>
+                  </a:txBody>
+                  <a:tcPr marL="20145" marR="20145" marT="10073" marB="10073" anchor="ctr"/>
+                </a:tc>
+                <a:tc>
+                  <a:txBody>
+                    <a:bodyPr/>
+                    <a:lstStyle/>
+                    <a:p>
+                      <a:pPr>
+                        <a:buNone/>
+                      </a:pPr>
+                      <a:r>
+                        <a:rPr lang="en-US" sz="1000"/>
+                        <a:t>Globally unique ID (iCalendar UID).</a:t>
+                      </a:r>
+                    </a:p>
+                  </a:txBody>
+                  <a:tcPr marL="20145" marR="20145" marT="10073" marB="10073" anchor="ctr"/>
+                </a:tc>
+                <a:extLst>
+                  <a:ext uri="{0D108BD9-81ED-4DB2-BD59-A6C34878D82A}">
+                    <a16:rowId xmlns:a16="http://schemas.microsoft.com/office/drawing/2014/main" val="2456974966"/>
+                  </a:ext>
+                </a:extLst>
+              </a:tr>
+              <a:tr h="80580">
+                <a:tc>
+                  <a:txBody>
+                    <a:bodyPr/>
+                    <a:lstStyle/>
+                    <a:p>
+                      <a:pPr>
+                        <a:buNone/>
+                      </a:pPr>
+                      <a:r>
+                        <a:rPr lang="en-US" sz="1000"/>
+                        <a:t>lastSynced</a:t>
+                      </a:r>
+                    </a:p>
+                  </a:txBody>
+                  <a:tcPr marL="20145" marR="20145" marT="10073" marB="10073" anchor="ctr"/>
+                </a:tc>
+                <a:tc>
+                  <a:txBody>
+                    <a:bodyPr/>
+                    <a:lstStyle/>
+                    <a:p>
+                      <a:pPr>
+                        <a:buNone/>
+                      </a:pPr>
+                      <a:r>
+                        <a:rPr lang="en-US" sz="1000"/>
+                        <a:t>INTEGER</a:t>
+                      </a:r>
+                    </a:p>
+                  </a:txBody>
+                  <a:tcPr marL="20145" marR="20145" marT="10073" marB="10073" anchor="ctr"/>
+                </a:tc>
+                <a:tc>
+                  <a:txBody>
+                    <a:bodyPr/>
+                    <a:lstStyle/>
+                    <a:p>
+                      <a:pPr>
+                        <a:buNone/>
+                      </a:pPr>
+                      <a:r>
+                        <a:rPr lang="en-US" sz="1000"/>
+                        <a:t>Last sync timestamp (ms).</a:t>
+                      </a:r>
+                    </a:p>
+                  </a:txBody>
+                  <a:tcPr marL="20145" marR="20145" marT="10073" marB="10073" anchor="ctr"/>
+                </a:tc>
+                <a:extLst>
+                  <a:ext uri="{0D108BD9-81ED-4DB2-BD59-A6C34878D82A}">
+                    <a16:rowId xmlns:a16="http://schemas.microsoft.com/office/drawing/2014/main" val="2872807820"/>
+                  </a:ext>
+                </a:extLst>
+              </a:tr>
+              <a:tr h="141016">
+                <a:tc>
+                  <a:txBody>
+                    <a:bodyPr/>
+                    <a:lstStyle/>
+                    <a:p>
+                      <a:pPr>
+                        <a:buNone/>
+                      </a:pPr>
+                      <a:r>
+                        <a:rPr lang="en-US" sz="1000"/>
+                        <a:t>dirty</a:t>
+                      </a:r>
+                    </a:p>
+                  </a:txBody>
+                  <a:tcPr marL="20145" marR="20145" marT="10073" marB="10073" anchor="ctr"/>
+                </a:tc>
+                <a:tc>
+                  <a:txBody>
+                    <a:bodyPr/>
+                    <a:lstStyle/>
+                    <a:p>
+                      <a:pPr>
+                        <a:buNone/>
+                      </a:pPr>
+                      <a:r>
+                        <a:rPr lang="en-US" sz="1000"/>
+                        <a:t>INTEGER</a:t>
+                      </a:r>
+                    </a:p>
+                  </a:txBody>
+                  <a:tcPr marL="20145" marR="20145" marT="10073" marB="10073" anchor="ctr"/>
+                </a:tc>
+                <a:tc>
+                  <a:txBody>
+                    <a:bodyPr/>
+                    <a:lstStyle/>
+                    <a:p>
+                      <a:pPr>
+                        <a:buNone/>
+                      </a:pPr>
+                      <a:r>
+                        <a:rPr lang="en-GB" sz="1000"/>
+                        <a:t>Whether record has unsynced local changes (1=yes).</a:t>
+                      </a:r>
+                    </a:p>
+                  </a:txBody>
+                  <a:tcPr marL="20145" marR="20145" marT="10073" marB="10073" anchor="ctr"/>
+                </a:tc>
+                <a:extLst>
+                  <a:ext uri="{0D108BD9-81ED-4DB2-BD59-A6C34878D82A}">
+                    <a16:rowId xmlns:a16="http://schemas.microsoft.com/office/drawing/2014/main" val="1655679868"/>
+                  </a:ext>
+                </a:extLst>
+              </a:tr>
+              <a:tr h="141016">
+                <a:tc>
+                  <a:txBody>
+                    <a:bodyPr/>
+                    <a:lstStyle/>
+                    <a:p>
+                      <a:pPr>
+                        <a:buNone/>
+                      </a:pPr>
+                      <a:r>
+                        <a:rPr lang="en-US" sz="1000">
+                          <a:solidFill>
+                            <a:srgbClr val="FF0000"/>
+                          </a:solidFill>
+                        </a:rPr>
+                        <a:t>deleted</a:t>
+                      </a:r>
+                    </a:p>
+                  </a:txBody>
+                  <a:tcPr marL="20145" marR="20145" marT="10073" marB="10073" anchor="ctr"/>
+                </a:tc>
+                <a:tc>
+                  <a:txBody>
+                    <a:bodyPr/>
+                    <a:lstStyle/>
+                    <a:p>
+                      <a:pPr>
+                        <a:buNone/>
+                      </a:pPr>
+                      <a:r>
+                        <a:rPr lang="en-US" sz="1000">
+                          <a:solidFill>
+                            <a:srgbClr val="FF0000"/>
+                          </a:solidFill>
+                        </a:rPr>
+                        <a:t>INTEGER</a:t>
+                      </a:r>
+                    </a:p>
+                  </a:txBody>
+                  <a:tcPr marL="20145" marR="20145" marT="10073" marB="10073" anchor="ctr"/>
+                </a:tc>
+                <a:tc>
+                  <a:txBody>
+                    <a:bodyPr/>
+                    <a:lstStyle/>
+                    <a:p>
+                      <a:pPr>
+                        <a:buNone/>
+                      </a:pPr>
+                      <a:r>
+                        <a:rPr lang="en-GB" sz="1000" dirty="0">
+                          <a:solidFill>
+                            <a:srgbClr val="FF0000"/>
+                          </a:solidFill>
+                        </a:rPr>
+                        <a:t>Whether event is deleted (soft delete flag).</a:t>
+                      </a:r>
+                    </a:p>
+                  </a:txBody>
+                  <a:tcPr marL="20145" marR="20145" marT="10073" marB="10073" anchor="ctr"/>
+                </a:tc>
+                <a:extLst>
+                  <a:ext uri="{0D108BD9-81ED-4DB2-BD59-A6C34878D82A}">
+                    <a16:rowId xmlns:a16="http://schemas.microsoft.com/office/drawing/2014/main" val="609938404"/>
+                  </a:ext>
+                </a:extLst>
+              </a:tr>
+            </a:tbl>
+          </a:graphicData>
+        </a:graphic>
+      </p:graphicFrame>
+    </p:spTree>
+    <p:extLst>
+      <p:ext uri="{BB962C8B-B14F-4D97-AF65-F5344CB8AC3E}">
+        <p14:creationId xmlns:p14="http://schemas.microsoft.com/office/powerpoint/2010/main" val="2938335630"/>
+      </p:ext>
+    </p:extLst>
+  </p:cSld>
+  <p:clrMapOvr>
+    <a:masterClrMapping/>
+  </p:clrMapOvr>
+</p:sld>
+</file>
+
+<file path=ppt/slides/slide12.xml><?xml version="1.0" encoding="utf-8"?>
 <p:sld xmlns:a="http://schemas.openxmlformats.org/drawingml/2006/main" xmlns:r="http://schemas.openxmlformats.org/officeDocument/2006/relationships" xmlns:p="http://schemas.openxmlformats.org/presentationml/2006/main">
   <p:cSld>
     <p:spTree>
@@ -11145,7 +13809,7 @@
 </p:sld>
 </file>
 
-<file path=ppt/slides/slide12.xml><?xml version="1.0" encoding="utf-8"?>
+<file path=ppt/slides/slide13.xml><?xml version="1.0" encoding="utf-8"?>
 <p:sld xmlns:a="http://schemas.openxmlformats.org/drawingml/2006/main" xmlns:r="http://schemas.openxmlformats.org/officeDocument/2006/relationships" xmlns:p="http://schemas.openxmlformats.org/presentationml/2006/main">
   <p:cSld>
     <p:spTree>
@@ -11274,7 +13938,7 @@
 </p:sld>
 </file>
 
-<file path=ppt/slides/slide13.xml><?xml version="1.0" encoding="utf-8"?>
+<file path=ppt/slides/slide14.xml><?xml version="1.0" encoding="utf-8"?>
 <p:sld xmlns:a="http://schemas.openxmlformats.org/drawingml/2006/main" xmlns:r="http://schemas.openxmlformats.org/officeDocument/2006/relationships" xmlns:p="http://schemas.openxmlformats.org/presentationml/2006/main">
   <p:cSld>
     <p:spTree>
@@ -11321,6 +13985,94 @@
           </a:prstGeom>
         </p:spPr>
       </p:pic>
+      <p:sp>
+        <p:nvSpPr>
+          <p:cNvPr id="2" name="TextBox 1">
+            <a:extLst>
+              <a:ext uri="{FF2B5EF4-FFF2-40B4-BE49-F238E27FC236}">
+                <a16:creationId xmlns:a16="http://schemas.microsoft.com/office/drawing/2014/main" id="{44C7A85B-E10B-53A8-A966-D40C02F7A65B}"/>
+              </a:ext>
+            </a:extLst>
+          </p:cNvPr>
+          <p:cNvSpPr txBox="1"/>
+          <p:nvPr/>
+        </p:nvSpPr>
+        <p:spPr>
+          <a:xfrm>
+            <a:off x="1740568" y="5967663"/>
+            <a:ext cx="1835054" cy="369332"/>
+          </a:xfrm>
+          <a:prstGeom prst="rect">
+            <a:avLst/>
+          </a:prstGeom>
+          <a:noFill/>
+        </p:spPr>
+        <p:txBody>
+          <a:bodyPr wrap="none" rtlCol="0">
+            <a:spAutoFit/>
+          </a:bodyPr>
+          <a:lstStyle/>
+          <a:p>
+            <a:r>
+              <a:rPr lang="en-US" dirty="0"/>
+              <a:t>in </a:t>
+            </a:r>
+            <a:r>
+              <a:rPr lang="en-US" dirty="0">
+                <a:solidFill>
+                  <a:schemeClr val="accent2"/>
+                </a:solidFill>
+              </a:rPr>
+              <a:t>calendars</a:t>
+            </a:r>
+            <a:r>
+              <a:rPr lang="en-US" dirty="0"/>
+              <a:t> table</a:t>
+            </a:r>
+          </a:p>
+        </p:txBody>
+      </p:sp>
+      <p:cxnSp>
+        <p:nvCxnSpPr>
+          <p:cNvPr id="4" name="Straight Arrow Connector 3">
+            <a:extLst>
+              <a:ext uri="{FF2B5EF4-FFF2-40B4-BE49-F238E27FC236}">
+                <a16:creationId xmlns:a16="http://schemas.microsoft.com/office/drawing/2014/main" id="{5551EED2-BDD2-5C7F-7DD1-E048CF6D4A6B}"/>
+              </a:ext>
+            </a:extLst>
+          </p:cNvPr>
+          <p:cNvCxnSpPr>
+            <a:stCxn id="2" idx="0"/>
+          </p:cNvCxnSpPr>
+          <p:nvPr/>
+        </p:nvCxnSpPr>
+        <p:spPr>
+          <a:xfrm flipH="1" flipV="1">
+            <a:off x="2654968" y="5526505"/>
+            <a:ext cx="3127" cy="441158"/>
+          </a:xfrm>
+          <a:prstGeom prst="straightConnector1">
+            <a:avLst/>
+          </a:prstGeom>
+          <a:ln>
+            <a:tailEnd type="triangle"/>
+          </a:ln>
+        </p:spPr>
+        <p:style>
+          <a:lnRef idx="1">
+            <a:schemeClr val="accent2"/>
+          </a:lnRef>
+          <a:fillRef idx="0">
+            <a:schemeClr val="accent2"/>
+          </a:fillRef>
+          <a:effectRef idx="0">
+            <a:schemeClr val="accent2"/>
+          </a:effectRef>
+          <a:fontRef idx="minor">
+            <a:schemeClr val="tx1"/>
+          </a:fontRef>
+        </p:style>
+      </p:cxnSp>
     </p:spTree>
     <p:extLst>
       <p:ext uri="{BB962C8B-B14F-4D97-AF65-F5344CB8AC3E}">
@@ -11334,7 +14086,7 @@
 </p:sld>
 </file>
 
-<file path=ppt/slides/slide14.xml><?xml version="1.0" encoding="utf-8"?>
+<file path=ppt/slides/slide15.xml><?xml version="1.0" encoding="utf-8"?>
 <p:sld xmlns:a="http://schemas.openxmlformats.org/drawingml/2006/main" xmlns:r="http://schemas.openxmlformats.org/officeDocument/2006/relationships" xmlns:p="http://schemas.openxmlformats.org/presentationml/2006/main">
   <p:cSld>
     <p:spTree>
@@ -11394,7 +14146,7 @@
 </p:sld>
 </file>
 
-<file path=ppt/slides/slide15.xml><?xml version="1.0" encoding="utf-8"?>
+<file path=ppt/slides/slide16.xml><?xml version="1.0" encoding="utf-8"?>
 <p:sld xmlns:a="http://schemas.openxmlformats.org/drawingml/2006/main" xmlns:r="http://schemas.openxmlformats.org/officeDocument/2006/relationships" xmlns:p="http://schemas.openxmlformats.org/presentationml/2006/main">
   <p:cSld>
     <p:spTree>
@@ -11454,7 +14206,7 @@
 </p:sld>
 </file>
 
-<file path=ppt/slides/slide16.xml><?xml version="1.0" encoding="utf-8"?>
+<file path=ppt/slides/slide17.xml><?xml version="1.0" encoding="utf-8"?>
 <p:sld xmlns:a="http://schemas.openxmlformats.org/drawingml/2006/main" xmlns:r="http://schemas.openxmlformats.org/officeDocument/2006/relationships" xmlns:p="http://schemas.openxmlformats.org/presentationml/2006/main">
   <p:cSld>
     <p:spTree>
@@ -11514,7 +14266,7 @@
 </p:sld>
 </file>
 
-<file path=ppt/slides/slide17.xml><?xml version="1.0" encoding="utf-8"?>
+<file path=ppt/slides/slide18.xml><?xml version="1.0" encoding="utf-8"?>
 <p:sld xmlns:a="http://schemas.openxmlformats.org/drawingml/2006/main" xmlns:r="http://schemas.openxmlformats.org/officeDocument/2006/relationships" xmlns:p="http://schemas.openxmlformats.org/presentationml/2006/main">
   <p:cSld>
     <p:spTree>
@@ -11585,98 +14337,101 @@
           </a:bodyPr>
           <a:lstStyle/>
           <a:p>
-            <a:pPr marL="0" indent="0">
-              <a:buNone/>
-            </a:pPr>
-            <a:r>
-              <a:rPr lang="en-US" dirty="0">
+            <a:r>
+              <a:rPr lang="en-GB" dirty="0">
                 <a:ea typeface="+mn-lt"/>
                 <a:cs typeface="+mn-lt"/>
               </a:rPr>
-              <a:t>What is the date of the scheduled event?</a:t>
-            </a:r>
-            <a:endParaRPr lang="en-US" dirty="0">
-              <a:cs typeface="Calibri"/>
-            </a:endParaRPr>
+              <a:t>Events</a:t>
+            </a:r>
           </a:p>
           <a:p>
             <a:pPr lvl="1"/>
             <a:r>
-              <a:rPr lang="en-US" dirty="0">
+              <a:rPr lang="en-GB" dirty="0">
                 <a:ea typeface="+mn-lt"/>
                 <a:cs typeface="+mn-lt"/>
               </a:rPr>
-              <a:t>Events table</a:t>
-            </a:r>
-          </a:p>
-          <a:p>
-            <a:pPr marL="0" indent="0">
-              <a:buNone/>
-            </a:pPr>
-            <a:r>
-              <a:rPr lang="en-US" dirty="0">
+              <a:t>When is the event (start/end date–time)?</a:t>
+            </a:r>
+          </a:p>
+          <a:p>
+            <a:pPr lvl="1"/>
+            <a:r>
+              <a:rPr lang="en-GB" dirty="0">
                 <a:ea typeface="+mn-lt"/>
                 <a:cs typeface="+mn-lt"/>
               </a:rPr>
-              <a:t>Who are the attendees ?</a:t>
+              <a:t>What/where is it (title, description, location)?</a:t>
             </a:r>
           </a:p>
           <a:p>
             <a:pPr lvl="1"/>
             <a:r>
-              <a:rPr lang="en-US" dirty="0">
+              <a:rPr lang="en-GB" dirty="0">
                 <a:ea typeface="+mn-lt"/>
                 <a:cs typeface="+mn-lt"/>
               </a:rPr>
-              <a:t>Attendees table</a:t>
-            </a:r>
-          </a:p>
-          <a:p>
-            <a:pPr marL="0" indent="0">
-              <a:buNone/>
-            </a:pPr>
-            <a:r>
-              <a:rPr lang="en-US" dirty="0">
+              <a:t>Whose event is it (organizer / linked calendar)?</a:t>
+            </a:r>
+          </a:p>
+          <a:p>
+            <a:r>
+              <a:rPr lang="en-GB" dirty="0">
                 <a:ea typeface="+mn-lt"/>
                 <a:cs typeface="+mn-lt"/>
               </a:rPr>
-              <a:t>For which date is the reminder set?</a:t>
+              <a:t>Calendars</a:t>
             </a:r>
           </a:p>
           <a:p>
             <a:pPr lvl="1"/>
             <a:r>
-              <a:rPr lang="en-US" dirty="0">
+              <a:rPr lang="en-GB" dirty="0">
                 <a:ea typeface="+mn-lt"/>
                 <a:cs typeface="+mn-lt"/>
               </a:rPr>
-              <a:t>Reminders table</a:t>
-            </a:r>
-          </a:p>
-          <a:p>
-            <a:pPr marL="0" indent="0">
-              <a:buNone/>
-            </a:pPr>
-            <a:r>
-              <a:rPr lang="en-US" dirty="0">
+              <a:t>Which account owns the event (account name/type)?</a:t>
+            </a:r>
+          </a:p>
+          <a:p>
+            <a:pPr lvl="1"/>
+            <a:r>
+              <a:rPr lang="en-GB" dirty="0">
                 <a:ea typeface="+mn-lt"/>
                 <a:cs typeface="+mn-lt"/>
               </a:rPr>
-              <a:t>Are there any other events saved by the suspect?</a:t>
-            </a:r>
-          </a:p>
-          <a:p>
-            <a:pPr lvl="1">
-              <a:buFont typeface="Arial"/>
-            </a:pPr>
-            <a:r>
-              <a:rPr lang="en-US" dirty="0">
-                <a:cs typeface="Calibri"/>
+              <a:t>Is this calendar active/syncing on the device?</a:t>
+            </a:r>
+          </a:p>
+          <a:p>
+            <a:r>
+              <a:rPr lang="en-GB" dirty="0">
+                <a:ea typeface="+mn-lt"/>
+                <a:cs typeface="+mn-lt"/>
               </a:rPr>
-              <a:t>Events table</a:t>
-            </a:r>
-          </a:p>
-          <a:p>
+              <a:t>Attendees</a:t>
+            </a:r>
+          </a:p>
+          <a:p>
+            <a:pPr lvl="1"/>
+            <a:r>
+              <a:rPr lang="en-GB" dirty="0">
+                <a:ea typeface="+mn-lt"/>
+                <a:cs typeface="+mn-lt"/>
+              </a:rPr>
+              <a:t>Who are the attendees (names/emails)?</a:t>
+            </a:r>
+          </a:p>
+          <a:p>
+            <a:pPr lvl="1"/>
+            <a:r>
+              <a:rPr lang="en-GB" dirty="0">
+                <a:ea typeface="+mn-lt"/>
+                <a:cs typeface="+mn-lt"/>
+              </a:rPr>
+              <a:t>What is each attendee’s response status (accepted/declined/tentative)?</a:t>
+            </a:r>
             <a:endParaRPr lang="en-US" dirty="0">
               <a:cs typeface="Calibri"/>
             </a:endParaRPr>
@@ -12427,367 +15182,6 @@
       </p:grpSpPr>
       <p:sp>
         <p:nvSpPr>
-          <p:cNvPr id="6" name="Title 1">
-            <a:extLst>
-              <a:ext uri="{FF2B5EF4-FFF2-40B4-BE49-F238E27FC236}">
-                <a16:creationId xmlns:a16="http://schemas.microsoft.com/office/drawing/2014/main" id="{E2F856D4-F051-4999-93C1-1D83F8208F03}"/>
-              </a:ext>
-            </a:extLst>
-          </p:cNvPr>
-          <p:cNvSpPr>
-            <a:spLocks noGrp="1"/>
-          </p:cNvSpPr>
-          <p:nvPr/>
-        </p:nvSpPr>
-        <p:spPr>
-          <a:xfrm>
-            <a:off x="838200" y="365125"/>
-            <a:ext cx="10515600" cy="1325563"/>
-          </a:xfrm>
-          <a:prstGeom prst="rect">
-            <a:avLst/>
-          </a:prstGeom>
-        </p:spPr>
-        <p:txBody>
-          <a:bodyPr vert="horz" lIns="91440" tIns="45720" rIns="91440" bIns="45720" rtlCol="0" anchor="ctr">
-            <a:normAutofit/>
-          </a:bodyPr>
-          <a:lstStyle>
-            <a:lvl1pPr algn="l" defTabSz="914400" rtl="0" eaLnBrk="1" latinLnBrk="0" hangingPunct="1">
-              <a:lnSpc>
-                <a:spcPct val="90000"/>
-              </a:lnSpc>
-              <a:spcBef>
-                <a:spcPct val="0"/>
-              </a:spcBef>
-              <a:buNone/>
-              <a:defRPr sz="4400" kern="1200">
-                <a:solidFill>
-                  <a:schemeClr val="tx1"/>
-                </a:solidFill>
-                <a:latin typeface="+mj-lt"/>
-                <a:ea typeface="+mj-ea"/>
-                <a:cs typeface="+mj-cs"/>
-              </a:defRPr>
-            </a:lvl1pPr>
-          </a:lstStyle>
-          <a:p>
-            <a:r>
-              <a:rPr lang="en-US" dirty="0">
-                <a:cs typeface="Calibri Light"/>
-              </a:rPr>
-              <a:t>Investigation strategies</a:t>
-            </a:r>
-            <a:endParaRPr lang="en-US" dirty="0"/>
-          </a:p>
-        </p:txBody>
-      </p:sp>
-      <p:sp>
-        <p:nvSpPr>
-          <p:cNvPr id="7" name="Content Placeholder 2">
-            <a:extLst>
-              <a:ext uri="{FF2B5EF4-FFF2-40B4-BE49-F238E27FC236}">
-                <a16:creationId xmlns:a16="http://schemas.microsoft.com/office/drawing/2014/main" id="{9FB82F0C-1384-4573-A52E-14FA3E8989B6}"/>
-              </a:ext>
-            </a:extLst>
-          </p:cNvPr>
-          <p:cNvSpPr>
-            <a:spLocks noGrp="1"/>
-          </p:cNvSpPr>
-          <p:nvPr/>
-        </p:nvSpPr>
-        <p:spPr>
-          <a:xfrm>
-            <a:off x="838200" y="1825625"/>
-            <a:ext cx="10515600" cy="4351338"/>
-          </a:xfrm>
-          <a:prstGeom prst="rect">
-            <a:avLst/>
-          </a:prstGeom>
-        </p:spPr>
-        <p:txBody>
-          <a:bodyPr vert="horz" lIns="91440" tIns="45720" rIns="91440" bIns="45720" rtlCol="0" anchor="t">
-            <a:normAutofit/>
-          </a:bodyPr>
-          <a:lstStyle>
-            <a:lvl1pPr marL="228600" indent="-228600" algn="l" defTabSz="914400" rtl="0" eaLnBrk="1" latinLnBrk="0" hangingPunct="1">
-              <a:lnSpc>
-                <a:spcPct val="90000"/>
-              </a:lnSpc>
-              <a:spcBef>
-                <a:spcPts val="1000"/>
-              </a:spcBef>
-              <a:buFont typeface="Arial" panose="020B0604020202020204" pitchFamily="34" charset="0"/>
-              <a:buChar char="•"/>
-              <a:defRPr sz="2800" kern="1200">
-                <a:solidFill>
-                  <a:schemeClr val="tx1"/>
-                </a:solidFill>
-                <a:latin typeface="+mn-lt"/>
-                <a:ea typeface="+mn-ea"/>
-                <a:cs typeface="+mn-cs"/>
-              </a:defRPr>
-            </a:lvl1pPr>
-            <a:lvl2pPr marL="685800" indent="-228600" algn="l" defTabSz="914400" rtl="0" eaLnBrk="1" latinLnBrk="0" hangingPunct="1">
-              <a:lnSpc>
-                <a:spcPct val="90000"/>
-              </a:lnSpc>
-              <a:spcBef>
-                <a:spcPts val="500"/>
-              </a:spcBef>
-              <a:buFont typeface="Arial" panose="020B0604020202020204" pitchFamily="34" charset="0"/>
-              <a:buChar char="•"/>
-              <a:defRPr sz="2400" kern="1200">
-                <a:solidFill>
-                  <a:schemeClr val="tx1"/>
-                </a:solidFill>
-                <a:latin typeface="+mn-lt"/>
-                <a:ea typeface="+mn-ea"/>
-                <a:cs typeface="+mn-cs"/>
-              </a:defRPr>
-            </a:lvl2pPr>
-            <a:lvl3pPr marL="1143000" indent="-228600" algn="l" defTabSz="914400" rtl="0" eaLnBrk="1" latinLnBrk="0" hangingPunct="1">
-              <a:lnSpc>
-                <a:spcPct val="90000"/>
-              </a:lnSpc>
-              <a:spcBef>
-                <a:spcPts val="500"/>
-              </a:spcBef>
-              <a:buFont typeface="Arial" panose="020B0604020202020204" pitchFamily="34" charset="0"/>
-              <a:buChar char="•"/>
-              <a:defRPr sz="2000" kern="1200">
-                <a:solidFill>
-                  <a:schemeClr val="tx1"/>
-                </a:solidFill>
-                <a:latin typeface="+mn-lt"/>
-                <a:ea typeface="+mn-ea"/>
-                <a:cs typeface="+mn-cs"/>
-              </a:defRPr>
-            </a:lvl3pPr>
-            <a:lvl4pPr marL="1600200" indent="-228600" algn="l" defTabSz="914400" rtl="0" eaLnBrk="1" latinLnBrk="0" hangingPunct="1">
-              <a:lnSpc>
-                <a:spcPct val="90000"/>
-              </a:lnSpc>
-              <a:spcBef>
-                <a:spcPts val="500"/>
-              </a:spcBef>
-              <a:buFont typeface="Arial" panose="020B0604020202020204" pitchFamily="34" charset="0"/>
-              <a:buChar char="•"/>
-              <a:defRPr sz="1800" kern="1200">
-                <a:solidFill>
-                  <a:schemeClr val="tx1"/>
-                </a:solidFill>
-                <a:latin typeface="+mn-lt"/>
-                <a:ea typeface="+mn-ea"/>
-                <a:cs typeface="+mn-cs"/>
-              </a:defRPr>
-            </a:lvl4pPr>
-            <a:lvl5pPr marL="2057400" indent="-228600" algn="l" defTabSz="914400" rtl="0" eaLnBrk="1" latinLnBrk="0" hangingPunct="1">
-              <a:lnSpc>
-                <a:spcPct val="90000"/>
-              </a:lnSpc>
-              <a:spcBef>
-                <a:spcPts val="500"/>
-              </a:spcBef>
-              <a:buFont typeface="Arial" panose="020B0604020202020204" pitchFamily="34" charset="0"/>
-              <a:buChar char="•"/>
-              <a:defRPr sz="1800" kern="1200">
-                <a:solidFill>
-                  <a:schemeClr val="tx1"/>
-                </a:solidFill>
-                <a:latin typeface="+mn-lt"/>
-                <a:ea typeface="+mn-ea"/>
-                <a:cs typeface="+mn-cs"/>
-              </a:defRPr>
-            </a:lvl5pPr>
-            <a:lvl6pPr marL="2514600" indent="-228600" algn="l" defTabSz="914400" rtl="0" eaLnBrk="1" latinLnBrk="0" hangingPunct="1">
-              <a:lnSpc>
-                <a:spcPct val="90000"/>
-              </a:lnSpc>
-              <a:spcBef>
-                <a:spcPts val="500"/>
-              </a:spcBef>
-              <a:buFont typeface="Arial" panose="020B0604020202020204" pitchFamily="34" charset="0"/>
-              <a:buChar char="•"/>
-              <a:defRPr sz="1800" kern="1200">
-                <a:solidFill>
-                  <a:schemeClr val="tx1"/>
-                </a:solidFill>
-                <a:latin typeface="+mn-lt"/>
-                <a:ea typeface="+mn-ea"/>
-                <a:cs typeface="+mn-cs"/>
-              </a:defRPr>
-            </a:lvl6pPr>
-            <a:lvl7pPr marL="2971800" indent="-228600" algn="l" defTabSz="914400" rtl="0" eaLnBrk="1" latinLnBrk="0" hangingPunct="1">
-              <a:lnSpc>
-                <a:spcPct val="90000"/>
-              </a:lnSpc>
-              <a:spcBef>
-                <a:spcPts val="500"/>
-              </a:spcBef>
-              <a:buFont typeface="Arial" panose="020B0604020202020204" pitchFamily="34" charset="0"/>
-              <a:buChar char="•"/>
-              <a:defRPr sz="1800" kern="1200">
-                <a:solidFill>
-                  <a:schemeClr val="tx1"/>
-                </a:solidFill>
-                <a:latin typeface="+mn-lt"/>
-                <a:ea typeface="+mn-ea"/>
-                <a:cs typeface="+mn-cs"/>
-              </a:defRPr>
-            </a:lvl7pPr>
-            <a:lvl8pPr marL="3429000" indent="-228600" algn="l" defTabSz="914400" rtl="0" eaLnBrk="1" latinLnBrk="0" hangingPunct="1">
-              <a:lnSpc>
-                <a:spcPct val="90000"/>
-              </a:lnSpc>
-              <a:spcBef>
-                <a:spcPts val="500"/>
-              </a:spcBef>
-              <a:buFont typeface="Arial" panose="020B0604020202020204" pitchFamily="34" charset="0"/>
-              <a:buChar char="•"/>
-              <a:defRPr sz="1800" kern="1200">
-                <a:solidFill>
-                  <a:schemeClr val="tx1"/>
-                </a:solidFill>
-                <a:latin typeface="+mn-lt"/>
-                <a:ea typeface="+mn-ea"/>
-                <a:cs typeface="+mn-cs"/>
-              </a:defRPr>
-            </a:lvl8pPr>
-            <a:lvl9pPr marL="3886200" indent="-228600" algn="l" defTabSz="914400" rtl="0" eaLnBrk="1" latinLnBrk="0" hangingPunct="1">
-              <a:lnSpc>
-                <a:spcPct val="90000"/>
-              </a:lnSpc>
-              <a:spcBef>
-                <a:spcPts val="500"/>
-              </a:spcBef>
-              <a:buFont typeface="Arial" panose="020B0604020202020204" pitchFamily="34" charset="0"/>
-              <a:buChar char="•"/>
-              <a:defRPr sz="1800" kern="1200">
-                <a:solidFill>
-                  <a:schemeClr val="tx1"/>
-                </a:solidFill>
-                <a:latin typeface="+mn-lt"/>
-                <a:ea typeface="+mn-ea"/>
-                <a:cs typeface="+mn-cs"/>
-              </a:defRPr>
-            </a:lvl9pPr>
-          </a:lstStyle>
-          <a:p>
-            <a:r>
-              <a:rPr lang="en-US" dirty="0"/>
-              <a:t>Understand how events/reminders are stored in disks</a:t>
-            </a:r>
-          </a:p>
-          <a:p>
-            <a:pPr lvl="1"/>
-            <a:r>
-              <a:rPr lang="en-US" dirty="0"/>
-              <a:t>often organized and </a:t>
-            </a:r>
-            <a:r>
-              <a:rPr lang="en-US" dirty="0">
-                <a:ea typeface="+mn-lt"/>
-                <a:cs typeface="+mn-lt"/>
-              </a:rPr>
-              <a:t>stored in centralized locations such as database, xml, text file. </a:t>
-            </a:r>
-          </a:p>
-          <a:p>
-            <a:r>
-              <a:rPr lang="en-US" dirty="0"/>
-              <a:t>Steps</a:t>
-            </a:r>
-            <a:endParaRPr lang="en-US" dirty="0">
-              <a:cs typeface="Calibri"/>
-            </a:endParaRPr>
-          </a:p>
-          <a:p>
-            <a:pPr lvl="1"/>
-            <a:r>
-              <a:rPr lang="en-US" dirty="0"/>
-              <a:t>find potential locations of evidence, e.g., folder</a:t>
-            </a:r>
-            <a:endParaRPr lang="en-US" dirty="0">
-              <a:cs typeface="Calibri"/>
-            </a:endParaRPr>
-          </a:p>
-          <a:p>
-            <a:pPr lvl="1"/>
-            <a:r>
-              <a:rPr lang="en-US" dirty="0"/>
-              <a:t>find database/files</a:t>
-            </a:r>
-            <a:endParaRPr lang="en-US" dirty="0">
-              <a:cs typeface="Calibri"/>
-            </a:endParaRPr>
-          </a:p>
-          <a:p>
-            <a:pPr lvl="1"/>
-            <a:r>
-              <a:rPr lang="en-US" dirty="0"/>
-              <a:t>examine database/file</a:t>
-            </a:r>
-            <a:endParaRPr lang="en-US" dirty="0">
-              <a:cs typeface="Calibri"/>
-            </a:endParaRPr>
-          </a:p>
-          <a:p>
-            <a:pPr marL="457200" lvl="1" indent="0">
-              <a:buNone/>
-            </a:pPr>
-            <a:endParaRPr lang="en-US" dirty="0">
-              <a:cs typeface="Calibri"/>
-            </a:endParaRPr>
-          </a:p>
-          <a:p>
-            <a:pPr marL="0" indent="0">
-              <a:buNone/>
-            </a:pPr>
-            <a:endParaRPr lang="en-US" dirty="0">
-              <a:cs typeface="Calibri"/>
-            </a:endParaRPr>
-          </a:p>
-          <a:p>
-            <a:pPr lvl="1"/>
-            <a:endParaRPr lang="en-US" dirty="0">
-              <a:cs typeface="Calibri"/>
-            </a:endParaRPr>
-          </a:p>
-        </p:txBody>
-      </p:sp>
-    </p:spTree>
-    <p:extLst>
-      <p:ext uri="{BB962C8B-B14F-4D97-AF65-F5344CB8AC3E}">
-        <p14:creationId xmlns:p14="http://schemas.microsoft.com/office/powerpoint/2010/main" val="1156047588"/>
-      </p:ext>
-    </p:extLst>
-  </p:cSld>
-  <p:clrMapOvr>
-    <a:masterClrMapping/>
-  </p:clrMapOvr>
-</p:sld>
-</file>
-
-<file path=ppt/slides/slide8.xml><?xml version="1.0" encoding="utf-8"?>
-<p:sld xmlns:a="http://schemas.openxmlformats.org/drawingml/2006/main" xmlns:r="http://schemas.openxmlformats.org/officeDocument/2006/relationships" xmlns:p="http://schemas.openxmlformats.org/presentationml/2006/main">
-  <p:cSld>
-    <p:spTree>
-      <p:nvGrpSpPr>
-        <p:cNvPr id="1" name=""/>
-        <p:cNvGrpSpPr/>
-        <p:nvPr/>
-      </p:nvGrpSpPr>
-      <p:grpSpPr>
-        <a:xfrm>
-          <a:off x="0" y="0"/>
-          <a:ext cx="0" cy="0"/>
-          <a:chOff x="0" y="0"/>
-          <a:chExt cx="0" cy="0"/>
-        </a:xfrm>
-      </p:grpSpPr>
-      <p:sp>
-        <p:nvSpPr>
           <p:cNvPr id="2" name="Title 1">
             <a:extLst>
               <a:ext uri="{FF2B5EF4-FFF2-40B4-BE49-F238E27FC236}">
@@ -12912,7 +15306,7 @@
 </p:sld>
 </file>
 
-<file path=ppt/slides/slide9.xml><?xml version="1.0" encoding="utf-8"?>
+<file path=ppt/slides/slide8.xml><?xml version="1.0" encoding="utf-8"?>
 <p:sld xmlns:a="http://schemas.openxmlformats.org/drawingml/2006/main" xmlns:r="http://schemas.openxmlformats.org/officeDocument/2006/relationships" xmlns:p="http://schemas.openxmlformats.org/presentationml/2006/main">
   <p:cSld>
     <p:spTree>
@@ -13077,6 +15471,395 @@
     <p:extLst>
       <p:ext uri="{BB962C8B-B14F-4D97-AF65-F5344CB8AC3E}">
         <p14:creationId xmlns:p14="http://schemas.microsoft.com/office/powerpoint/2010/main" val="46822973"/>
+      </p:ext>
+    </p:extLst>
+  </p:cSld>
+  <p:clrMapOvr>
+    <a:masterClrMapping/>
+  </p:clrMapOvr>
+</p:sld>
+</file>
+
+<file path=ppt/slides/slide9.xml><?xml version="1.0" encoding="utf-8"?>
+<p:sld xmlns:a="http://schemas.openxmlformats.org/drawingml/2006/main" xmlns:r="http://schemas.openxmlformats.org/officeDocument/2006/relationships" xmlns:p="http://schemas.openxmlformats.org/presentationml/2006/main">
+  <p:cSld>
+    <p:spTree>
+      <p:nvGrpSpPr>
+        <p:cNvPr id="1" name=""/>
+        <p:cNvGrpSpPr/>
+        <p:nvPr/>
+      </p:nvGrpSpPr>
+      <p:grpSpPr>
+        <a:xfrm>
+          <a:off x="0" y="0"/>
+          <a:ext cx="0" cy="0"/>
+          <a:chOff x="0" y="0"/>
+          <a:chExt cx="0" cy="0"/>
+        </a:xfrm>
+      </p:grpSpPr>
+      <p:sp>
+        <p:nvSpPr>
+          <p:cNvPr id="2" name="Title 1">
+            <a:extLst>
+              <a:ext uri="{FF2B5EF4-FFF2-40B4-BE49-F238E27FC236}">
+                <a16:creationId xmlns:a16="http://schemas.microsoft.com/office/drawing/2014/main" id="{B23D5793-2D2E-4A05-BBDB-A78A693AE53B}"/>
+              </a:ext>
+            </a:extLst>
+          </p:cNvPr>
+          <p:cNvSpPr>
+            <a:spLocks noGrp="1"/>
+          </p:cNvSpPr>
+          <p:nvPr>
+            <p:ph type="title"/>
+          </p:nvPr>
+        </p:nvSpPr>
+        <p:spPr/>
+        <p:txBody>
+          <a:bodyPr/>
+          <a:lstStyle/>
+          <a:p>
+            <a:r>
+              <a:rPr lang="en-US" dirty="0">
+                <a:cs typeface="Calibri Light"/>
+              </a:rPr>
+              <a:t>Examine </a:t>
+            </a:r>
+            <a:r>
+              <a:rPr lang="en-US" dirty="0" err="1">
+                <a:solidFill>
+                  <a:schemeClr val="accent2"/>
+                </a:solidFill>
+                <a:cs typeface="Calibri Light"/>
+              </a:rPr>
+              <a:t>calendar.db</a:t>
+            </a:r>
+            <a:r>
+              <a:rPr lang="en-US" dirty="0">
+                <a:solidFill>
+                  <a:schemeClr val="accent2"/>
+                </a:solidFill>
+                <a:cs typeface="Calibri Light"/>
+              </a:rPr>
+              <a:t> </a:t>
+            </a:r>
+            <a:endParaRPr lang="en-US" dirty="0"/>
+          </a:p>
+        </p:txBody>
+      </p:sp>
+      <p:pic>
+        <p:nvPicPr>
+          <p:cNvPr id="5" name="Picture 4" descr="Text&#10;&#10;Description automatically generated">
+            <a:extLst>
+              <a:ext uri="{FF2B5EF4-FFF2-40B4-BE49-F238E27FC236}">
+                <a16:creationId xmlns:a16="http://schemas.microsoft.com/office/drawing/2014/main" id="{49EA2546-C8EF-4AC8-8747-47AF64C5169C}"/>
+              </a:ext>
+            </a:extLst>
+          </p:cNvPr>
+          <p:cNvPicPr>
+            <a:picLocks noChangeAspect="1"/>
+          </p:cNvPicPr>
+          <p:nvPr/>
+        </p:nvPicPr>
+        <p:blipFill>
+          <a:blip r:embed="rId3"/>
+          <a:stretch>
+            <a:fillRect/>
+          </a:stretch>
+        </p:blipFill>
+        <p:spPr>
+          <a:xfrm>
+            <a:off x="839036" y="1881114"/>
+            <a:ext cx="10677568" cy="856114"/>
+          </a:xfrm>
+          <a:prstGeom prst="rect">
+            <a:avLst/>
+          </a:prstGeom>
+        </p:spPr>
+      </p:pic>
+      <p:pic>
+        <p:nvPicPr>
+          <p:cNvPr id="7" name="Picture 6" descr="Graphical user interface, text, application&#10;&#10;Description automatically generated">
+            <a:extLst>
+              <a:ext uri="{FF2B5EF4-FFF2-40B4-BE49-F238E27FC236}">
+                <a16:creationId xmlns:a16="http://schemas.microsoft.com/office/drawing/2014/main" id="{69CDA6A5-0B40-476D-8B25-8B1F60C519F9}"/>
+              </a:ext>
+            </a:extLst>
+          </p:cNvPr>
+          <p:cNvPicPr>
+            <a:picLocks noChangeAspect="1"/>
+          </p:cNvPicPr>
+          <p:nvPr/>
+        </p:nvPicPr>
+        <p:blipFill>
+          <a:blip r:embed="rId4"/>
+          <a:stretch>
+            <a:fillRect/>
+          </a:stretch>
+        </p:blipFill>
+        <p:spPr>
+          <a:xfrm>
+            <a:off x="5901488" y="3105085"/>
+            <a:ext cx="5650622" cy="3265503"/>
+          </a:xfrm>
+          <a:prstGeom prst="rect">
+            <a:avLst/>
+          </a:prstGeom>
+        </p:spPr>
+      </p:pic>
+      <p:sp>
+        <p:nvSpPr>
+          <p:cNvPr id="8" name="TextBox 7">
+            <a:extLst>
+              <a:ext uri="{FF2B5EF4-FFF2-40B4-BE49-F238E27FC236}">
+                <a16:creationId xmlns:a16="http://schemas.microsoft.com/office/drawing/2014/main" id="{44428CDD-ABDD-43D0-AC19-D3F74162BD84}"/>
+              </a:ext>
+            </a:extLst>
+          </p:cNvPr>
+          <p:cNvSpPr txBox="1"/>
+          <p:nvPr/>
+        </p:nvSpPr>
+        <p:spPr>
+          <a:xfrm>
+            <a:off x="838200" y="3107849"/>
+            <a:ext cx="4788568" cy="1938992"/>
+          </a:xfrm>
+          <a:prstGeom prst="rect">
+            <a:avLst/>
+          </a:prstGeom>
+          <a:noFill/>
+        </p:spPr>
+        <p:txBody>
+          <a:bodyPr rot="0" spcFirstLastPara="0" vertOverflow="overflow" horzOverflow="overflow" vert="horz" wrap="square" lIns="91440" tIns="45720" rIns="91440" bIns="45720" numCol="1" spcCol="0" rtlCol="0" fromWordArt="0" anchor="t" anchorCtr="0" forceAA="0" compatLnSpc="1">
+            <a:prstTxWarp prst="textNoShape">
+              <a:avLst/>
+            </a:prstTxWarp>
+            <a:spAutoFit/>
+          </a:bodyPr>
+          <a:lstStyle/>
+          <a:p>
+            <a:pPr marL="285750" indent="-285750">
+              <a:buFont typeface="Arial"/>
+              <a:buChar char="•"/>
+            </a:pPr>
+            <a:r>
+              <a:rPr lang="en-US" sz="2400" dirty="0">
+                <a:cs typeface="Calibri"/>
+              </a:rPr>
+              <a:t>Tables to focus on: attendees, events, reminders</a:t>
+            </a:r>
+          </a:p>
+          <a:p>
+            <a:pPr marL="285750" indent="-285750">
+              <a:buFont typeface="Arial"/>
+              <a:buChar char="•"/>
+            </a:pPr>
+            <a:endParaRPr lang="en-US" sz="2400" dirty="0">
+              <a:cs typeface="Calibri"/>
+            </a:endParaRPr>
+          </a:p>
+          <a:p>
+            <a:pPr marL="285750" indent="-285750">
+              <a:buFont typeface="Arial"/>
+              <a:buChar char="•"/>
+            </a:pPr>
+            <a:r>
+              <a:rPr lang="en-US" sz="2400" dirty="0">
+                <a:cs typeface="Calibri"/>
+              </a:rPr>
+              <a:t>In this case there isn't any data to look at in any of the tables</a:t>
+            </a:r>
+          </a:p>
+        </p:txBody>
+      </p:sp>
+      <p:sp>
+        <p:nvSpPr>
+          <p:cNvPr id="9" name="Rectangle 8">
+            <a:extLst>
+              <a:ext uri="{FF2B5EF4-FFF2-40B4-BE49-F238E27FC236}">
+                <a16:creationId xmlns:a16="http://schemas.microsoft.com/office/drawing/2014/main" id="{439BBE62-E442-49FE-A5A1-59F6D538371E}"/>
+              </a:ext>
+            </a:extLst>
+          </p:cNvPr>
+          <p:cNvSpPr/>
+          <p:nvPr/>
+        </p:nvSpPr>
+        <p:spPr>
+          <a:xfrm>
+            <a:off x="1298073" y="2331145"/>
+            <a:ext cx="10226841" cy="387683"/>
+          </a:xfrm>
+          <a:prstGeom prst="rect">
+            <a:avLst/>
+          </a:prstGeom>
+          <a:noFill/>
+          <a:ln w="28575">
+            <a:solidFill>
+              <a:srgbClr val="FF0000"/>
+            </a:solidFill>
+          </a:ln>
+        </p:spPr>
+        <p:style>
+          <a:lnRef idx="2">
+            <a:schemeClr val="accent1">
+              <a:shade val="50000"/>
+            </a:schemeClr>
+          </a:lnRef>
+          <a:fillRef idx="1">
+            <a:schemeClr val="accent1"/>
+          </a:fillRef>
+          <a:effectRef idx="0">
+            <a:schemeClr val="accent1"/>
+          </a:effectRef>
+          <a:fontRef idx="minor">
+            <a:schemeClr val="lt1"/>
+          </a:fontRef>
+        </p:style>
+        <p:txBody>
+          <a:bodyPr rtlCol="0" anchor="ctr"/>
+          <a:lstStyle/>
+          <a:p>
+            <a:pPr algn="ctr"/>
+            <a:endParaRPr lang="en-US"/>
+          </a:p>
+        </p:txBody>
+      </p:sp>
+      <p:sp>
+        <p:nvSpPr>
+          <p:cNvPr id="11" name="TextBox 1">
+            <a:extLst>
+              <a:ext uri="{FF2B5EF4-FFF2-40B4-BE49-F238E27FC236}">
+                <a16:creationId xmlns:a16="http://schemas.microsoft.com/office/drawing/2014/main" id="{D7049351-4E8A-4FBD-9C7D-8779B20AC091}"/>
+              </a:ext>
+            </a:extLst>
+          </p:cNvPr>
+          <p:cNvSpPr txBox="1"/>
+          <p:nvPr/>
+        </p:nvSpPr>
+        <p:spPr>
+          <a:xfrm>
+            <a:off x="5908896" y="2742083"/>
+            <a:ext cx="1902572" cy="369332"/>
+          </a:xfrm>
+          <a:prstGeom prst="rect">
+            <a:avLst/>
+          </a:prstGeom>
+          <a:solidFill>
+            <a:schemeClr val="accent4"/>
+          </a:solidFill>
+        </p:spPr>
+        <p:txBody>
+          <a:bodyPr wrap="none" lIns="91440" tIns="45720" rIns="91440" bIns="45720" rtlCol="0" anchor="t">
+            <a:spAutoFit/>
+          </a:bodyPr>
+          <a:lstStyle>
+            <a:defPPr>
+              <a:defRPr lang="en-US"/>
+            </a:defPPr>
+            <a:lvl1pPr marL="0" algn="l" defTabSz="914400" rtl="0" eaLnBrk="1" latinLnBrk="0" hangingPunct="1">
+              <a:defRPr sz="1800" kern="1200">
+                <a:solidFill>
+                  <a:schemeClr val="tx1"/>
+                </a:solidFill>
+                <a:latin typeface="+mn-lt"/>
+                <a:ea typeface="+mn-ea"/>
+                <a:cs typeface="+mn-cs"/>
+              </a:defRPr>
+            </a:lvl1pPr>
+            <a:lvl2pPr marL="457200" algn="l" defTabSz="914400" rtl="0" eaLnBrk="1" latinLnBrk="0" hangingPunct="1">
+              <a:defRPr sz="1800" kern="1200">
+                <a:solidFill>
+                  <a:schemeClr val="tx1"/>
+                </a:solidFill>
+                <a:latin typeface="+mn-lt"/>
+                <a:ea typeface="+mn-ea"/>
+                <a:cs typeface="+mn-cs"/>
+              </a:defRPr>
+            </a:lvl2pPr>
+            <a:lvl3pPr marL="914400" algn="l" defTabSz="914400" rtl="0" eaLnBrk="1" latinLnBrk="0" hangingPunct="1">
+              <a:defRPr sz="1800" kern="1200">
+                <a:solidFill>
+                  <a:schemeClr val="tx1"/>
+                </a:solidFill>
+                <a:latin typeface="+mn-lt"/>
+                <a:ea typeface="+mn-ea"/>
+                <a:cs typeface="+mn-cs"/>
+              </a:defRPr>
+            </a:lvl3pPr>
+            <a:lvl4pPr marL="1371600" algn="l" defTabSz="914400" rtl="0" eaLnBrk="1" latinLnBrk="0" hangingPunct="1">
+              <a:defRPr sz="1800" kern="1200">
+                <a:solidFill>
+                  <a:schemeClr val="tx1"/>
+                </a:solidFill>
+                <a:latin typeface="+mn-lt"/>
+                <a:ea typeface="+mn-ea"/>
+                <a:cs typeface="+mn-cs"/>
+              </a:defRPr>
+            </a:lvl4pPr>
+            <a:lvl5pPr marL="1828800" algn="l" defTabSz="914400" rtl="0" eaLnBrk="1" latinLnBrk="0" hangingPunct="1">
+              <a:defRPr sz="1800" kern="1200">
+                <a:solidFill>
+                  <a:schemeClr val="tx1"/>
+                </a:solidFill>
+                <a:latin typeface="+mn-lt"/>
+                <a:ea typeface="+mn-ea"/>
+                <a:cs typeface="+mn-cs"/>
+              </a:defRPr>
+            </a:lvl5pPr>
+            <a:lvl6pPr marL="2286000" algn="l" defTabSz="914400" rtl="0" eaLnBrk="1" latinLnBrk="0" hangingPunct="1">
+              <a:defRPr sz="1800" kern="1200">
+                <a:solidFill>
+                  <a:schemeClr val="tx1"/>
+                </a:solidFill>
+                <a:latin typeface="+mn-lt"/>
+                <a:ea typeface="+mn-ea"/>
+                <a:cs typeface="+mn-cs"/>
+              </a:defRPr>
+            </a:lvl6pPr>
+            <a:lvl7pPr marL="2743200" algn="l" defTabSz="914400" rtl="0" eaLnBrk="1" latinLnBrk="0" hangingPunct="1">
+              <a:defRPr sz="1800" kern="1200">
+                <a:solidFill>
+                  <a:schemeClr val="tx1"/>
+                </a:solidFill>
+                <a:latin typeface="+mn-lt"/>
+                <a:ea typeface="+mn-ea"/>
+                <a:cs typeface="+mn-cs"/>
+              </a:defRPr>
+            </a:lvl7pPr>
+            <a:lvl8pPr marL="3200400" algn="l" defTabSz="914400" rtl="0" eaLnBrk="1" latinLnBrk="0" hangingPunct="1">
+              <a:defRPr sz="1800" kern="1200">
+                <a:solidFill>
+                  <a:schemeClr val="tx1"/>
+                </a:solidFill>
+                <a:latin typeface="+mn-lt"/>
+                <a:ea typeface="+mn-ea"/>
+                <a:cs typeface="+mn-cs"/>
+              </a:defRPr>
+            </a:lvl8pPr>
+            <a:lvl9pPr marL="3657600" algn="l" defTabSz="914400" rtl="0" eaLnBrk="1" latinLnBrk="0" hangingPunct="1">
+              <a:defRPr sz="1800" kern="1200">
+                <a:solidFill>
+                  <a:schemeClr val="tx1"/>
+                </a:solidFill>
+                <a:latin typeface="+mn-lt"/>
+                <a:ea typeface="+mn-ea"/>
+                <a:cs typeface="+mn-cs"/>
+              </a:defRPr>
+            </a:lvl9pPr>
+          </a:lstStyle>
+          <a:p>
+            <a:r>
+              <a:rPr lang="en-US">
+                <a:cs typeface="Calibri"/>
+              </a:rPr>
+              <a:t>Tables in database</a:t>
+            </a:r>
+          </a:p>
+        </p:txBody>
+      </p:sp>
+    </p:spTree>
+    <p:extLst>
+      <p:ext uri="{BB962C8B-B14F-4D97-AF65-F5344CB8AC3E}">
+        <p14:creationId xmlns:p14="http://schemas.microsoft.com/office/powerpoint/2010/main" val="3735861723"/>
       </p:ext>
     </p:extLst>
   </p:cSld>
